--- a/miniProjetRattrapage.pptx
+++ b/miniProjetRattrapage.pptx
@@ -1,25 +1,120 @@
 
 <file path=ppt/presentation.xml><?xml version="1.0" encoding="utf-8"?>
-<p:presentation xmlns:a="http://schemas.openxmlformats.org/drawingml/2006/main" xmlns:p="http://schemas.openxmlformats.org/presentationml/2006/main" xmlns:r="http://schemas.openxmlformats.org/officeDocument/2006/relationships" xmlns:p14="http://schemas.microsoft.com/office/powerpoint/2010/main" xmlns:p15="http://schemas.microsoft.com/office/powerpoint/2012/main" xmlns:mc="http://schemas.openxmlformats.org/markup-compatibility/2006">
+<p:presentation xmlns:a="http://schemas.openxmlformats.org/drawingml/2006/main" xmlns:r="http://schemas.openxmlformats.org/officeDocument/2006/relationships" xmlns:p="http://schemas.openxmlformats.org/presentationml/2006/main">
   <p:sldMasterIdLst>
-    <p:sldMasterId id="2147483648" r:id="rId2"/>
-    <p:sldMasterId id="2147483661" r:id="rId3"/>
+    <p:sldMasterId id="2147483648" r:id="rId1"/>
+    <p:sldMasterId id="2147483661" r:id="rId2"/>
   </p:sldMasterIdLst>
   <p:sldIdLst>
-    <p:sldId id="256" r:id="rId4"/>
-    <p:sldId id="257" r:id="rId5"/>
-    <p:sldId id="258" r:id="rId6"/>
-    <p:sldId id="259" r:id="rId7"/>
-    <p:sldId id="260" r:id="rId8"/>
-    <p:sldId id="261" r:id="rId9"/>
+    <p:sldId id="256" r:id="rId3"/>
+    <p:sldId id="257" r:id="rId4"/>
+    <p:sldId id="258" r:id="rId5"/>
+    <p:sldId id="259" r:id="rId6"/>
+    <p:sldId id="260" r:id="rId7"/>
+    <p:sldId id="261" r:id="rId8"/>
   </p:sldIdLst>
   <p:sldSz cx="12192000" cy="6858000"/>
-  <p:notesSz cx="7559675" cy="10691812"/>
+  <p:notesSz cx="7559675" cy="10691813"/>
+  <p:defaultTextStyle>
+    <a:defPPr>
+      <a:defRPr lang="fr-FR"/>
+    </a:defPPr>
+    <a:lvl1pPr marL="0" algn="l" defTabSz="914400" rtl="0" eaLnBrk="1" latinLnBrk="0" hangingPunct="1">
+      <a:defRPr sz="1800" kern="1200">
+        <a:solidFill>
+          <a:schemeClr val="tx1"/>
+        </a:solidFill>
+        <a:latin typeface="+mn-lt"/>
+        <a:ea typeface="+mn-ea"/>
+        <a:cs typeface="+mn-cs"/>
+      </a:defRPr>
+    </a:lvl1pPr>
+    <a:lvl2pPr marL="457200" algn="l" defTabSz="914400" rtl="0" eaLnBrk="1" latinLnBrk="0" hangingPunct="1">
+      <a:defRPr sz="1800" kern="1200">
+        <a:solidFill>
+          <a:schemeClr val="tx1"/>
+        </a:solidFill>
+        <a:latin typeface="+mn-lt"/>
+        <a:ea typeface="+mn-ea"/>
+        <a:cs typeface="+mn-cs"/>
+      </a:defRPr>
+    </a:lvl2pPr>
+    <a:lvl3pPr marL="914400" algn="l" defTabSz="914400" rtl="0" eaLnBrk="1" latinLnBrk="0" hangingPunct="1">
+      <a:defRPr sz="1800" kern="1200">
+        <a:solidFill>
+          <a:schemeClr val="tx1"/>
+        </a:solidFill>
+        <a:latin typeface="+mn-lt"/>
+        <a:ea typeface="+mn-ea"/>
+        <a:cs typeface="+mn-cs"/>
+      </a:defRPr>
+    </a:lvl3pPr>
+    <a:lvl4pPr marL="1371600" algn="l" defTabSz="914400" rtl="0" eaLnBrk="1" latinLnBrk="0" hangingPunct="1">
+      <a:defRPr sz="1800" kern="1200">
+        <a:solidFill>
+          <a:schemeClr val="tx1"/>
+        </a:solidFill>
+        <a:latin typeface="+mn-lt"/>
+        <a:ea typeface="+mn-ea"/>
+        <a:cs typeface="+mn-cs"/>
+      </a:defRPr>
+    </a:lvl4pPr>
+    <a:lvl5pPr marL="1828800" algn="l" defTabSz="914400" rtl="0" eaLnBrk="1" latinLnBrk="0" hangingPunct="1">
+      <a:defRPr sz="1800" kern="1200">
+        <a:solidFill>
+          <a:schemeClr val="tx1"/>
+        </a:solidFill>
+        <a:latin typeface="+mn-lt"/>
+        <a:ea typeface="+mn-ea"/>
+        <a:cs typeface="+mn-cs"/>
+      </a:defRPr>
+    </a:lvl5pPr>
+    <a:lvl6pPr marL="2286000" algn="l" defTabSz="914400" rtl="0" eaLnBrk="1" latinLnBrk="0" hangingPunct="1">
+      <a:defRPr sz="1800" kern="1200">
+        <a:solidFill>
+          <a:schemeClr val="tx1"/>
+        </a:solidFill>
+        <a:latin typeface="+mn-lt"/>
+        <a:ea typeface="+mn-ea"/>
+        <a:cs typeface="+mn-cs"/>
+      </a:defRPr>
+    </a:lvl6pPr>
+    <a:lvl7pPr marL="2743200" algn="l" defTabSz="914400" rtl="0" eaLnBrk="1" latinLnBrk="0" hangingPunct="1">
+      <a:defRPr sz="1800" kern="1200">
+        <a:solidFill>
+          <a:schemeClr val="tx1"/>
+        </a:solidFill>
+        <a:latin typeface="+mn-lt"/>
+        <a:ea typeface="+mn-ea"/>
+        <a:cs typeface="+mn-cs"/>
+      </a:defRPr>
+    </a:lvl7pPr>
+    <a:lvl8pPr marL="3200400" algn="l" defTabSz="914400" rtl="0" eaLnBrk="1" latinLnBrk="0" hangingPunct="1">
+      <a:defRPr sz="1800" kern="1200">
+        <a:solidFill>
+          <a:schemeClr val="tx1"/>
+        </a:solidFill>
+        <a:latin typeface="+mn-lt"/>
+        <a:ea typeface="+mn-ea"/>
+        <a:cs typeface="+mn-cs"/>
+      </a:defRPr>
+    </a:lvl8pPr>
+    <a:lvl9pPr marL="3657600" algn="l" defTabSz="914400" rtl="0" eaLnBrk="1" latinLnBrk="0" hangingPunct="1">
+      <a:defRPr sz="1800" kern="1200">
+        <a:solidFill>
+          <a:schemeClr val="tx1"/>
+        </a:solidFill>
+        <a:latin typeface="+mn-lt"/>
+        <a:ea typeface="+mn-ea"/>
+        <a:cs typeface="+mn-cs"/>
+      </a:defRPr>
+    </a:lvl9pPr>
+  </p:defaultTextStyle>
 </p:presentation>
 </file>
 
 <file path=ppt/slideLayouts/slideLayout1.xml><?xml version="1.0" encoding="utf-8"?>
-<p:sldLayout xmlns:a="http://schemas.openxmlformats.org/drawingml/2006/main" xmlns:p="http://schemas.openxmlformats.org/presentationml/2006/main" xmlns:r="http://schemas.openxmlformats.org/officeDocument/2006/relationships" xmlns:p14="http://schemas.microsoft.com/office/powerpoint/2010/main" xmlns:p15="http://schemas.microsoft.com/office/powerpoint/2012/main" xmlns:mc="http://schemas.openxmlformats.org/markup-compatibility/2006" type="blank" preserve="1">
+<p:sldLayout xmlns:a="http://schemas.openxmlformats.org/drawingml/2006/main" xmlns:r="http://schemas.openxmlformats.org/officeDocument/2006/relationships" xmlns:p="http://schemas.openxmlformats.org/presentationml/2006/main" type="blank" preserve="1">
   <p:cSld name="Blank Slide">
     <p:spTree>
       <p:nvGrpSpPr>
@@ -37,11 +132,14 @@
       </p:grpSpPr>
     </p:spTree>
   </p:cSld>
+  <p:clrMapOvr>
+    <a:masterClrMapping/>
+  </p:clrMapOvr>
 </p:sldLayout>
 </file>
 
 <file path=ppt/slideLayouts/slideLayout10.xml><?xml version="1.0" encoding="utf-8"?>
-<p:sldLayout xmlns:a="http://schemas.openxmlformats.org/drawingml/2006/main" xmlns:p="http://schemas.openxmlformats.org/presentationml/2006/main" xmlns:r="http://schemas.openxmlformats.org/officeDocument/2006/relationships" xmlns:p14="http://schemas.microsoft.com/office/powerpoint/2010/main" xmlns:p15="http://schemas.microsoft.com/office/powerpoint/2012/main" xmlns:mc="http://schemas.openxmlformats.org/markup-compatibility/2006" type="objOverTx" preserve="1">
+<p:sldLayout xmlns:a="http://schemas.openxmlformats.org/drawingml/2006/main" xmlns:r="http://schemas.openxmlformats.org/officeDocument/2006/relationships" xmlns:p="http://schemas.openxmlformats.org/presentationml/2006/main" type="objOverTx" preserve="1">
   <p:cSld name="Title, Content over Content">
     <p:spTree>
       <p:nvGrpSpPr>
@@ -77,9 +175,10 @@
           </a:prstGeom>
         </p:spPr>
         <p:txBody>
-          <a:bodyPr lIns="0" rIns="0" tIns="0" bIns="0" anchor="ctr"/>
-          <a:p>
-            <a:endParaRPr b="0" lang="fr-FR" sz="1800" spc="-1" strike="noStrike">
+          <a:bodyPr lIns="0" tIns="0" rIns="0" bIns="0" anchor="ctr"/>
+          <a:lstStyle/>
+          <a:p>
+            <a:endParaRPr lang="fr-FR" sz="1800" b="0" strike="noStrike" spc="-1">
               <a:solidFill>
                 <a:srgbClr val="000000"/>
               </a:solidFill>
@@ -108,11 +207,12 @@
           </a:prstGeom>
         </p:spPr>
         <p:txBody>
-          <a:bodyPr lIns="0" rIns="0" tIns="0" bIns="0">
+          <a:bodyPr lIns="0" tIns="0" rIns="0" bIns="0">
             <a:normAutofit/>
           </a:bodyPr>
-          <a:p>
-            <a:endParaRPr b="0" lang="fr-FR" sz="2800" spc="-1" strike="noStrike">
+          <a:lstStyle/>
+          <a:p>
+            <a:endParaRPr lang="fr-FR" sz="2800" b="0" strike="noStrike" spc="-1">
               <a:solidFill>
                 <a:srgbClr val="000000"/>
               </a:solidFill>
@@ -141,11 +241,12 @@
           </a:prstGeom>
         </p:spPr>
         <p:txBody>
-          <a:bodyPr lIns="0" rIns="0" tIns="0" bIns="0">
+          <a:bodyPr lIns="0" tIns="0" rIns="0" bIns="0">
             <a:normAutofit/>
           </a:bodyPr>
-          <a:p>
-            <a:endParaRPr b="0" lang="fr-FR" sz="2800" spc="-1" strike="noStrike">
+          <a:lstStyle/>
+          <a:p>
+            <a:endParaRPr lang="fr-FR" sz="2800" b="0" strike="noStrike" spc="-1">
               <a:solidFill>
                 <a:srgbClr val="000000"/>
               </a:solidFill>
@@ -156,11 +257,14 @@
       </p:sp>
     </p:spTree>
   </p:cSld>
+  <p:clrMapOvr>
+    <a:masterClrMapping/>
+  </p:clrMapOvr>
 </p:sldLayout>
 </file>
 
 <file path=ppt/slideLayouts/slideLayout11.xml><?xml version="1.0" encoding="utf-8"?>
-<p:sldLayout xmlns:a="http://schemas.openxmlformats.org/drawingml/2006/main" xmlns:p="http://schemas.openxmlformats.org/presentationml/2006/main" xmlns:r="http://schemas.openxmlformats.org/officeDocument/2006/relationships" xmlns:p14="http://schemas.microsoft.com/office/powerpoint/2010/main" xmlns:p15="http://schemas.microsoft.com/office/powerpoint/2012/main" xmlns:mc="http://schemas.openxmlformats.org/markup-compatibility/2006" type="fourObj" preserve="1">
+<p:sldLayout xmlns:a="http://schemas.openxmlformats.org/drawingml/2006/main" xmlns:r="http://schemas.openxmlformats.org/officeDocument/2006/relationships" xmlns:p="http://schemas.openxmlformats.org/presentationml/2006/main" type="fourObj" preserve="1">
   <p:cSld name="Title, 4 Content">
     <p:spTree>
       <p:nvGrpSpPr>
@@ -196,9 +300,10 @@
           </a:prstGeom>
         </p:spPr>
         <p:txBody>
-          <a:bodyPr lIns="0" rIns="0" tIns="0" bIns="0" anchor="ctr"/>
-          <a:p>
-            <a:endParaRPr b="0" lang="fr-FR" sz="1800" spc="-1" strike="noStrike">
+          <a:bodyPr lIns="0" tIns="0" rIns="0" bIns="0" anchor="ctr"/>
+          <a:lstStyle/>
+          <a:p>
+            <a:endParaRPr lang="fr-FR" sz="1800" b="0" strike="noStrike" spc="-1">
               <a:solidFill>
                 <a:srgbClr val="000000"/>
               </a:solidFill>
@@ -227,11 +332,12 @@
           </a:prstGeom>
         </p:spPr>
         <p:txBody>
-          <a:bodyPr lIns="0" rIns="0" tIns="0" bIns="0">
+          <a:bodyPr lIns="0" tIns="0" rIns="0" bIns="0">
             <a:normAutofit/>
           </a:bodyPr>
-          <a:p>
-            <a:endParaRPr b="0" lang="fr-FR" sz="2800" spc="-1" strike="noStrike">
+          <a:lstStyle/>
+          <a:p>
+            <a:endParaRPr lang="fr-FR" sz="2800" b="0" strike="noStrike" spc="-1">
               <a:solidFill>
                 <a:srgbClr val="000000"/>
               </a:solidFill>
@@ -260,11 +366,12 @@
           </a:prstGeom>
         </p:spPr>
         <p:txBody>
-          <a:bodyPr lIns="0" rIns="0" tIns="0" bIns="0">
+          <a:bodyPr lIns="0" tIns="0" rIns="0" bIns="0">
             <a:normAutofit/>
           </a:bodyPr>
-          <a:p>
-            <a:endParaRPr b="0" lang="fr-FR" sz="2800" spc="-1" strike="noStrike">
+          <a:lstStyle/>
+          <a:p>
+            <a:endParaRPr lang="fr-FR" sz="2800" b="0" strike="noStrike" spc="-1">
               <a:solidFill>
                 <a:srgbClr val="000000"/>
               </a:solidFill>
@@ -293,11 +400,12 @@
           </a:prstGeom>
         </p:spPr>
         <p:txBody>
-          <a:bodyPr lIns="0" rIns="0" tIns="0" bIns="0">
+          <a:bodyPr lIns="0" tIns="0" rIns="0" bIns="0">
             <a:normAutofit/>
           </a:bodyPr>
-          <a:p>
-            <a:endParaRPr b="0" lang="fr-FR" sz="2800" spc="-1" strike="noStrike">
+          <a:lstStyle/>
+          <a:p>
+            <a:endParaRPr lang="fr-FR" sz="2800" b="0" strike="noStrike" spc="-1">
               <a:solidFill>
                 <a:srgbClr val="000000"/>
               </a:solidFill>
@@ -326,11 +434,12 @@
           </a:prstGeom>
         </p:spPr>
         <p:txBody>
-          <a:bodyPr lIns="0" rIns="0" tIns="0" bIns="0">
+          <a:bodyPr lIns="0" tIns="0" rIns="0" bIns="0">
             <a:normAutofit/>
           </a:bodyPr>
-          <a:p>
-            <a:endParaRPr b="0" lang="fr-FR" sz="2800" spc="-1" strike="noStrike">
+          <a:lstStyle/>
+          <a:p>
+            <a:endParaRPr lang="fr-FR" sz="2800" b="0" strike="noStrike" spc="-1">
               <a:solidFill>
                 <a:srgbClr val="000000"/>
               </a:solidFill>
@@ -341,11 +450,14 @@
       </p:sp>
     </p:spTree>
   </p:cSld>
+  <p:clrMapOvr>
+    <a:masterClrMapping/>
+  </p:clrMapOvr>
 </p:sldLayout>
 </file>
 
 <file path=ppt/slideLayouts/slideLayout12.xml><?xml version="1.0" encoding="utf-8"?>
-<p:sldLayout xmlns:a="http://schemas.openxmlformats.org/drawingml/2006/main" xmlns:p="http://schemas.openxmlformats.org/presentationml/2006/main" xmlns:r="http://schemas.openxmlformats.org/officeDocument/2006/relationships" xmlns:p14="http://schemas.microsoft.com/office/powerpoint/2010/main" xmlns:p15="http://schemas.microsoft.com/office/powerpoint/2012/main" xmlns:mc="http://schemas.openxmlformats.org/markup-compatibility/2006" type="blank" preserve="1">
+<p:sldLayout xmlns:a="http://schemas.openxmlformats.org/drawingml/2006/main" xmlns:r="http://schemas.openxmlformats.org/officeDocument/2006/relationships" xmlns:p="http://schemas.openxmlformats.org/presentationml/2006/main" type="blank" preserve="1">
   <p:cSld name="Title, 6 Content">
     <p:spTree>
       <p:nvGrpSpPr>
@@ -381,9 +493,10 @@
           </a:prstGeom>
         </p:spPr>
         <p:txBody>
-          <a:bodyPr lIns="0" rIns="0" tIns="0" bIns="0" anchor="ctr"/>
-          <a:p>
-            <a:endParaRPr b="0" lang="fr-FR" sz="1800" spc="-1" strike="noStrike">
+          <a:bodyPr lIns="0" tIns="0" rIns="0" bIns="0" anchor="ctr"/>
+          <a:lstStyle/>
+          <a:p>
+            <a:endParaRPr lang="fr-FR" sz="1800" b="0" strike="noStrike" spc="-1">
               <a:solidFill>
                 <a:srgbClr val="000000"/>
               </a:solidFill>
@@ -412,11 +525,12 @@
           </a:prstGeom>
         </p:spPr>
         <p:txBody>
-          <a:bodyPr lIns="0" rIns="0" tIns="0" bIns="0">
+          <a:bodyPr lIns="0" tIns="0" rIns="0" bIns="0">
             <a:normAutofit/>
           </a:bodyPr>
-          <a:p>
-            <a:endParaRPr b="0" lang="fr-FR" sz="2800" spc="-1" strike="noStrike">
+          <a:lstStyle/>
+          <a:p>
+            <a:endParaRPr lang="fr-FR" sz="2800" b="0" strike="noStrike" spc="-1">
               <a:solidFill>
                 <a:srgbClr val="000000"/>
               </a:solidFill>
@@ -445,11 +559,12 @@
           </a:prstGeom>
         </p:spPr>
         <p:txBody>
-          <a:bodyPr lIns="0" rIns="0" tIns="0" bIns="0">
+          <a:bodyPr lIns="0" tIns="0" rIns="0" bIns="0">
             <a:normAutofit/>
           </a:bodyPr>
-          <a:p>
-            <a:endParaRPr b="0" lang="fr-FR" sz="2800" spc="-1" strike="noStrike">
+          <a:lstStyle/>
+          <a:p>
+            <a:endParaRPr lang="fr-FR" sz="2800" b="0" strike="noStrike" spc="-1">
               <a:solidFill>
                 <a:srgbClr val="000000"/>
               </a:solidFill>
@@ -478,11 +593,12 @@
           </a:prstGeom>
         </p:spPr>
         <p:txBody>
-          <a:bodyPr lIns="0" rIns="0" tIns="0" bIns="0">
+          <a:bodyPr lIns="0" tIns="0" rIns="0" bIns="0">
             <a:normAutofit/>
           </a:bodyPr>
-          <a:p>
-            <a:endParaRPr b="0" lang="fr-FR" sz="2800" spc="-1" strike="noStrike">
+          <a:lstStyle/>
+          <a:p>
+            <a:endParaRPr lang="fr-FR" sz="2800" b="0" strike="noStrike" spc="-1">
               <a:solidFill>
                 <a:srgbClr val="000000"/>
               </a:solidFill>
@@ -511,11 +627,12 @@
           </a:prstGeom>
         </p:spPr>
         <p:txBody>
-          <a:bodyPr lIns="0" rIns="0" tIns="0" bIns="0">
+          <a:bodyPr lIns="0" tIns="0" rIns="0" bIns="0">
             <a:normAutofit/>
           </a:bodyPr>
-          <a:p>
-            <a:endParaRPr b="0" lang="fr-FR" sz="2800" spc="-1" strike="noStrike">
+          <a:lstStyle/>
+          <a:p>
+            <a:endParaRPr lang="fr-FR" sz="2800" b="0" strike="noStrike" spc="-1">
               <a:solidFill>
                 <a:srgbClr val="000000"/>
               </a:solidFill>
@@ -544,11 +661,12 @@
           </a:prstGeom>
         </p:spPr>
         <p:txBody>
-          <a:bodyPr lIns="0" rIns="0" tIns="0" bIns="0">
+          <a:bodyPr lIns="0" tIns="0" rIns="0" bIns="0">
             <a:normAutofit/>
           </a:bodyPr>
-          <a:p>
-            <a:endParaRPr b="0" lang="fr-FR" sz="2800" spc="-1" strike="noStrike">
+          <a:lstStyle/>
+          <a:p>
+            <a:endParaRPr lang="fr-FR" sz="2800" b="0" strike="noStrike" spc="-1">
               <a:solidFill>
                 <a:srgbClr val="000000"/>
               </a:solidFill>
@@ -577,11 +695,12 @@
           </a:prstGeom>
         </p:spPr>
         <p:txBody>
-          <a:bodyPr lIns="0" rIns="0" tIns="0" bIns="0">
+          <a:bodyPr lIns="0" tIns="0" rIns="0" bIns="0">
             <a:normAutofit/>
           </a:bodyPr>
-          <a:p>
-            <a:endParaRPr b="0" lang="fr-FR" sz="2800" spc="-1" strike="noStrike">
+          <a:lstStyle/>
+          <a:p>
+            <a:endParaRPr lang="fr-FR" sz="2800" b="0" strike="noStrike" spc="-1">
               <a:solidFill>
                 <a:srgbClr val="000000"/>
               </a:solidFill>
@@ -592,11 +711,14 @@
       </p:sp>
     </p:spTree>
   </p:cSld>
+  <p:clrMapOvr>
+    <a:masterClrMapping/>
+  </p:clrMapOvr>
 </p:sldLayout>
 </file>
 
 <file path=ppt/slideLayouts/slideLayout13.xml><?xml version="1.0" encoding="utf-8"?>
-<p:sldLayout xmlns:a="http://schemas.openxmlformats.org/drawingml/2006/main" xmlns:p="http://schemas.openxmlformats.org/presentationml/2006/main" xmlns:r="http://schemas.openxmlformats.org/officeDocument/2006/relationships" xmlns:p14="http://schemas.microsoft.com/office/powerpoint/2010/main" xmlns:p15="http://schemas.microsoft.com/office/powerpoint/2012/main" xmlns:mc="http://schemas.openxmlformats.org/markup-compatibility/2006" type="blank" preserve="1">
+<p:sldLayout xmlns:a="http://schemas.openxmlformats.org/drawingml/2006/main" xmlns:r="http://schemas.openxmlformats.org/officeDocument/2006/relationships" xmlns:p="http://schemas.openxmlformats.org/presentationml/2006/main" type="blank" preserve="1">
   <p:cSld name="Blank Slide">
     <p:spTree>
       <p:nvGrpSpPr>
@@ -614,11 +736,14 @@
       </p:grpSpPr>
     </p:spTree>
   </p:cSld>
+  <p:clrMapOvr>
+    <a:masterClrMapping/>
+  </p:clrMapOvr>
 </p:sldLayout>
 </file>
 
 <file path=ppt/slideLayouts/slideLayout14.xml><?xml version="1.0" encoding="utf-8"?>
-<p:sldLayout xmlns:a="http://schemas.openxmlformats.org/drawingml/2006/main" xmlns:p="http://schemas.openxmlformats.org/presentationml/2006/main" xmlns:r="http://schemas.openxmlformats.org/officeDocument/2006/relationships" xmlns:p14="http://schemas.microsoft.com/office/powerpoint/2010/main" xmlns:p15="http://schemas.microsoft.com/office/powerpoint/2012/main" xmlns:mc="http://schemas.openxmlformats.org/markup-compatibility/2006" type="tx" preserve="1">
+<p:sldLayout xmlns:a="http://schemas.openxmlformats.org/drawingml/2006/main" xmlns:r="http://schemas.openxmlformats.org/officeDocument/2006/relationships" xmlns:p="http://schemas.openxmlformats.org/presentationml/2006/main" type="tx" preserve="1">
   <p:cSld name="Title Slide">
     <p:spTree>
       <p:nvGrpSpPr>
@@ -654,9 +779,10 @@
           </a:prstGeom>
         </p:spPr>
         <p:txBody>
-          <a:bodyPr lIns="0" rIns="0" tIns="0" bIns="0" anchor="ctr"/>
-          <a:p>
-            <a:endParaRPr b="0" lang="fr-FR" sz="1800" spc="-1" strike="noStrike">
+          <a:bodyPr lIns="0" tIns="0" rIns="0" bIns="0" anchor="ctr"/>
+          <a:lstStyle/>
+          <a:p>
+            <a:endParaRPr lang="fr-FR" sz="1800" b="0" strike="noStrike" spc="-1">
               <a:solidFill>
                 <a:srgbClr val="000000"/>
               </a:solidFill>
@@ -685,10 +811,11 @@
           </a:prstGeom>
         </p:spPr>
         <p:txBody>
-          <a:bodyPr lIns="0" rIns="0" tIns="0" bIns="0" anchor="ctr"/>
+          <a:bodyPr lIns="0" tIns="0" rIns="0" bIns="0" anchor="ctr"/>
+          <a:lstStyle/>
           <a:p>
             <a:pPr algn="ctr"/>
-            <a:endParaRPr b="0" lang="en-GB" sz="3200" spc="-1" strike="noStrike">
+            <a:endParaRPr lang="en-GB" sz="3200" b="0" strike="noStrike" spc="-1">
               <a:latin typeface="Arial"/>
             </a:endParaRPr>
           </a:p>
@@ -696,11 +823,14 @@
       </p:sp>
     </p:spTree>
   </p:cSld>
+  <p:clrMapOvr>
+    <a:masterClrMapping/>
+  </p:clrMapOvr>
 </p:sldLayout>
 </file>
 
 <file path=ppt/slideLayouts/slideLayout15.xml><?xml version="1.0" encoding="utf-8"?>
-<p:sldLayout xmlns:a="http://schemas.openxmlformats.org/drawingml/2006/main" xmlns:p="http://schemas.openxmlformats.org/presentationml/2006/main" xmlns:r="http://schemas.openxmlformats.org/officeDocument/2006/relationships" xmlns:p14="http://schemas.microsoft.com/office/powerpoint/2010/main" xmlns:p15="http://schemas.microsoft.com/office/powerpoint/2012/main" xmlns:mc="http://schemas.openxmlformats.org/markup-compatibility/2006" type="obj" preserve="1">
+<p:sldLayout xmlns:a="http://schemas.openxmlformats.org/drawingml/2006/main" xmlns:r="http://schemas.openxmlformats.org/officeDocument/2006/relationships" xmlns:p="http://schemas.openxmlformats.org/presentationml/2006/main" type="obj" preserve="1">
   <p:cSld name="Title, Content">
     <p:spTree>
       <p:nvGrpSpPr>
@@ -736,9 +866,10 @@
           </a:prstGeom>
         </p:spPr>
         <p:txBody>
-          <a:bodyPr lIns="0" rIns="0" tIns="0" bIns="0" anchor="ctr"/>
-          <a:p>
-            <a:endParaRPr b="0" lang="fr-FR" sz="1800" spc="-1" strike="noStrike">
+          <a:bodyPr lIns="0" tIns="0" rIns="0" bIns="0" anchor="ctr"/>
+          <a:lstStyle/>
+          <a:p>
+            <a:endParaRPr lang="fr-FR" sz="1800" b="0" strike="noStrike" spc="-1">
               <a:solidFill>
                 <a:srgbClr val="000000"/>
               </a:solidFill>
@@ -767,11 +898,12 @@
           </a:prstGeom>
         </p:spPr>
         <p:txBody>
-          <a:bodyPr lIns="0" rIns="0" tIns="0" bIns="0">
+          <a:bodyPr lIns="0" tIns="0" rIns="0" bIns="0">
             <a:normAutofit/>
           </a:bodyPr>
-          <a:p>
-            <a:endParaRPr b="0" lang="fr-FR" sz="2800" spc="-1" strike="noStrike">
+          <a:lstStyle/>
+          <a:p>
+            <a:endParaRPr lang="fr-FR" sz="2800" b="0" strike="noStrike" spc="-1">
               <a:solidFill>
                 <a:srgbClr val="000000"/>
               </a:solidFill>
@@ -782,11 +914,14 @@
       </p:sp>
     </p:spTree>
   </p:cSld>
+  <p:clrMapOvr>
+    <a:masterClrMapping/>
+  </p:clrMapOvr>
 </p:sldLayout>
 </file>
 
 <file path=ppt/slideLayouts/slideLayout16.xml><?xml version="1.0" encoding="utf-8"?>
-<p:sldLayout xmlns:a="http://schemas.openxmlformats.org/drawingml/2006/main" xmlns:p="http://schemas.openxmlformats.org/presentationml/2006/main" xmlns:r="http://schemas.openxmlformats.org/officeDocument/2006/relationships" xmlns:p14="http://schemas.microsoft.com/office/powerpoint/2010/main" xmlns:p15="http://schemas.microsoft.com/office/powerpoint/2012/main" xmlns:mc="http://schemas.openxmlformats.org/markup-compatibility/2006" type="twoObj" preserve="1">
+<p:sldLayout xmlns:a="http://schemas.openxmlformats.org/drawingml/2006/main" xmlns:r="http://schemas.openxmlformats.org/officeDocument/2006/relationships" xmlns:p="http://schemas.openxmlformats.org/presentationml/2006/main" type="twoObj" preserve="1">
   <p:cSld name="Title, 2 Content">
     <p:spTree>
       <p:nvGrpSpPr>
@@ -822,9 +957,10 @@
           </a:prstGeom>
         </p:spPr>
         <p:txBody>
-          <a:bodyPr lIns="0" rIns="0" tIns="0" bIns="0" anchor="ctr"/>
-          <a:p>
-            <a:endParaRPr b="0" lang="fr-FR" sz="1800" spc="-1" strike="noStrike">
+          <a:bodyPr lIns="0" tIns="0" rIns="0" bIns="0" anchor="ctr"/>
+          <a:lstStyle/>
+          <a:p>
+            <a:endParaRPr lang="fr-FR" sz="1800" b="0" strike="noStrike" spc="-1">
               <a:solidFill>
                 <a:srgbClr val="000000"/>
               </a:solidFill>
@@ -853,11 +989,12 @@
           </a:prstGeom>
         </p:spPr>
         <p:txBody>
-          <a:bodyPr lIns="0" rIns="0" tIns="0" bIns="0">
+          <a:bodyPr lIns="0" tIns="0" rIns="0" bIns="0">
             <a:normAutofit/>
           </a:bodyPr>
-          <a:p>
-            <a:endParaRPr b="0" lang="fr-FR" sz="2800" spc="-1" strike="noStrike">
+          <a:lstStyle/>
+          <a:p>
+            <a:endParaRPr lang="fr-FR" sz="2800" b="0" strike="noStrike" spc="-1">
               <a:solidFill>
                 <a:srgbClr val="000000"/>
               </a:solidFill>
@@ -886,11 +1023,12 @@
           </a:prstGeom>
         </p:spPr>
         <p:txBody>
-          <a:bodyPr lIns="0" rIns="0" tIns="0" bIns="0">
+          <a:bodyPr lIns="0" tIns="0" rIns="0" bIns="0">
             <a:normAutofit/>
           </a:bodyPr>
-          <a:p>
-            <a:endParaRPr b="0" lang="fr-FR" sz="2800" spc="-1" strike="noStrike">
+          <a:lstStyle/>
+          <a:p>
+            <a:endParaRPr lang="fr-FR" sz="2800" b="0" strike="noStrike" spc="-1">
               <a:solidFill>
                 <a:srgbClr val="000000"/>
               </a:solidFill>
@@ -901,11 +1039,14 @@
       </p:sp>
     </p:spTree>
   </p:cSld>
+  <p:clrMapOvr>
+    <a:masterClrMapping/>
+  </p:clrMapOvr>
 </p:sldLayout>
 </file>
 
 <file path=ppt/slideLayouts/slideLayout17.xml><?xml version="1.0" encoding="utf-8"?>
-<p:sldLayout xmlns:a="http://schemas.openxmlformats.org/drawingml/2006/main" xmlns:p="http://schemas.openxmlformats.org/presentationml/2006/main" xmlns:r="http://schemas.openxmlformats.org/officeDocument/2006/relationships" xmlns:p14="http://schemas.microsoft.com/office/powerpoint/2010/main" xmlns:p15="http://schemas.microsoft.com/office/powerpoint/2012/main" xmlns:mc="http://schemas.openxmlformats.org/markup-compatibility/2006" type="titleOnly" preserve="1">
+<p:sldLayout xmlns:a="http://schemas.openxmlformats.org/drawingml/2006/main" xmlns:r="http://schemas.openxmlformats.org/officeDocument/2006/relationships" xmlns:p="http://schemas.openxmlformats.org/presentationml/2006/main" type="titleOnly" preserve="1">
   <p:cSld name="Title Only">
     <p:spTree>
       <p:nvGrpSpPr>
@@ -941,9 +1082,10 @@
           </a:prstGeom>
         </p:spPr>
         <p:txBody>
-          <a:bodyPr lIns="0" rIns="0" tIns="0" bIns="0" anchor="ctr"/>
-          <a:p>
-            <a:endParaRPr b="0" lang="fr-FR" sz="1800" spc="-1" strike="noStrike">
+          <a:bodyPr lIns="0" tIns="0" rIns="0" bIns="0" anchor="ctr"/>
+          <a:lstStyle/>
+          <a:p>
+            <a:endParaRPr lang="fr-FR" sz="1800" b="0" strike="noStrike" spc="-1">
               <a:solidFill>
                 <a:srgbClr val="000000"/>
               </a:solidFill>
@@ -954,11 +1096,14 @@
       </p:sp>
     </p:spTree>
   </p:cSld>
+  <p:clrMapOvr>
+    <a:masterClrMapping/>
+  </p:clrMapOvr>
 </p:sldLayout>
 </file>
 
 <file path=ppt/slideLayouts/slideLayout18.xml><?xml version="1.0" encoding="utf-8"?>
-<p:sldLayout xmlns:a="http://schemas.openxmlformats.org/drawingml/2006/main" xmlns:p="http://schemas.openxmlformats.org/presentationml/2006/main" xmlns:r="http://schemas.openxmlformats.org/officeDocument/2006/relationships" xmlns:p14="http://schemas.microsoft.com/office/powerpoint/2010/main" xmlns:p15="http://schemas.microsoft.com/office/powerpoint/2012/main" xmlns:mc="http://schemas.openxmlformats.org/markup-compatibility/2006" type="objOnly" preserve="1">
+<p:sldLayout xmlns:a="http://schemas.openxmlformats.org/drawingml/2006/main" xmlns:r="http://schemas.openxmlformats.org/officeDocument/2006/relationships" xmlns:p="http://schemas.openxmlformats.org/presentationml/2006/main" type="objOnly" preserve="1">
   <p:cSld name="Centered Text">
     <p:spTree>
       <p:nvGrpSpPr>
@@ -994,10 +1139,11 @@
           </a:prstGeom>
         </p:spPr>
         <p:txBody>
-          <a:bodyPr lIns="0" rIns="0" tIns="0" bIns="0" anchor="ctr"/>
+          <a:bodyPr lIns="0" tIns="0" rIns="0" bIns="0" anchor="ctr"/>
+          <a:lstStyle/>
           <a:p>
             <a:pPr algn="ctr"/>
-            <a:endParaRPr b="0" lang="en-GB" sz="3200" spc="-1" strike="noStrike">
+            <a:endParaRPr lang="en-GB" sz="3200" b="0" strike="noStrike" spc="-1">
               <a:latin typeface="Arial"/>
             </a:endParaRPr>
           </a:p>
@@ -1005,11 +1151,14 @@
       </p:sp>
     </p:spTree>
   </p:cSld>
+  <p:clrMapOvr>
+    <a:masterClrMapping/>
+  </p:clrMapOvr>
 </p:sldLayout>
 </file>
 
 <file path=ppt/slideLayouts/slideLayout19.xml><?xml version="1.0" encoding="utf-8"?>
-<p:sldLayout xmlns:a="http://schemas.openxmlformats.org/drawingml/2006/main" xmlns:p="http://schemas.openxmlformats.org/presentationml/2006/main" xmlns:r="http://schemas.openxmlformats.org/officeDocument/2006/relationships" xmlns:p14="http://schemas.microsoft.com/office/powerpoint/2010/main" xmlns:p15="http://schemas.microsoft.com/office/powerpoint/2012/main" xmlns:mc="http://schemas.openxmlformats.org/markup-compatibility/2006" type="twoObjAndObj" preserve="1">
+<p:sldLayout xmlns:a="http://schemas.openxmlformats.org/drawingml/2006/main" xmlns:r="http://schemas.openxmlformats.org/officeDocument/2006/relationships" xmlns:p="http://schemas.openxmlformats.org/presentationml/2006/main" type="twoObjAndObj" preserve="1">
   <p:cSld name="Title, 2 Content and Content">
     <p:spTree>
       <p:nvGrpSpPr>
@@ -1045,9 +1194,10 @@
           </a:prstGeom>
         </p:spPr>
         <p:txBody>
-          <a:bodyPr lIns="0" rIns="0" tIns="0" bIns="0" anchor="ctr"/>
-          <a:p>
-            <a:endParaRPr b="0" lang="fr-FR" sz="1800" spc="-1" strike="noStrike">
+          <a:bodyPr lIns="0" tIns="0" rIns="0" bIns="0" anchor="ctr"/>
+          <a:lstStyle/>
+          <a:p>
+            <a:endParaRPr lang="fr-FR" sz="1800" b="0" strike="noStrike" spc="-1">
               <a:solidFill>
                 <a:srgbClr val="000000"/>
               </a:solidFill>
@@ -1076,11 +1226,12 @@
           </a:prstGeom>
         </p:spPr>
         <p:txBody>
-          <a:bodyPr lIns="0" rIns="0" tIns="0" bIns="0">
+          <a:bodyPr lIns="0" tIns="0" rIns="0" bIns="0">
             <a:normAutofit/>
           </a:bodyPr>
-          <a:p>
-            <a:endParaRPr b="0" lang="fr-FR" sz="2800" spc="-1" strike="noStrike">
+          <a:lstStyle/>
+          <a:p>
+            <a:endParaRPr lang="fr-FR" sz="2800" b="0" strike="noStrike" spc="-1">
               <a:solidFill>
                 <a:srgbClr val="000000"/>
               </a:solidFill>
@@ -1109,11 +1260,12 @@
           </a:prstGeom>
         </p:spPr>
         <p:txBody>
-          <a:bodyPr lIns="0" rIns="0" tIns="0" bIns="0">
+          <a:bodyPr lIns="0" tIns="0" rIns="0" bIns="0">
             <a:normAutofit/>
           </a:bodyPr>
-          <a:p>
-            <a:endParaRPr b="0" lang="fr-FR" sz="2800" spc="-1" strike="noStrike">
+          <a:lstStyle/>
+          <a:p>
+            <a:endParaRPr lang="fr-FR" sz="2800" b="0" strike="noStrike" spc="-1">
               <a:solidFill>
                 <a:srgbClr val="000000"/>
               </a:solidFill>
@@ -1142,11 +1294,12 @@
           </a:prstGeom>
         </p:spPr>
         <p:txBody>
-          <a:bodyPr lIns="0" rIns="0" tIns="0" bIns="0">
+          <a:bodyPr lIns="0" tIns="0" rIns="0" bIns="0">
             <a:normAutofit/>
           </a:bodyPr>
-          <a:p>
-            <a:endParaRPr b="0" lang="fr-FR" sz="2800" spc="-1" strike="noStrike">
+          <a:lstStyle/>
+          <a:p>
+            <a:endParaRPr lang="fr-FR" sz="2800" b="0" strike="noStrike" spc="-1">
               <a:solidFill>
                 <a:srgbClr val="000000"/>
               </a:solidFill>
@@ -1157,11 +1310,14 @@
       </p:sp>
     </p:spTree>
   </p:cSld>
+  <p:clrMapOvr>
+    <a:masterClrMapping/>
+  </p:clrMapOvr>
 </p:sldLayout>
 </file>
 
 <file path=ppt/slideLayouts/slideLayout2.xml><?xml version="1.0" encoding="utf-8"?>
-<p:sldLayout xmlns:a="http://schemas.openxmlformats.org/drawingml/2006/main" xmlns:p="http://schemas.openxmlformats.org/presentationml/2006/main" xmlns:r="http://schemas.openxmlformats.org/officeDocument/2006/relationships" xmlns:p14="http://schemas.microsoft.com/office/powerpoint/2010/main" xmlns:p15="http://schemas.microsoft.com/office/powerpoint/2012/main" xmlns:mc="http://schemas.openxmlformats.org/markup-compatibility/2006" type="tx" preserve="1">
+<p:sldLayout xmlns:a="http://schemas.openxmlformats.org/drawingml/2006/main" xmlns:r="http://schemas.openxmlformats.org/officeDocument/2006/relationships" xmlns:p="http://schemas.openxmlformats.org/presentationml/2006/main" type="tx" preserve="1">
   <p:cSld name="Title Slide">
     <p:spTree>
       <p:nvGrpSpPr>
@@ -1197,9 +1353,10 @@
           </a:prstGeom>
         </p:spPr>
         <p:txBody>
-          <a:bodyPr lIns="0" rIns="0" tIns="0" bIns="0" anchor="ctr"/>
-          <a:p>
-            <a:endParaRPr b="0" lang="fr-FR" sz="1800" spc="-1" strike="noStrike">
+          <a:bodyPr lIns="0" tIns="0" rIns="0" bIns="0" anchor="ctr"/>
+          <a:lstStyle/>
+          <a:p>
+            <a:endParaRPr lang="fr-FR" sz="1800" b="0" strike="noStrike" spc="-1">
               <a:solidFill>
                 <a:srgbClr val="000000"/>
               </a:solidFill>
@@ -1228,10 +1385,11 @@
           </a:prstGeom>
         </p:spPr>
         <p:txBody>
-          <a:bodyPr lIns="0" rIns="0" tIns="0" bIns="0" anchor="ctr"/>
+          <a:bodyPr lIns="0" tIns="0" rIns="0" bIns="0" anchor="ctr"/>
+          <a:lstStyle/>
           <a:p>
             <a:pPr algn="ctr"/>
-            <a:endParaRPr b="0" lang="en-GB" sz="3200" spc="-1" strike="noStrike">
+            <a:endParaRPr lang="en-GB" sz="3200" b="0" strike="noStrike" spc="-1">
               <a:latin typeface="Arial"/>
             </a:endParaRPr>
           </a:p>
@@ -1239,11 +1397,14 @@
       </p:sp>
     </p:spTree>
   </p:cSld>
+  <p:clrMapOvr>
+    <a:masterClrMapping/>
+  </p:clrMapOvr>
 </p:sldLayout>
 </file>
 
 <file path=ppt/slideLayouts/slideLayout20.xml><?xml version="1.0" encoding="utf-8"?>
-<p:sldLayout xmlns:a="http://schemas.openxmlformats.org/drawingml/2006/main" xmlns:p="http://schemas.openxmlformats.org/presentationml/2006/main" xmlns:r="http://schemas.openxmlformats.org/officeDocument/2006/relationships" xmlns:p14="http://schemas.microsoft.com/office/powerpoint/2010/main" xmlns:p15="http://schemas.microsoft.com/office/powerpoint/2012/main" xmlns:mc="http://schemas.openxmlformats.org/markup-compatibility/2006" type="objAndTwoObj" preserve="1">
+<p:sldLayout xmlns:a="http://schemas.openxmlformats.org/drawingml/2006/main" xmlns:r="http://schemas.openxmlformats.org/officeDocument/2006/relationships" xmlns:p="http://schemas.openxmlformats.org/presentationml/2006/main" type="objAndTwoObj" preserve="1">
   <p:cSld name="Title Content and 2 Content">
     <p:spTree>
       <p:nvGrpSpPr>
@@ -1279,9 +1440,10 @@
           </a:prstGeom>
         </p:spPr>
         <p:txBody>
-          <a:bodyPr lIns="0" rIns="0" tIns="0" bIns="0" anchor="ctr"/>
-          <a:p>
-            <a:endParaRPr b="0" lang="fr-FR" sz="1800" spc="-1" strike="noStrike">
+          <a:bodyPr lIns="0" tIns="0" rIns="0" bIns="0" anchor="ctr"/>
+          <a:lstStyle/>
+          <a:p>
+            <a:endParaRPr lang="fr-FR" sz="1800" b="0" strike="noStrike" spc="-1">
               <a:solidFill>
                 <a:srgbClr val="000000"/>
               </a:solidFill>
@@ -1310,11 +1472,12 @@
           </a:prstGeom>
         </p:spPr>
         <p:txBody>
-          <a:bodyPr lIns="0" rIns="0" tIns="0" bIns="0">
+          <a:bodyPr lIns="0" tIns="0" rIns="0" bIns="0">
             <a:normAutofit/>
           </a:bodyPr>
-          <a:p>
-            <a:endParaRPr b="0" lang="fr-FR" sz="2800" spc="-1" strike="noStrike">
+          <a:lstStyle/>
+          <a:p>
+            <a:endParaRPr lang="fr-FR" sz="2800" b="0" strike="noStrike" spc="-1">
               <a:solidFill>
                 <a:srgbClr val="000000"/>
               </a:solidFill>
@@ -1343,11 +1506,12 @@
           </a:prstGeom>
         </p:spPr>
         <p:txBody>
-          <a:bodyPr lIns="0" rIns="0" tIns="0" bIns="0">
+          <a:bodyPr lIns="0" tIns="0" rIns="0" bIns="0">
             <a:normAutofit/>
           </a:bodyPr>
-          <a:p>
-            <a:endParaRPr b="0" lang="fr-FR" sz="2800" spc="-1" strike="noStrike">
+          <a:lstStyle/>
+          <a:p>
+            <a:endParaRPr lang="fr-FR" sz="2800" b="0" strike="noStrike" spc="-1">
               <a:solidFill>
                 <a:srgbClr val="000000"/>
               </a:solidFill>
@@ -1376,11 +1540,12 @@
           </a:prstGeom>
         </p:spPr>
         <p:txBody>
-          <a:bodyPr lIns="0" rIns="0" tIns="0" bIns="0">
+          <a:bodyPr lIns="0" tIns="0" rIns="0" bIns="0">
             <a:normAutofit/>
           </a:bodyPr>
-          <a:p>
-            <a:endParaRPr b="0" lang="fr-FR" sz="2800" spc="-1" strike="noStrike">
+          <a:lstStyle/>
+          <a:p>
+            <a:endParaRPr lang="fr-FR" sz="2800" b="0" strike="noStrike" spc="-1">
               <a:solidFill>
                 <a:srgbClr val="000000"/>
               </a:solidFill>
@@ -1391,11 +1556,14 @@
       </p:sp>
     </p:spTree>
   </p:cSld>
+  <p:clrMapOvr>
+    <a:masterClrMapping/>
+  </p:clrMapOvr>
 </p:sldLayout>
 </file>
 
 <file path=ppt/slideLayouts/slideLayout21.xml><?xml version="1.0" encoding="utf-8"?>
-<p:sldLayout xmlns:a="http://schemas.openxmlformats.org/drawingml/2006/main" xmlns:p="http://schemas.openxmlformats.org/presentationml/2006/main" xmlns:r="http://schemas.openxmlformats.org/officeDocument/2006/relationships" xmlns:p14="http://schemas.microsoft.com/office/powerpoint/2010/main" xmlns:p15="http://schemas.microsoft.com/office/powerpoint/2012/main" xmlns:mc="http://schemas.openxmlformats.org/markup-compatibility/2006" type="twoObjOverTx" preserve="1">
+<p:sldLayout xmlns:a="http://schemas.openxmlformats.org/drawingml/2006/main" xmlns:r="http://schemas.openxmlformats.org/officeDocument/2006/relationships" xmlns:p="http://schemas.openxmlformats.org/presentationml/2006/main" type="twoObjOverTx" preserve="1">
   <p:cSld name="Title, 2 Content over Content">
     <p:spTree>
       <p:nvGrpSpPr>
@@ -1431,9 +1599,10 @@
           </a:prstGeom>
         </p:spPr>
         <p:txBody>
-          <a:bodyPr lIns="0" rIns="0" tIns="0" bIns="0" anchor="ctr"/>
-          <a:p>
-            <a:endParaRPr b="0" lang="fr-FR" sz="1800" spc="-1" strike="noStrike">
+          <a:bodyPr lIns="0" tIns="0" rIns="0" bIns="0" anchor="ctr"/>
+          <a:lstStyle/>
+          <a:p>
+            <a:endParaRPr lang="fr-FR" sz="1800" b="0" strike="noStrike" spc="-1">
               <a:solidFill>
                 <a:srgbClr val="000000"/>
               </a:solidFill>
@@ -1462,11 +1631,12 @@
           </a:prstGeom>
         </p:spPr>
         <p:txBody>
-          <a:bodyPr lIns="0" rIns="0" tIns="0" bIns="0">
+          <a:bodyPr lIns="0" tIns="0" rIns="0" bIns="0">
             <a:normAutofit/>
           </a:bodyPr>
-          <a:p>
-            <a:endParaRPr b="0" lang="fr-FR" sz="2800" spc="-1" strike="noStrike">
+          <a:lstStyle/>
+          <a:p>
+            <a:endParaRPr lang="fr-FR" sz="2800" b="0" strike="noStrike" spc="-1">
               <a:solidFill>
                 <a:srgbClr val="000000"/>
               </a:solidFill>
@@ -1495,11 +1665,12 @@
           </a:prstGeom>
         </p:spPr>
         <p:txBody>
-          <a:bodyPr lIns="0" rIns="0" tIns="0" bIns="0">
+          <a:bodyPr lIns="0" tIns="0" rIns="0" bIns="0">
             <a:normAutofit/>
           </a:bodyPr>
-          <a:p>
-            <a:endParaRPr b="0" lang="fr-FR" sz="2800" spc="-1" strike="noStrike">
+          <a:lstStyle/>
+          <a:p>
+            <a:endParaRPr lang="fr-FR" sz="2800" b="0" strike="noStrike" spc="-1">
               <a:solidFill>
                 <a:srgbClr val="000000"/>
               </a:solidFill>
@@ -1528,11 +1699,12 @@
           </a:prstGeom>
         </p:spPr>
         <p:txBody>
-          <a:bodyPr lIns="0" rIns="0" tIns="0" bIns="0">
+          <a:bodyPr lIns="0" tIns="0" rIns="0" bIns="0">
             <a:normAutofit/>
           </a:bodyPr>
-          <a:p>
-            <a:endParaRPr b="0" lang="fr-FR" sz="2800" spc="-1" strike="noStrike">
+          <a:lstStyle/>
+          <a:p>
+            <a:endParaRPr lang="fr-FR" sz="2800" b="0" strike="noStrike" spc="-1">
               <a:solidFill>
                 <a:srgbClr val="000000"/>
               </a:solidFill>
@@ -1543,11 +1715,14 @@
       </p:sp>
     </p:spTree>
   </p:cSld>
+  <p:clrMapOvr>
+    <a:masterClrMapping/>
+  </p:clrMapOvr>
 </p:sldLayout>
 </file>
 
 <file path=ppt/slideLayouts/slideLayout22.xml><?xml version="1.0" encoding="utf-8"?>
-<p:sldLayout xmlns:a="http://schemas.openxmlformats.org/drawingml/2006/main" xmlns:p="http://schemas.openxmlformats.org/presentationml/2006/main" xmlns:r="http://schemas.openxmlformats.org/officeDocument/2006/relationships" xmlns:p14="http://schemas.microsoft.com/office/powerpoint/2010/main" xmlns:p15="http://schemas.microsoft.com/office/powerpoint/2012/main" xmlns:mc="http://schemas.openxmlformats.org/markup-compatibility/2006" type="objOverTx" preserve="1">
+<p:sldLayout xmlns:a="http://schemas.openxmlformats.org/drawingml/2006/main" xmlns:r="http://schemas.openxmlformats.org/officeDocument/2006/relationships" xmlns:p="http://schemas.openxmlformats.org/presentationml/2006/main" type="objOverTx" preserve="1">
   <p:cSld name="Title, Content over Content">
     <p:spTree>
       <p:nvGrpSpPr>
@@ -1583,9 +1758,10 @@
           </a:prstGeom>
         </p:spPr>
         <p:txBody>
-          <a:bodyPr lIns="0" rIns="0" tIns="0" bIns="0" anchor="ctr"/>
-          <a:p>
-            <a:endParaRPr b="0" lang="fr-FR" sz="1800" spc="-1" strike="noStrike">
+          <a:bodyPr lIns="0" tIns="0" rIns="0" bIns="0" anchor="ctr"/>
+          <a:lstStyle/>
+          <a:p>
+            <a:endParaRPr lang="fr-FR" sz="1800" b="0" strike="noStrike" spc="-1">
               <a:solidFill>
                 <a:srgbClr val="000000"/>
               </a:solidFill>
@@ -1614,11 +1790,12 @@
           </a:prstGeom>
         </p:spPr>
         <p:txBody>
-          <a:bodyPr lIns="0" rIns="0" tIns="0" bIns="0">
+          <a:bodyPr lIns="0" tIns="0" rIns="0" bIns="0">
             <a:normAutofit/>
           </a:bodyPr>
-          <a:p>
-            <a:endParaRPr b="0" lang="fr-FR" sz="2800" spc="-1" strike="noStrike">
+          <a:lstStyle/>
+          <a:p>
+            <a:endParaRPr lang="fr-FR" sz="2800" b="0" strike="noStrike" spc="-1">
               <a:solidFill>
                 <a:srgbClr val="000000"/>
               </a:solidFill>
@@ -1647,11 +1824,12 @@
           </a:prstGeom>
         </p:spPr>
         <p:txBody>
-          <a:bodyPr lIns="0" rIns="0" tIns="0" bIns="0">
+          <a:bodyPr lIns="0" tIns="0" rIns="0" bIns="0">
             <a:normAutofit/>
           </a:bodyPr>
-          <a:p>
-            <a:endParaRPr b="0" lang="fr-FR" sz="2800" spc="-1" strike="noStrike">
+          <a:lstStyle/>
+          <a:p>
+            <a:endParaRPr lang="fr-FR" sz="2800" b="0" strike="noStrike" spc="-1">
               <a:solidFill>
                 <a:srgbClr val="000000"/>
               </a:solidFill>
@@ -1662,11 +1840,14 @@
       </p:sp>
     </p:spTree>
   </p:cSld>
+  <p:clrMapOvr>
+    <a:masterClrMapping/>
+  </p:clrMapOvr>
 </p:sldLayout>
 </file>
 
 <file path=ppt/slideLayouts/slideLayout23.xml><?xml version="1.0" encoding="utf-8"?>
-<p:sldLayout xmlns:a="http://schemas.openxmlformats.org/drawingml/2006/main" xmlns:p="http://schemas.openxmlformats.org/presentationml/2006/main" xmlns:r="http://schemas.openxmlformats.org/officeDocument/2006/relationships" xmlns:p14="http://schemas.microsoft.com/office/powerpoint/2010/main" xmlns:p15="http://schemas.microsoft.com/office/powerpoint/2012/main" xmlns:mc="http://schemas.openxmlformats.org/markup-compatibility/2006" type="fourObj" preserve="1">
+<p:sldLayout xmlns:a="http://schemas.openxmlformats.org/drawingml/2006/main" xmlns:r="http://schemas.openxmlformats.org/officeDocument/2006/relationships" xmlns:p="http://schemas.openxmlformats.org/presentationml/2006/main" type="fourObj" preserve="1">
   <p:cSld name="Title, 4 Content">
     <p:spTree>
       <p:nvGrpSpPr>
@@ -1702,9 +1883,10 @@
           </a:prstGeom>
         </p:spPr>
         <p:txBody>
-          <a:bodyPr lIns="0" rIns="0" tIns="0" bIns="0" anchor="ctr"/>
-          <a:p>
-            <a:endParaRPr b="0" lang="fr-FR" sz="1800" spc="-1" strike="noStrike">
+          <a:bodyPr lIns="0" tIns="0" rIns="0" bIns="0" anchor="ctr"/>
+          <a:lstStyle/>
+          <a:p>
+            <a:endParaRPr lang="fr-FR" sz="1800" b="0" strike="noStrike" spc="-1">
               <a:solidFill>
                 <a:srgbClr val="000000"/>
               </a:solidFill>
@@ -1733,11 +1915,12 @@
           </a:prstGeom>
         </p:spPr>
         <p:txBody>
-          <a:bodyPr lIns="0" rIns="0" tIns="0" bIns="0">
+          <a:bodyPr lIns="0" tIns="0" rIns="0" bIns="0">
             <a:normAutofit/>
           </a:bodyPr>
-          <a:p>
-            <a:endParaRPr b="0" lang="fr-FR" sz="2800" spc="-1" strike="noStrike">
+          <a:lstStyle/>
+          <a:p>
+            <a:endParaRPr lang="fr-FR" sz="2800" b="0" strike="noStrike" spc="-1">
               <a:solidFill>
                 <a:srgbClr val="000000"/>
               </a:solidFill>
@@ -1766,11 +1949,12 @@
           </a:prstGeom>
         </p:spPr>
         <p:txBody>
-          <a:bodyPr lIns="0" rIns="0" tIns="0" bIns="0">
+          <a:bodyPr lIns="0" tIns="0" rIns="0" bIns="0">
             <a:normAutofit/>
           </a:bodyPr>
-          <a:p>
-            <a:endParaRPr b="0" lang="fr-FR" sz="2800" spc="-1" strike="noStrike">
+          <a:lstStyle/>
+          <a:p>
+            <a:endParaRPr lang="fr-FR" sz="2800" b="0" strike="noStrike" spc="-1">
               <a:solidFill>
                 <a:srgbClr val="000000"/>
               </a:solidFill>
@@ -1799,11 +1983,12 @@
           </a:prstGeom>
         </p:spPr>
         <p:txBody>
-          <a:bodyPr lIns="0" rIns="0" tIns="0" bIns="0">
+          <a:bodyPr lIns="0" tIns="0" rIns="0" bIns="0">
             <a:normAutofit/>
           </a:bodyPr>
-          <a:p>
-            <a:endParaRPr b="0" lang="fr-FR" sz="2800" spc="-1" strike="noStrike">
+          <a:lstStyle/>
+          <a:p>
+            <a:endParaRPr lang="fr-FR" sz="2800" b="0" strike="noStrike" spc="-1">
               <a:solidFill>
                 <a:srgbClr val="000000"/>
               </a:solidFill>
@@ -1832,11 +2017,12 @@
           </a:prstGeom>
         </p:spPr>
         <p:txBody>
-          <a:bodyPr lIns="0" rIns="0" tIns="0" bIns="0">
+          <a:bodyPr lIns="0" tIns="0" rIns="0" bIns="0">
             <a:normAutofit/>
           </a:bodyPr>
-          <a:p>
-            <a:endParaRPr b="0" lang="fr-FR" sz="2800" spc="-1" strike="noStrike">
+          <a:lstStyle/>
+          <a:p>
+            <a:endParaRPr lang="fr-FR" sz="2800" b="0" strike="noStrike" spc="-1">
               <a:solidFill>
                 <a:srgbClr val="000000"/>
               </a:solidFill>
@@ -1847,11 +2033,14 @@
       </p:sp>
     </p:spTree>
   </p:cSld>
+  <p:clrMapOvr>
+    <a:masterClrMapping/>
+  </p:clrMapOvr>
 </p:sldLayout>
 </file>
 
 <file path=ppt/slideLayouts/slideLayout24.xml><?xml version="1.0" encoding="utf-8"?>
-<p:sldLayout xmlns:a="http://schemas.openxmlformats.org/drawingml/2006/main" xmlns:p="http://schemas.openxmlformats.org/presentationml/2006/main" xmlns:r="http://schemas.openxmlformats.org/officeDocument/2006/relationships" xmlns:p14="http://schemas.microsoft.com/office/powerpoint/2010/main" xmlns:p15="http://schemas.microsoft.com/office/powerpoint/2012/main" xmlns:mc="http://schemas.openxmlformats.org/markup-compatibility/2006" type="blank" preserve="1">
+<p:sldLayout xmlns:a="http://schemas.openxmlformats.org/drawingml/2006/main" xmlns:r="http://schemas.openxmlformats.org/officeDocument/2006/relationships" xmlns:p="http://schemas.openxmlformats.org/presentationml/2006/main" type="blank" preserve="1">
   <p:cSld name="Title, 6 Content">
     <p:spTree>
       <p:nvGrpSpPr>
@@ -1887,9 +2076,10 @@
           </a:prstGeom>
         </p:spPr>
         <p:txBody>
-          <a:bodyPr lIns="0" rIns="0" tIns="0" bIns="0" anchor="ctr"/>
-          <a:p>
-            <a:endParaRPr b="0" lang="fr-FR" sz="1800" spc="-1" strike="noStrike">
+          <a:bodyPr lIns="0" tIns="0" rIns="0" bIns="0" anchor="ctr"/>
+          <a:lstStyle/>
+          <a:p>
+            <a:endParaRPr lang="fr-FR" sz="1800" b="0" strike="noStrike" spc="-1">
               <a:solidFill>
                 <a:srgbClr val="000000"/>
               </a:solidFill>
@@ -1918,11 +2108,12 @@
           </a:prstGeom>
         </p:spPr>
         <p:txBody>
-          <a:bodyPr lIns="0" rIns="0" tIns="0" bIns="0">
+          <a:bodyPr lIns="0" tIns="0" rIns="0" bIns="0">
             <a:normAutofit/>
           </a:bodyPr>
-          <a:p>
-            <a:endParaRPr b="0" lang="fr-FR" sz="2800" spc="-1" strike="noStrike">
+          <a:lstStyle/>
+          <a:p>
+            <a:endParaRPr lang="fr-FR" sz="2800" b="0" strike="noStrike" spc="-1">
               <a:solidFill>
                 <a:srgbClr val="000000"/>
               </a:solidFill>
@@ -1951,11 +2142,12 @@
           </a:prstGeom>
         </p:spPr>
         <p:txBody>
-          <a:bodyPr lIns="0" rIns="0" tIns="0" bIns="0">
+          <a:bodyPr lIns="0" tIns="0" rIns="0" bIns="0">
             <a:normAutofit/>
           </a:bodyPr>
-          <a:p>
-            <a:endParaRPr b="0" lang="fr-FR" sz="2800" spc="-1" strike="noStrike">
+          <a:lstStyle/>
+          <a:p>
+            <a:endParaRPr lang="fr-FR" sz="2800" b="0" strike="noStrike" spc="-1">
               <a:solidFill>
                 <a:srgbClr val="000000"/>
               </a:solidFill>
@@ -1984,11 +2176,12 @@
           </a:prstGeom>
         </p:spPr>
         <p:txBody>
-          <a:bodyPr lIns="0" rIns="0" tIns="0" bIns="0">
+          <a:bodyPr lIns="0" tIns="0" rIns="0" bIns="0">
             <a:normAutofit/>
           </a:bodyPr>
-          <a:p>
-            <a:endParaRPr b="0" lang="fr-FR" sz="2800" spc="-1" strike="noStrike">
+          <a:lstStyle/>
+          <a:p>
+            <a:endParaRPr lang="fr-FR" sz="2800" b="0" strike="noStrike" spc="-1">
               <a:solidFill>
                 <a:srgbClr val="000000"/>
               </a:solidFill>
@@ -2017,11 +2210,12 @@
           </a:prstGeom>
         </p:spPr>
         <p:txBody>
-          <a:bodyPr lIns="0" rIns="0" tIns="0" bIns="0">
+          <a:bodyPr lIns="0" tIns="0" rIns="0" bIns="0">
             <a:normAutofit/>
           </a:bodyPr>
-          <a:p>
-            <a:endParaRPr b="0" lang="fr-FR" sz="2800" spc="-1" strike="noStrike">
+          <a:lstStyle/>
+          <a:p>
+            <a:endParaRPr lang="fr-FR" sz="2800" b="0" strike="noStrike" spc="-1">
               <a:solidFill>
                 <a:srgbClr val="000000"/>
               </a:solidFill>
@@ -2050,11 +2244,12 @@
           </a:prstGeom>
         </p:spPr>
         <p:txBody>
-          <a:bodyPr lIns="0" rIns="0" tIns="0" bIns="0">
+          <a:bodyPr lIns="0" tIns="0" rIns="0" bIns="0">
             <a:normAutofit/>
           </a:bodyPr>
-          <a:p>
-            <a:endParaRPr b="0" lang="fr-FR" sz="2800" spc="-1" strike="noStrike">
+          <a:lstStyle/>
+          <a:p>
+            <a:endParaRPr lang="fr-FR" sz="2800" b="0" strike="noStrike" spc="-1">
               <a:solidFill>
                 <a:srgbClr val="000000"/>
               </a:solidFill>
@@ -2083,11 +2278,12 @@
           </a:prstGeom>
         </p:spPr>
         <p:txBody>
-          <a:bodyPr lIns="0" rIns="0" tIns="0" bIns="0">
+          <a:bodyPr lIns="0" tIns="0" rIns="0" bIns="0">
             <a:normAutofit/>
           </a:bodyPr>
-          <a:p>
-            <a:endParaRPr b="0" lang="fr-FR" sz="2800" spc="-1" strike="noStrike">
+          <a:lstStyle/>
+          <a:p>
+            <a:endParaRPr lang="fr-FR" sz="2800" b="0" strike="noStrike" spc="-1">
               <a:solidFill>
                 <a:srgbClr val="000000"/>
               </a:solidFill>
@@ -2098,11 +2294,14 @@
       </p:sp>
     </p:spTree>
   </p:cSld>
+  <p:clrMapOvr>
+    <a:masterClrMapping/>
+  </p:clrMapOvr>
 </p:sldLayout>
 </file>
 
 <file path=ppt/slideLayouts/slideLayout3.xml><?xml version="1.0" encoding="utf-8"?>
-<p:sldLayout xmlns:a="http://schemas.openxmlformats.org/drawingml/2006/main" xmlns:p="http://schemas.openxmlformats.org/presentationml/2006/main" xmlns:r="http://schemas.openxmlformats.org/officeDocument/2006/relationships" xmlns:p14="http://schemas.microsoft.com/office/powerpoint/2010/main" xmlns:p15="http://schemas.microsoft.com/office/powerpoint/2012/main" xmlns:mc="http://schemas.openxmlformats.org/markup-compatibility/2006" type="obj" preserve="1">
+<p:sldLayout xmlns:a="http://schemas.openxmlformats.org/drawingml/2006/main" xmlns:r="http://schemas.openxmlformats.org/officeDocument/2006/relationships" xmlns:p="http://schemas.openxmlformats.org/presentationml/2006/main" type="obj" preserve="1">
   <p:cSld name="Title, Content">
     <p:spTree>
       <p:nvGrpSpPr>
@@ -2138,9 +2337,10 @@
           </a:prstGeom>
         </p:spPr>
         <p:txBody>
-          <a:bodyPr lIns="0" rIns="0" tIns="0" bIns="0" anchor="ctr"/>
-          <a:p>
-            <a:endParaRPr b="0" lang="fr-FR" sz="1800" spc="-1" strike="noStrike">
+          <a:bodyPr lIns="0" tIns="0" rIns="0" bIns="0" anchor="ctr"/>
+          <a:lstStyle/>
+          <a:p>
+            <a:endParaRPr lang="fr-FR" sz="1800" b="0" strike="noStrike" spc="-1">
               <a:solidFill>
                 <a:srgbClr val="000000"/>
               </a:solidFill>
@@ -2169,11 +2369,12 @@
           </a:prstGeom>
         </p:spPr>
         <p:txBody>
-          <a:bodyPr lIns="0" rIns="0" tIns="0" bIns="0">
+          <a:bodyPr lIns="0" tIns="0" rIns="0" bIns="0">
             <a:normAutofit/>
           </a:bodyPr>
-          <a:p>
-            <a:endParaRPr b="0" lang="fr-FR" sz="2800" spc="-1" strike="noStrike">
+          <a:lstStyle/>
+          <a:p>
+            <a:endParaRPr lang="fr-FR" sz="2800" b="0" strike="noStrike" spc="-1">
               <a:solidFill>
                 <a:srgbClr val="000000"/>
               </a:solidFill>
@@ -2184,11 +2385,14 @@
       </p:sp>
     </p:spTree>
   </p:cSld>
+  <p:clrMapOvr>
+    <a:masterClrMapping/>
+  </p:clrMapOvr>
 </p:sldLayout>
 </file>
 
 <file path=ppt/slideLayouts/slideLayout4.xml><?xml version="1.0" encoding="utf-8"?>
-<p:sldLayout xmlns:a="http://schemas.openxmlformats.org/drawingml/2006/main" xmlns:p="http://schemas.openxmlformats.org/presentationml/2006/main" xmlns:r="http://schemas.openxmlformats.org/officeDocument/2006/relationships" xmlns:p14="http://schemas.microsoft.com/office/powerpoint/2010/main" xmlns:p15="http://schemas.microsoft.com/office/powerpoint/2012/main" xmlns:mc="http://schemas.openxmlformats.org/markup-compatibility/2006" type="twoObj" preserve="1">
+<p:sldLayout xmlns:a="http://schemas.openxmlformats.org/drawingml/2006/main" xmlns:r="http://schemas.openxmlformats.org/officeDocument/2006/relationships" xmlns:p="http://schemas.openxmlformats.org/presentationml/2006/main" type="twoObj" preserve="1">
   <p:cSld name="Title, 2 Content">
     <p:spTree>
       <p:nvGrpSpPr>
@@ -2224,9 +2428,10 @@
           </a:prstGeom>
         </p:spPr>
         <p:txBody>
-          <a:bodyPr lIns="0" rIns="0" tIns="0" bIns="0" anchor="ctr"/>
-          <a:p>
-            <a:endParaRPr b="0" lang="fr-FR" sz="1800" spc="-1" strike="noStrike">
+          <a:bodyPr lIns="0" tIns="0" rIns="0" bIns="0" anchor="ctr"/>
+          <a:lstStyle/>
+          <a:p>
+            <a:endParaRPr lang="fr-FR" sz="1800" b="0" strike="noStrike" spc="-1">
               <a:solidFill>
                 <a:srgbClr val="000000"/>
               </a:solidFill>
@@ -2255,11 +2460,12 @@
           </a:prstGeom>
         </p:spPr>
         <p:txBody>
-          <a:bodyPr lIns="0" rIns="0" tIns="0" bIns="0">
+          <a:bodyPr lIns="0" tIns="0" rIns="0" bIns="0">
             <a:normAutofit/>
           </a:bodyPr>
-          <a:p>
-            <a:endParaRPr b="0" lang="fr-FR" sz="2800" spc="-1" strike="noStrike">
+          <a:lstStyle/>
+          <a:p>
+            <a:endParaRPr lang="fr-FR" sz="2800" b="0" strike="noStrike" spc="-1">
               <a:solidFill>
                 <a:srgbClr val="000000"/>
               </a:solidFill>
@@ -2288,11 +2494,12 @@
           </a:prstGeom>
         </p:spPr>
         <p:txBody>
-          <a:bodyPr lIns="0" rIns="0" tIns="0" bIns="0">
+          <a:bodyPr lIns="0" tIns="0" rIns="0" bIns="0">
             <a:normAutofit/>
           </a:bodyPr>
-          <a:p>
-            <a:endParaRPr b="0" lang="fr-FR" sz="2800" spc="-1" strike="noStrike">
+          <a:lstStyle/>
+          <a:p>
+            <a:endParaRPr lang="fr-FR" sz="2800" b="0" strike="noStrike" spc="-1">
               <a:solidFill>
                 <a:srgbClr val="000000"/>
               </a:solidFill>
@@ -2303,11 +2510,14 @@
       </p:sp>
     </p:spTree>
   </p:cSld>
+  <p:clrMapOvr>
+    <a:masterClrMapping/>
+  </p:clrMapOvr>
 </p:sldLayout>
 </file>
 
 <file path=ppt/slideLayouts/slideLayout5.xml><?xml version="1.0" encoding="utf-8"?>
-<p:sldLayout xmlns:a="http://schemas.openxmlformats.org/drawingml/2006/main" xmlns:p="http://schemas.openxmlformats.org/presentationml/2006/main" xmlns:r="http://schemas.openxmlformats.org/officeDocument/2006/relationships" xmlns:p14="http://schemas.microsoft.com/office/powerpoint/2010/main" xmlns:p15="http://schemas.microsoft.com/office/powerpoint/2012/main" xmlns:mc="http://schemas.openxmlformats.org/markup-compatibility/2006" type="titleOnly" preserve="1">
+<p:sldLayout xmlns:a="http://schemas.openxmlformats.org/drawingml/2006/main" xmlns:r="http://schemas.openxmlformats.org/officeDocument/2006/relationships" xmlns:p="http://schemas.openxmlformats.org/presentationml/2006/main" type="titleOnly" preserve="1">
   <p:cSld name="Title Only">
     <p:spTree>
       <p:nvGrpSpPr>
@@ -2343,9 +2553,10 @@
           </a:prstGeom>
         </p:spPr>
         <p:txBody>
-          <a:bodyPr lIns="0" rIns="0" tIns="0" bIns="0" anchor="ctr"/>
-          <a:p>
-            <a:endParaRPr b="0" lang="fr-FR" sz="1800" spc="-1" strike="noStrike">
+          <a:bodyPr lIns="0" tIns="0" rIns="0" bIns="0" anchor="ctr"/>
+          <a:lstStyle/>
+          <a:p>
+            <a:endParaRPr lang="fr-FR" sz="1800" b="0" strike="noStrike" spc="-1">
               <a:solidFill>
                 <a:srgbClr val="000000"/>
               </a:solidFill>
@@ -2356,11 +2567,14 @@
       </p:sp>
     </p:spTree>
   </p:cSld>
+  <p:clrMapOvr>
+    <a:masterClrMapping/>
+  </p:clrMapOvr>
 </p:sldLayout>
 </file>
 
 <file path=ppt/slideLayouts/slideLayout6.xml><?xml version="1.0" encoding="utf-8"?>
-<p:sldLayout xmlns:a="http://schemas.openxmlformats.org/drawingml/2006/main" xmlns:p="http://schemas.openxmlformats.org/presentationml/2006/main" xmlns:r="http://schemas.openxmlformats.org/officeDocument/2006/relationships" xmlns:p14="http://schemas.microsoft.com/office/powerpoint/2010/main" xmlns:p15="http://schemas.microsoft.com/office/powerpoint/2012/main" xmlns:mc="http://schemas.openxmlformats.org/markup-compatibility/2006" type="objOnly" preserve="1">
+<p:sldLayout xmlns:a="http://schemas.openxmlformats.org/drawingml/2006/main" xmlns:r="http://schemas.openxmlformats.org/officeDocument/2006/relationships" xmlns:p="http://schemas.openxmlformats.org/presentationml/2006/main" type="objOnly" preserve="1">
   <p:cSld name="Centered Text">
     <p:spTree>
       <p:nvGrpSpPr>
@@ -2396,10 +2610,11 @@
           </a:prstGeom>
         </p:spPr>
         <p:txBody>
-          <a:bodyPr lIns="0" rIns="0" tIns="0" bIns="0" anchor="ctr"/>
+          <a:bodyPr lIns="0" tIns="0" rIns="0" bIns="0" anchor="ctr"/>
+          <a:lstStyle/>
           <a:p>
             <a:pPr algn="ctr"/>
-            <a:endParaRPr b="0" lang="en-GB" sz="3200" spc="-1" strike="noStrike">
+            <a:endParaRPr lang="en-GB" sz="3200" b="0" strike="noStrike" spc="-1">
               <a:latin typeface="Arial"/>
             </a:endParaRPr>
           </a:p>
@@ -2407,11 +2622,14 @@
       </p:sp>
     </p:spTree>
   </p:cSld>
+  <p:clrMapOvr>
+    <a:masterClrMapping/>
+  </p:clrMapOvr>
 </p:sldLayout>
 </file>
 
 <file path=ppt/slideLayouts/slideLayout7.xml><?xml version="1.0" encoding="utf-8"?>
-<p:sldLayout xmlns:a="http://schemas.openxmlformats.org/drawingml/2006/main" xmlns:p="http://schemas.openxmlformats.org/presentationml/2006/main" xmlns:r="http://schemas.openxmlformats.org/officeDocument/2006/relationships" xmlns:p14="http://schemas.microsoft.com/office/powerpoint/2010/main" xmlns:p15="http://schemas.microsoft.com/office/powerpoint/2012/main" xmlns:mc="http://schemas.openxmlformats.org/markup-compatibility/2006" type="twoObjAndObj" preserve="1">
+<p:sldLayout xmlns:a="http://schemas.openxmlformats.org/drawingml/2006/main" xmlns:r="http://schemas.openxmlformats.org/officeDocument/2006/relationships" xmlns:p="http://schemas.openxmlformats.org/presentationml/2006/main" type="twoObjAndObj" preserve="1">
   <p:cSld name="Title, 2 Content and Content">
     <p:spTree>
       <p:nvGrpSpPr>
@@ -2447,9 +2665,10 @@
           </a:prstGeom>
         </p:spPr>
         <p:txBody>
-          <a:bodyPr lIns="0" rIns="0" tIns="0" bIns="0" anchor="ctr"/>
-          <a:p>
-            <a:endParaRPr b="0" lang="fr-FR" sz="1800" spc="-1" strike="noStrike">
+          <a:bodyPr lIns="0" tIns="0" rIns="0" bIns="0" anchor="ctr"/>
+          <a:lstStyle/>
+          <a:p>
+            <a:endParaRPr lang="fr-FR" sz="1800" b="0" strike="noStrike" spc="-1">
               <a:solidFill>
                 <a:srgbClr val="000000"/>
               </a:solidFill>
@@ -2478,11 +2697,12 @@
           </a:prstGeom>
         </p:spPr>
         <p:txBody>
-          <a:bodyPr lIns="0" rIns="0" tIns="0" bIns="0">
+          <a:bodyPr lIns="0" tIns="0" rIns="0" bIns="0">
             <a:normAutofit/>
           </a:bodyPr>
-          <a:p>
-            <a:endParaRPr b="0" lang="fr-FR" sz="2800" spc="-1" strike="noStrike">
+          <a:lstStyle/>
+          <a:p>
+            <a:endParaRPr lang="fr-FR" sz="2800" b="0" strike="noStrike" spc="-1">
               <a:solidFill>
                 <a:srgbClr val="000000"/>
               </a:solidFill>
@@ -2511,11 +2731,12 @@
           </a:prstGeom>
         </p:spPr>
         <p:txBody>
-          <a:bodyPr lIns="0" rIns="0" tIns="0" bIns="0">
+          <a:bodyPr lIns="0" tIns="0" rIns="0" bIns="0">
             <a:normAutofit/>
           </a:bodyPr>
-          <a:p>
-            <a:endParaRPr b="0" lang="fr-FR" sz="2800" spc="-1" strike="noStrike">
+          <a:lstStyle/>
+          <a:p>
+            <a:endParaRPr lang="fr-FR" sz="2800" b="0" strike="noStrike" spc="-1">
               <a:solidFill>
                 <a:srgbClr val="000000"/>
               </a:solidFill>
@@ -2544,11 +2765,12 @@
           </a:prstGeom>
         </p:spPr>
         <p:txBody>
-          <a:bodyPr lIns="0" rIns="0" tIns="0" bIns="0">
+          <a:bodyPr lIns="0" tIns="0" rIns="0" bIns="0">
             <a:normAutofit/>
           </a:bodyPr>
-          <a:p>
-            <a:endParaRPr b="0" lang="fr-FR" sz="2800" spc="-1" strike="noStrike">
+          <a:lstStyle/>
+          <a:p>
+            <a:endParaRPr lang="fr-FR" sz="2800" b="0" strike="noStrike" spc="-1">
               <a:solidFill>
                 <a:srgbClr val="000000"/>
               </a:solidFill>
@@ -2559,11 +2781,14 @@
       </p:sp>
     </p:spTree>
   </p:cSld>
+  <p:clrMapOvr>
+    <a:masterClrMapping/>
+  </p:clrMapOvr>
 </p:sldLayout>
 </file>
 
 <file path=ppt/slideLayouts/slideLayout8.xml><?xml version="1.0" encoding="utf-8"?>
-<p:sldLayout xmlns:a="http://schemas.openxmlformats.org/drawingml/2006/main" xmlns:p="http://schemas.openxmlformats.org/presentationml/2006/main" xmlns:r="http://schemas.openxmlformats.org/officeDocument/2006/relationships" xmlns:p14="http://schemas.microsoft.com/office/powerpoint/2010/main" xmlns:p15="http://schemas.microsoft.com/office/powerpoint/2012/main" xmlns:mc="http://schemas.openxmlformats.org/markup-compatibility/2006" type="objAndTwoObj" preserve="1">
+<p:sldLayout xmlns:a="http://schemas.openxmlformats.org/drawingml/2006/main" xmlns:r="http://schemas.openxmlformats.org/officeDocument/2006/relationships" xmlns:p="http://schemas.openxmlformats.org/presentationml/2006/main" type="objAndTwoObj" preserve="1">
   <p:cSld name="Title Content and 2 Content">
     <p:spTree>
       <p:nvGrpSpPr>
@@ -2599,9 +2824,10 @@
           </a:prstGeom>
         </p:spPr>
         <p:txBody>
-          <a:bodyPr lIns="0" rIns="0" tIns="0" bIns="0" anchor="ctr"/>
-          <a:p>
-            <a:endParaRPr b="0" lang="fr-FR" sz="1800" spc="-1" strike="noStrike">
+          <a:bodyPr lIns="0" tIns="0" rIns="0" bIns="0" anchor="ctr"/>
+          <a:lstStyle/>
+          <a:p>
+            <a:endParaRPr lang="fr-FR" sz="1800" b="0" strike="noStrike" spc="-1">
               <a:solidFill>
                 <a:srgbClr val="000000"/>
               </a:solidFill>
@@ -2630,11 +2856,12 @@
           </a:prstGeom>
         </p:spPr>
         <p:txBody>
-          <a:bodyPr lIns="0" rIns="0" tIns="0" bIns="0">
+          <a:bodyPr lIns="0" tIns="0" rIns="0" bIns="0">
             <a:normAutofit/>
           </a:bodyPr>
-          <a:p>
-            <a:endParaRPr b="0" lang="fr-FR" sz="2800" spc="-1" strike="noStrike">
+          <a:lstStyle/>
+          <a:p>
+            <a:endParaRPr lang="fr-FR" sz="2800" b="0" strike="noStrike" spc="-1">
               <a:solidFill>
                 <a:srgbClr val="000000"/>
               </a:solidFill>
@@ -2663,11 +2890,12 @@
           </a:prstGeom>
         </p:spPr>
         <p:txBody>
-          <a:bodyPr lIns="0" rIns="0" tIns="0" bIns="0">
+          <a:bodyPr lIns="0" tIns="0" rIns="0" bIns="0">
             <a:normAutofit/>
           </a:bodyPr>
-          <a:p>
-            <a:endParaRPr b="0" lang="fr-FR" sz="2800" spc="-1" strike="noStrike">
+          <a:lstStyle/>
+          <a:p>
+            <a:endParaRPr lang="fr-FR" sz="2800" b="0" strike="noStrike" spc="-1">
               <a:solidFill>
                 <a:srgbClr val="000000"/>
               </a:solidFill>
@@ -2696,11 +2924,12 @@
           </a:prstGeom>
         </p:spPr>
         <p:txBody>
-          <a:bodyPr lIns="0" rIns="0" tIns="0" bIns="0">
+          <a:bodyPr lIns="0" tIns="0" rIns="0" bIns="0">
             <a:normAutofit/>
           </a:bodyPr>
-          <a:p>
-            <a:endParaRPr b="0" lang="fr-FR" sz="2800" spc="-1" strike="noStrike">
+          <a:lstStyle/>
+          <a:p>
+            <a:endParaRPr lang="fr-FR" sz="2800" b="0" strike="noStrike" spc="-1">
               <a:solidFill>
                 <a:srgbClr val="000000"/>
               </a:solidFill>
@@ -2711,11 +2940,14 @@
       </p:sp>
     </p:spTree>
   </p:cSld>
+  <p:clrMapOvr>
+    <a:masterClrMapping/>
+  </p:clrMapOvr>
 </p:sldLayout>
 </file>
 
 <file path=ppt/slideLayouts/slideLayout9.xml><?xml version="1.0" encoding="utf-8"?>
-<p:sldLayout xmlns:a="http://schemas.openxmlformats.org/drawingml/2006/main" xmlns:p="http://schemas.openxmlformats.org/presentationml/2006/main" xmlns:r="http://schemas.openxmlformats.org/officeDocument/2006/relationships" xmlns:p14="http://schemas.microsoft.com/office/powerpoint/2010/main" xmlns:p15="http://schemas.microsoft.com/office/powerpoint/2012/main" xmlns:mc="http://schemas.openxmlformats.org/markup-compatibility/2006" type="twoObjOverTx" preserve="1">
+<p:sldLayout xmlns:a="http://schemas.openxmlformats.org/drawingml/2006/main" xmlns:r="http://schemas.openxmlformats.org/officeDocument/2006/relationships" xmlns:p="http://schemas.openxmlformats.org/presentationml/2006/main" type="twoObjOverTx" preserve="1">
   <p:cSld name="Title, 2 Content over Content">
     <p:spTree>
       <p:nvGrpSpPr>
@@ -2751,9 +2983,10 @@
           </a:prstGeom>
         </p:spPr>
         <p:txBody>
-          <a:bodyPr lIns="0" rIns="0" tIns="0" bIns="0" anchor="ctr"/>
-          <a:p>
-            <a:endParaRPr b="0" lang="fr-FR" sz="1800" spc="-1" strike="noStrike">
+          <a:bodyPr lIns="0" tIns="0" rIns="0" bIns="0" anchor="ctr"/>
+          <a:lstStyle/>
+          <a:p>
+            <a:endParaRPr lang="fr-FR" sz="1800" b="0" strike="noStrike" spc="-1">
               <a:solidFill>
                 <a:srgbClr val="000000"/>
               </a:solidFill>
@@ -2782,11 +3015,12 @@
           </a:prstGeom>
         </p:spPr>
         <p:txBody>
-          <a:bodyPr lIns="0" rIns="0" tIns="0" bIns="0">
+          <a:bodyPr lIns="0" tIns="0" rIns="0" bIns="0">
             <a:normAutofit/>
           </a:bodyPr>
-          <a:p>
-            <a:endParaRPr b="0" lang="fr-FR" sz="2800" spc="-1" strike="noStrike">
+          <a:lstStyle/>
+          <a:p>
+            <a:endParaRPr lang="fr-FR" sz="2800" b="0" strike="noStrike" spc="-1">
               <a:solidFill>
                 <a:srgbClr val="000000"/>
               </a:solidFill>
@@ -2815,11 +3049,12 @@
           </a:prstGeom>
         </p:spPr>
         <p:txBody>
-          <a:bodyPr lIns="0" rIns="0" tIns="0" bIns="0">
+          <a:bodyPr lIns="0" tIns="0" rIns="0" bIns="0">
             <a:normAutofit/>
           </a:bodyPr>
-          <a:p>
-            <a:endParaRPr b="0" lang="fr-FR" sz="2800" spc="-1" strike="noStrike">
+          <a:lstStyle/>
+          <a:p>
+            <a:endParaRPr lang="fr-FR" sz="2800" b="0" strike="noStrike" spc="-1">
               <a:solidFill>
                 <a:srgbClr val="000000"/>
               </a:solidFill>
@@ -2848,11 +3083,12 @@
           </a:prstGeom>
         </p:spPr>
         <p:txBody>
-          <a:bodyPr lIns="0" rIns="0" tIns="0" bIns="0">
+          <a:bodyPr lIns="0" tIns="0" rIns="0" bIns="0">
             <a:normAutofit/>
           </a:bodyPr>
-          <a:p>
-            <a:endParaRPr b="0" lang="fr-FR" sz="2800" spc="-1" strike="noStrike">
+          <a:lstStyle/>
+          <a:p>
+            <a:endParaRPr lang="fr-FR" sz="2800" b="0" strike="noStrike" spc="-1">
               <a:solidFill>
                 <a:srgbClr val="000000"/>
               </a:solidFill>
@@ -2863,17 +3099,21 @@
       </p:sp>
     </p:spTree>
   </p:cSld>
+  <p:clrMapOvr>
+    <a:masterClrMapping/>
+  </p:clrMapOvr>
 </p:sldLayout>
 </file>
 
 <file path=ppt/slideMasters/slideMaster1.xml><?xml version="1.0" encoding="utf-8"?>
-<p:sldMaster xmlns:a="http://schemas.openxmlformats.org/drawingml/2006/main" xmlns:p="http://schemas.openxmlformats.org/presentationml/2006/main" xmlns:r="http://schemas.openxmlformats.org/officeDocument/2006/relationships" xmlns:p14="http://schemas.microsoft.com/office/powerpoint/2010/main" xmlns:p15="http://schemas.microsoft.com/office/powerpoint/2012/main" xmlns:mc="http://schemas.openxmlformats.org/markup-compatibility/2006">
+<p:sldMaster xmlns:a="http://schemas.openxmlformats.org/drawingml/2006/main" xmlns:r="http://schemas.openxmlformats.org/officeDocument/2006/relationships" xmlns:p="http://schemas.openxmlformats.org/presentationml/2006/main">
   <p:cSld>
     <p:bg>
       <p:bgPr>
         <a:solidFill>
-          <a:srgbClr val="ffffff"/>
+          <a:srgbClr val="FFFFFF"/>
         </a:solidFill>
+        <a:effectLst/>
       </p:bgPr>
     </p:bg>
     <p:spTree>
@@ -2892,7 +3132,7 @@
       </p:grpSpPr>
       <p:sp>
         <p:nvSpPr>
-          <p:cNvPr id="0" name="PlaceHolder 1"/>
+          <p:cNvPr id="5" name="PlaceHolder 1"/>
           <p:cNvSpPr>
             <a:spLocks noGrp="1"/>
           </p:cNvSpPr>
@@ -2911,6 +3151,7 @@
         </p:spPr>
         <p:txBody>
           <a:bodyPr anchor="b"/>
+          <a:lstStyle/>
           <a:p>
             <a:pPr algn="ctr">
               <a:lnSpc>
@@ -2918,71 +3159,26 @@
               </a:lnSpc>
             </a:pPr>
             <a:r>
-              <a:rPr b="0" lang="fr-FR" sz="6000" spc="-1" strike="noStrike">
+              <a:rPr lang="fr-FR" sz="6000" b="0" strike="noStrike" spc="-1">
                 <a:solidFill>
                   <a:srgbClr val="000000"/>
                 </a:solidFill>
                 <a:latin typeface="Calibri Light"/>
               </a:rPr>
-              <a:t>Modi</a:t>
+              <a:t>Modifiez le style du titre</a:t>
             </a:r>
-            <a:r>
-              <a:rPr b="0" lang="fr-FR" sz="6000" spc="-1" strike="noStrike">
-                <a:solidFill>
-                  <a:srgbClr val="000000"/>
-                </a:solidFill>
-                <a:latin typeface="Calibri Light"/>
-              </a:rPr>
-              <a:t>fiez </a:t>
-            </a:r>
-            <a:r>
-              <a:rPr b="0" lang="fr-FR" sz="6000" spc="-1" strike="noStrike">
-                <a:solidFill>
-                  <a:srgbClr val="000000"/>
-                </a:solidFill>
-                <a:latin typeface="Calibri Light"/>
-              </a:rPr>
-              <a:t>le </a:t>
-            </a:r>
-            <a:r>
-              <a:rPr b="0" lang="fr-FR" sz="6000" spc="-1" strike="noStrike">
-                <a:solidFill>
-                  <a:srgbClr val="000000"/>
-                </a:solidFill>
-                <a:latin typeface="Calibri Light"/>
-              </a:rPr>
-              <a:t>style </a:t>
-            </a:r>
-            <a:r>
-              <a:rPr b="0" lang="fr-FR" sz="6000" spc="-1" strike="noStrike">
-                <a:solidFill>
-                  <a:srgbClr val="000000"/>
-                </a:solidFill>
-                <a:latin typeface="Calibri Light"/>
-              </a:rPr>
-              <a:t>du </a:t>
-            </a:r>
-            <a:r>
-              <a:rPr b="0" lang="fr-FR" sz="6000" spc="-1" strike="noStrike">
-                <a:solidFill>
-                  <a:srgbClr val="000000"/>
-                </a:solidFill>
-                <a:latin typeface="Calibri Light"/>
-              </a:rPr>
-              <a:t>titre</a:t>
-            </a:r>
-            <a:endParaRPr b="0" lang="fr-FR" sz="6000" spc="-1" strike="noStrike">
-              <a:solidFill>
-                <a:srgbClr val="000000"/>
-              </a:solidFill>
-              <a:latin typeface="Calibri"/>
-            </a:endParaRPr>
-          </a:p>
-        </p:txBody>
-      </p:sp>
-      <p:sp>
-        <p:nvSpPr>
-          <p:cNvPr id="1" name="PlaceHolder 2"/>
+            <a:endParaRPr lang="fr-FR" sz="6000" b="0" strike="noStrike" spc="-1">
+              <a:solidFill>
+                <a:srgbClr val="000000"/>
+              </a:solidFill>
+              <a:latin typeface="Calibri"/>
+            </a:endParaRPr>
+          </a:p>
+        </p:txBody>
+      </p:sp>
+      <p:sp>
+        <p:nvSpPr>
+          <p:cNvPr id="6" name="PlaceHolder 2"/>
           <p:cNvSpPr>
             <a:spLocks noGrp="1"/>
           </p:cNvSpPr>
@@ -3001,6 +3197,7 @@
         </p:spPr>
         <p:txBody>
           <a:bodyPr anchor="ctr"/>
+          <a:lstStyle/>
           <a:p>
             <a:pPr>
               <a:lnSpc>
@@ -3008,15 +3205,15 @@
               </a:lnSpc>
             </a:pPr>
             <a:fld id="{0AF6D55A-4703-4A15-8722-B393D36D239D}" type="datetime">
-              <a:rPr b="0" lang="en-GB" sz="1200" spc="-1" strike="noStrike">
+              <a:rPr lang="en-GB" sz="1200" b="0" strike="noStrike" spc="-1">
                 <a:solidFill>
-                  <a:srgbClr val="8b8b8b"/>
+                  <a:srgbClr val="8B8B8B"/>
                 </a:solidFill>
                 <a:latin typeface="Calibri"/>
               </a:rPr>
-              <a:t>30/06/19</a:t>
+              <a:t>30/06/2019</a:t>
             </a:fld>
-            <a:endParaRPr b="0" lang="en-GB" sz="1200" spc="-1" strike="noStrike">
+            <a:endParaRPr lang="en-GB" sz="1200" b="0" strike="noStrike" spc="-1">
               <a:latin typeface="Times New Roman"/>
             </a:endParaRPr>
           </a:p>
@@ -3043,8 +3240,9 @@
         </p:spPr>
         <p:txBody>
           <a:bodyPr anchor="ctr"/>
-          <a:p>
-            <a:endParaRPr b="0" lang="en-GB" sz="2400" spc="-1" strike="noStrike">
+          <a:lstStyle/>
+          <a:p>
+            <a:endParaRPr lang="en-GB" sz="2400" b="0" strike="noStrike" spc="-1">
               <a:latin typeface="Times New Roman"/>
             </a:endParaRPr>
           </a:p>
@@ -3071,6 +3269,7 @@
         </p:spPr>
         <p:txBody>
           <a:bodyPr anchor="ctr"/>
+          <a:lstStyle/>
           <a:p>
             <a:pPr algn="r">
               <a:lnSpc>
@@ -3078,15 +3277,15 @@
               </a:lnSpc>
             </a:pPr>
             <a:fld id="{0F072D18-AFF0-4ED1-B5A5-6D1FDA5BFDA6}" type="slidenum">
-              <a:rPr b="0" lang="en-GB" sz="1200" spc="-1" strike="noStrike">
+              <a:rPr lang="en-GB" sz="1200" b="0" strike="noStrike" spc="-1">
                 <a:solidFill>
-                  <a:srgbClr val="8b8b8b"/>
+                  <a:srgbClr val="8B8B8B"/>
                 </a:solidFill>
                 <a:latin typeface="Calibri"/>
               </a:rPr>
-              <a:t>6</a:t>
+              <a:t>‹N°›</a:t>
             </a:fld>
-            <a:endParaRPr b="0" lang="en-GB" sz="1200" spc="-1" strike="noStrike">
+            <a:endParaRPr lang="en-GB" sz="1200" b="0" strike="noStrike" spc="-1">
               <a:latin typeface="Times New Roman"/>
             </a:endParaRPr>
           </a:p>
@@ -3112,9 +3311,10 @@
           </a:prstGeom>
         </p:spPr>
         <p:txBody>
-          <a:bodyPr lIns="0" rIns="0" tIns="0" bIns="0">
+          <a:bodyPr lIns="0" tIns="0" rIns="0" bIns="0">
             <a:normAutofit/>
           </a:bodyPr>
+          <a:lstStyle/>
           <a:p>
             <a:pPr marL="432000" indent="-324000">
               <a:spcBef>
@@ -3128,7 +3328,7 @@
               <a:buChar char=""/>
             </a:pPr>
             <a:r>
-              <a:rPr b="0" lang="fr-FR" sz="2800" spc="-1" strike="noStrike">
+              <a:rPr lang="fr-FR" sz="2800" b="0" strike="noStrike" spc="-1">
                 <a:solidFill>
                   <a:srgbClr val="000000"/>
                 </a:solidFill>
@@ -3136,15 +3336,9 @@
               </a:rPr>
               <a:t>Click to edit the outline text format</a:t>
             </a:r>
-            <a:endParaRPr b="0" lang="fr-FR" sz="2800" spc="-1" strike="noStrike">
-              <a:solidFill>
-                <a:srgbClr val="000000"/>
-              </a:solidFill>
-              <a:latin typeface="Calibri"/>
-            </a:endParaRPr>
-          </a:p>
-          <a:p>
-            <a:pPr lvl="1" marL="864000" indent="-324000">
+          </a:p>
+          <a:p>
+            <a:pPr marL="864000" lvl="1" indent="-324000">
               <a:spcBef>
                 <a:spcPts val="1134"/>
               </a:spcBef>
@@ -3156,7 +3350,7 @@
               <a:buChar char=""/>
             </a:pPr>
             <a:r>
-              <a:rPr b="0" lang="fr-FR" sz="2000" spc="-1" strike="noStrike">
+              <a:rPr lang="fr-FR" sz="2000" b="0" strike="noStrike" spc="-1">
                 <a:solidFill>
                   <a:srgbClr val="000000"/>
                 </a:solidFill>
@@ -3164,15 +3358,9 @@
               </a:rPr>
               <a:t>Second Outline Level</a:t>
             </a:r>
-            <a:endParaRPr b="0" lang="fr-FR" sz="2000" spc="-1" strike="noStrike">
-              <a:solidFill>
-                <a:srgbClr val="000000"/>
-              </a:solidFill>
-              <a:latin typeface="Calibri"/>
-            </a:endParaRPr>
-          </a:p>
-          <a:p>
-            <a:pPr lvl="2" marL="1296000" indent="-288000">
+          </a:p>
+          <a:p>
+            <a:pPr marL="1296000" lvl="2" indent="-288000">
               <a:spcBef>
                 <a:spcPts val="850"/>
               </a:spcBef>
@@ -3184,7 +3372,7 @@
               <a:buChar char=""/>
             </a:pPr>
             <a:r>
-              <a:rPr b="0" lang="fr-FR" sz="1800" spc="-1" strike="noStrike">
+              <a:rPr lang="fr-FR" sz="1800" b="0" strike="noStrike" spc="-1">
                 <a:solidFill>
                   <a:srgbClr val="000000"/>
                 </a:solidFill>
@@ -3192,15 +3380,9 @@
               </a:rPr>
               <a:t>Third Outline Level</a:t>
             </a:r>
-            <a:endParaRPr b="0" lang="fr-FR" sz="1800" spc="-1" strike="noStrike">
-              <a:solidFill>
-                <a:srgbClr val="000000"/>
-              </a:solidFill>
-              <a:latin typeface="Calibri"/>
-            </a:endParaRPr>
-          </a:p>
-          <a:p>
-            <a:pPr lvl="3" marL="1728000" indent="-216000">
+          </a:p>
+          <a:p>
+            <a:pPr marL="1728000" lvl="3" indent="-216000">
               <a:spcBef>
                 <a:spcPts val="567"/>
               </a:spcBef>
@@ -3212,7 +3394,7 @@
               <a:buChar char=""/>
             </a:pPr>
             <a:r>
-              <a:rPr b="0" lang="fr-FR" sz="1800" spc="-1" strike="noStrike">
+              <a:rPr lang="fr-FR" sz="1800" b="0" strike="noStrike" spc="-1">
                 <a:solidFill>
                   <a:srgbClr val="000000"/>
                 </a:solidFill>
@@ -3220,15 +3402,9 @@
               </a:rPr>
               <a:t>Fourth Outline Level</a:t>
             </a:r>
-            <a:endParaRPr b="0" lang="fr-FR" sz="1800" spc="-1" strike="noStrike">
-              <a:solidFill>
-                <a:srgbClr val="000000"/>
-              </a:solidFill>
-              <a:latin typeface="Calibri"/>
-            </a:endParaRPr>
-          </a:p>
-          <a:p>
-            <a:pPr lvl="4" marL="2160000" indent="-216000">
+          </a:p>
+          <a:p>
+            <a:pPr marL="2160000" lvl="4" indent="-216000">
               <a:spcBef>
                 <a:spcPts val="283"/>
               </a:spcBef>
@@ -3240,7 +3416,7 @@
               <a:buChar char=""/>
             </a:pPr>
             <a:r>
-              <a:rPr b="0" lang="fr-FR" sz="2000" spc="-1" strike="noStrike">
+              <a:rPr lang="fr-FR" sz="2000" b="0" strike="noStrike" spc="-1">
                 <a:solidFill>
                   <a:srgbClr val="000000"/>
                 </a:solidFill>
@@ -3248,15 +3424,9 @@
               </a:rPr>
               <a:t>Fifth Outline Level</a:t>
             </a:r>
-            <a:endParaRPr b="0" lang="fr-FR" sz="2000" spc="-1" strike="noStrike">
-              <a:solidFill>
-                <a:srgbClr val="000000"/>
-              </a:solidFill>
-              <a:latin typeface="Calibri"/>
-            </a:endParaRPr>
-          </a:p>
-          <a:p>
-            <a:pPr lvl="5" marL="2592000" indent="-216000">
+          </a:p>
+          <a:p>
+            <a:pPr marL="2592000" lvl="5" indent="-216000">
               <a:spcBef>
                 <a:spcPts val="283"/>
               </a:spcBef>
@@ -3268,7 +3438,7 @@
               <a:buChar char=""/>
             </a:pPr>
             <a:r>
-              <a:rPr b="0" lang="fr-FR" sz="2000" spc="-1" strike="noStrike">
+              <a:rPr lang="fr-FR" sz="2000" b="0" strike="noStrike" spc="-1">
                 <a:solidFill>
                   <a:srgbClr val="000000"/>
                 </a:solidFill>
@@ -3276,15 +3446,9 @@
               </a:rPr>
               <a:t>Sixth Outline Level</a:t>
             </a:r>
-            <a:endParaRPr b="0" lang="fr-FR" sz="2000" spc="-1" strike="noStrike">
-              <a:solidFill>
-                <a:srgbClr val="000000"/>
-              </a:solidFill>
-              <a:latin typeface="Calibri"/>
-            </a:endParaRPr>
-          </a:p>
-          <a:p>
-            <a:pPr lvl="6" marL="3024000" indent="-216000">
+          </a:p>
+          <a:p>
+            <a:pPr marL="3024000" lvl="6" indent="-216000">
               <a:spcBef>
                 <a:spcPts val="283"/>
               </a:spcBef>
@@ -3296,7 +3460,7 @@
               <a:buChar char=""/>
             </a:pPr>
             <a:r>
-              <a:rPr b="0" lang="fr-FR" sz="2000" spc="-1" strike="noStrike">
+              <a:rPr lang="fr-FR" sz="2000" b="0" strike="noStrike" spc="-1">
                 <a:solidFill>
                   <a:srgbClr val="000000"/>
                 </a:solidFill>
@@ -3304,43 +3468,318 @@
               </a:rPr>
               <a:t>Seventh Outline Level</a:t>
             </a:r>
-            <a:endParaRPr b="0" lang="fr-FR" sz="2000" spc="-1" strike="noStrike">
-              <a:solidFill>
-                <a:srgbClr val="000000"/>
-              </a:solidFill>
-              <a:latin typeface="Calibri"/>
-            </a:endParaRPr>
           </a:p>
         </p:txBody>
       </p:sp>
     </p:spTree>
   </p:cSld>
-  <p:clrMap bg1="lt1" bg2="lt2" tx1="dk1" tx2="dk2" accent1="accent1" accent2="accent2" accent3="accent3" accent4="accent4" accent5="accent5" accent6="accent6" hlink="hlink" folHlink="folHlink"/>
+  <p:clrMap bg1="lt1" tx1="dk1" bg2="lt2" tx2="dk2" accent1="accent1" accent2="accent2" accent3="accent3" accent4="accent4" accent5="accent5" accent6="accent6" hlink="hlink" folHlink="folHlink"/>
   <p:sldLayoutIdLst>
-    <p:sldLayoutId id="2147483649" r:id="rId2"/>
-    <p:sldLayoutId id="2147483650" r:id="rId3"/>
-    <p:sldLayoutId id="2147483651" r:id="rId4"/>
-    <p:sldLayoutId id="2147483652" r:id="rId5"/>
-    <p:sldLayoutId id="2147483653" r:id="rId6"/>
-    <p:sldLayoutId id="2147483654" r:id="rId7"/>
-    <p:sldLayoutId id="2147483655" r:id="rId8"/>
-    <p:sldLayoutId id="2147483656" r:id="rId9"/>
-    <p:sldLayoutId id="2147483657" r:id="rId10"/>
-    <p:sldLayoutId id="2147483658" r:id="rId11"/>
-    <p:sldLayoutId id="2147483659" r:id="rId12"/>
-    <p:sldLayoutId id="2147483660" r:id="rId13"/>
+    <p:sldLayoutId id="2147483649" r:id="rId1"/>
+    <p:sldLayoutId id="2147483650" r:id="rId2"/>
+    <p:sldLayoutId id="2147483651" r:id="rId3"/>
+    <p:sldLayoutId id="2147483652" r:id="rId4"/>
+    <p:sldLayoutId id="2147483653" r:id="rId5"/>
+    <p:sldLayoutId id="2147483654" r:id="rId6"/>
+    <p:sldLayoutId id="2147483655" r:id="rId7"/>
+    <p:sldLayoutId id="2147483656" r:id="rId8"/>
+    <p:sldLayoutId id="2147483657" r:id="rId9"/>
+    <p:sldLayoutId id="2147483658" r:id="rId10"/>
+    <p:sldLayoutId id="2147483659" r:id="rId11"/>
+    <p:sldLayoutId id="2147483660" r:id="rId12"/>
   </p:sldLayoutIdLst>
+  <p:txStyles>
+    <p:titleStyle>
+      <a:lvl1pPr algn="l" defTabSz="914400" rtl="0" eaLnBrk="1" latinLnBrk="0" hangingPunct="1">
+        <a:lnSpc>
+          <a:spcPct val="90000"/>
+        </a:lnSpc>
+        <a:spcBef>
+          <a:spcPct val="0"/>
+        </a:spcBef>
+        <a:buNone/>
+        <a:defRPr sz="4400" kern="1200">
+          <a:solidFill>
+            <a:schemeClr val="tx1"/>
+          </a:solidFill>
+          <a:latin typeface="+mj-lt"/>
+          <a:ea typeface="+mj-ea"/>
+          <a:cs typeface="+mj-cs"/>
+        </a:defRPr>
+      </a:lvl1pPr>
+    </p:titleStyle>
+    <p:bodyStyle>
+      <a:lvl1pPr marL="228600" indent="-228600" algn="l" defTabSz="914400" rtl="0" eaLnBrk="1" latinLnBrk="0" hangingPunct="1">
+        <a:lnSpc>
+          <a:spcPct val="90000"/>
+        </a:lnSpc>
+        <a:spcBef>
+          <a:spcPts val="1000"/>
+        </a:spcBef>
+        <a:buFont typeface="Arial" panose="020B0604020202020204" pitchFamily="34" charset="0"/>
+        <a:buChar char="•"/>
+        <a:defRPr sz="2800" kern="1200">
+          <a:solidFill>
+            <a:schemeClr val="tx1"/>
+          </a:solidFill>
+          <a:latin typeface="+mn-lt"/>
+          <a:ea typeface="+mn-ea"/>
+          <a:cs typeface="+mn-cs"/>
+        </a:defRPr>
+      </a:lvl1pPr>
+      <a:lvl2pPr marL="685800" indent="-228600" algn="l" defTabSz="914400" rtl="0" eaLnBrk="1" latinLnBrk="0" hangingPunct="1">
+        <a:lnSpc>
+          <a:spcPct val="90000"/>
+        </a:lnSpc>
+        <a:spcBef>
+          <a:spcPts val="500"/>
+        </a:spcBef>
+        <a:buFont typeface="Arial" panose="020B0604020202020204" pitchFamily="34" charset="0"/>
+        <a:buChar char="•"/>
+        <a:defRPr sz="2400" kern="1200">
+          <a:solidFill>
+            <a:schemeClr val="tx1"/>
+          </a:solidFill>
+          <a:latin typeface="+mn-lt"/>
+          <a:ea typeface="+mn-ea"/>
+          <a:cs typeface="+mn-cs"/>
+        </a:defRPr>
+      </a:lvl2pPr>
+      <a:lvl3pPr marL="1143000" indent="-228600" algn="l" defTabSz="914400" rtl="0" eaLnBrk="1" latinLnBrk="0" hangingPunct="1">
+        <a:lnSpc>
+          <a:spcPct val="90000"/>
+        </a:lnSpc>
+        <a:spcBef>
+          <a:spcPts val="500"/>
+        </a:spcBef>
+        <a:buFont typeface="Arial" panose="020B0604020202020204" pitchFamily="34" charset="0"/>
+        <a:buChar char="•"/>
+        <a:defRPr sz="2000" kern="1200">
+          <a:solidFill>
+            <a:schemeClr val="tx1"/>
+          </a:solidFill>
+          <a:latin typeface="+mn-lt"/>
+          <a:ea typeface="+mn-ea"/>
+          <a:cs typeface="+mn-cs"/>
+        </a:defRPr>
+      </a:lvl3pPr>
+      <a:lvl4pPr marL="1600200" indent="-228600" algn="l" defTabSz="914400" rtl="0" eaLnBrk="1" latinLnBrk="0" hangingPunct="1">
+        <a:lnSpc>
+          <a:spcPct val="90000"/>
+        </a:lnSpc>
+        <a:spcBef>
+          <a:spcPts val="500"/>
+        </a:spcBef>
+        <a:buFont typeface="Arial" panose="020B0604020202020204" pitchFamily="34" charset="0"/>
+        <a:buChar char="•"/>
+        <a:defRPr sz="1800" kern="1200">
+          <a:solidFill>
+            <a:schemeClr val="tx1"/>
+          </a:solidFill>
+          <a:latin typeface="+mn-lt"/>
+          <a:ea typeface="+mn-ea"/>
+          <a:cs typeface="+mn-cs"/>
+        </a:defRPr>
+      </a:lvl4pPr>
+      <a:lvl5pPr marL="2057400" indent="-228600" algn="l" defTabSz="914400" rtl="0" eaLnBrk="1" latinLnBrk="0" hangingPunct="1">
+        <a:lnSpc>
+          <a:spcPct val="90000"/>
+        </a:lnSpc>
+        <a:spcBef>
+          <a:spcPts val="500"/>
+        </a:spcBef>
+        <a:buFont typeface="Arial" panose="020B0604020202020204" pitchFamily="34" charset="0"/>
+        <a:buChar char="•"/>
+        <a:defRPr sz="1800" kern="1200">
+          <a:solidFill>
+            <a:schemeClr val="tx1"/>
+          </a:solidFill>
+          <a:latin typeface="+mn-lt"/>
+          <a:ea typeface="+mn-ea"/>
+          <a:cs typeface="+mn-cs"/>
+        </a:defRPr>
+      </a:lvl5pPr>
+      <a:lvl6pPr marL="2514600" indent="-228600" algn="l" defTabSz="914400" rtl="0" eaLnBrk="1" latinLnBrk="0" hangingPunct="1">
+        <a:lnSpc>
+          <a:spcPct val="90000"/>
+        </a:lnSpc>
+        <a:spcBef>
+          <a:spcPts val="500"/>
+        </a:spcBef>
+        <a:buFont typeface="Arial" panose="020B0604020202020204" pitchFamily="34" charset="0"/>
+        <a:buChar char="•"/>
+        <a:defRPr sz="1800" kern="1200">
+          <a:solidFill>
+            <a:schemeClr val="tx1"/>
+          </a:solidFill>
+          <a:latin typeface="+mn-lt"/>
+          <a:ea typeface="+mn-ea"/>
+          <a:cs typeface="+mn-cs"/>
+        </a:defRPr>
+      </a:lvl6pPr>
+      <a:lvl7pPr marL="2971800" indent="-228600" algn="l" defTabSz="914400" rtl="0" eaLnBrk="1" latinLnBrk="0" hangingPunct="1">
+        <a:lnSpc>
+          <a:spcPct val="90000"/>
+        </a:lnSpc>
+        <a:spcBef>
+          <a:spcPts val="500"/>
+        </a:spcBef>
+        <a:buFont typeface="Arial" panose="020B0604020202020204" pitchFamily="34" charset="0"/>
+        <a:buChar char="•"/>
+        <a:defRPr sz="1800" kern="1200">
+          <a:solidFill>
+            <a:schemeClr val="tx1"/>
+          </a:solidFill>
+          <a:latin typeface="+mn-lt"/>
+          <a:ea typeface="+mn-ea"/>
+          <a:cs typeface="+mn-cs"/>
+        </a:defRPr>
+      </a:lvl7pPr>
+      <a:lvl8pPr marL="3429000" indent="-228600" algn="l" defTabSz="914400" rtl="0" eaLnBrk="1" latinLnBrk="0" hangingPunct="1">
+        <a:lnSpc>
+          <a:spcPct val="90000"/>
+        </a:lnSpc>
+        <a:spcBef>
+          <a:spcPts val="500"/>
+        </a:spcBef>
+        <a:buFont typeface="Arial" panose="020B0604020202020204" pitchFamily="34" charset="0"/>
+        <a:buChar char="•"/>
+        <a:defRPr sz="1800" kern="1200">
+          <a:solidFill>
+            <a:schemeClr val="tx1"/>
+          </a:solidFill>
+          <a:latin typeface="+mn-lt"/>
+          <a:ea typeface="+mn-ea"/>
+          <a:cs typeface="+mn-cs"/>
+        </a:defRPr>
+      </a:lvl8pPr>
+      <a:lvl9pPr marL="3886200" indent="-228600" algn="l" defTabSz="914400" rtl="0" eaLnBrk="1" latinLnBrk="0" hangingPunct="1">
+        <a:lnSpc>
+          <a:spcPct val="90000"/>
+        </a:lnSpc>
+        <a:spcBef>
+          <a:spcPts val="500"/>
+        </a:spcBef>
+        <a:buFont typeface="Arial" panose="020B0604020202020204" pitchFamily="34" charset="0"/>
+        <a:buChar char="•"/>
+        <a:defRPr sz="1800" kern="1200">
+          <a:solidFill>
+            <a:schemeClr val="tx1"/>
+          </a:solidFill>
+          <a:latin typeface="+mn-lt"/>
+          <a:ea typeface="+mn-ea"/>
+          <a:cs typeface="+mn-cs"/>
+        </a:defRPr>
+      </a:lvl9pPr>
+    </p:bodyStyle>
+    <p:otherStyle>
+      <a:defPPr>
+        <a:defRPr lang="fr-FR"/>
+      </a:defPPr>
+      <a:lvl1pPr marL="0" algn="l" defTabSz="914400" rtl="0" eaLnBrk="1" latinLnBrk="0" hangingPunct="1">
+        <a:defRPr sz="1800" kern="1200">
+          <a:solidFill>
+            <a:schemeClr val="tx1"/>
+          </a:solidFill>
+          <a:latin typeface="+mn-lt"/>
+          <a:ea typeface="+mn-ea"/>
+          <a:cs typeface="+mn-cs"/>
+        </a:defRPr>
+      </a:lvl1pPr>
+      <a:lvl2pPr marL="457200" algn="l" defTabSz="914400" rtl="0" eaLnBrk="1" latinLnBrk="0" hangingPunct="1">
+        <a:defRPr sz="1800" kern="1200">
+          <a:solidFill>
+            <a:schemeClr val="tx1"/>
+          </a:solidFill>
+          <a:latin typeface="+mn-lt"/>
+          <a:ea typeface="+mn-ea"/>
+          <a:cs typeface="+mn-cs"/>
+        </a:defRPr>
+      </a:lvl2pPr>
+      <a:lvl3pPr marL="914400" algn="l" defTabSz="914400" rtl="0" eaLnBrk="1" latinLnBrk="0" hangingPunct="1">
+        <a:defRPr sz="1800" kern="1200">
+          <a:solidFill>
+            <a:schemeClr val="tx1"/>
+          </a:solidFill>
+          <a:latin typeface="+mn-lt"/>
+          <a:ea typeface="+mn-ea"/>
+          <a:cs typeface="+mn-cs"/>
+        </a:defRPr>
+      </a:lvl3pPr>
+      <a:lvl4pPr marL="1371600" algn="l" defTabSz="914400" rtl="0" eaLnBrk="1" latinLnBrk="0" hangingPunct="1">
+        <a:defRPr sz="1800" kern="1200">
+          <a:solidFill>
+            <a:schemeClr val="tx1"/>
+          </a:solidFill>
+          <a:latin typeface="+mn-lt"/>
+          <a:ea typeface="+mn-ea"/>
+          <a:cs typeface="+mn-cs"/>
+        </a:defRPr>
+      </a:lvl4pPr>
+      <a:lvl5pPr marL="1828800" algn="l" defTabSz="914400" rtl="0" eaLnBrk="1" latinLnBrk="0" hangingPunct="1">
+        <a:defRPr sz="1800" kern="1200">
+          <a:solidFill>
+            <a:schemeClr val="tx1"/>
+          </a:solidFill>
+          <a:latin typeface="+mn-lt"/>
+          <a:ea typeface="+mn-ea"/>
+          <a:cs typeface="+mn-cs"/>
+        </a:defRPr>
+      </a:lvl5pPr>
+      <a:lvl6pPr marL="2286000" algn="l" defTabSz="914400" rtl="0" eaLnBrk="1" latinLnBrk="0" hangingPunct="1">
+        <a:defRPr sz="1800" kern="1200">
+          <a:solidFill>
+            <a:schemeClr val="tx1"/>
+          </a:solidFill>
+          <a:latin typeface="+mn-lt"/>
+          <a:ea typeface="+mn-ea"/>
+          <a:cs typeface="+mn-cs"/>
+        </a:defRPr>
+      </a:lvl6pPr>
+      <a:lvl7pPr marL="2743200" algn="l" defTabSz="914400" rtl="0" eaLnBrk="1" latinLnBrk="0" hangingPunct="1">
+        <a:defRPr sz="1800" kern="1200">
+          <a:solidFill>
+            <a:schemeClr val="tx1"/>
+          </a:solidFill>
+          <a:latin typeface="+mn-lt"/>
+          <a:ea typeface="+mn-ea"/>
+          <a:cs typeface="+mn-cs"/>
+        </a:defRPr>
+      </a:lvl7pPr>
+      <a:lvl8pPr marL="3200400" algn="l" defTabSz="914400" rtl="0" eaLnBrk="1" latinLnBrk="0" hangingPunct="1">
+        <a:defRPr sz="1800" kern="1200">
+          <a:solidFill>
+            <a:schemeClr val="tx1"/>
+          </a:solidFill>
+          <a:latin typeface="+mn-lt"/>
+          <a:ea typeface="+mn-ea"/>
+          <a:cs typeface="+mn-cs"/>
+        </a:defRPr>
+      </a:lvl8pPr>
+      <a:lvl9pPr marL="3657600" algn="l" defTabSz="914400" rtl="0" eaLnBrk="1" latinLnBrk="0" hangingPunct="1">
+        <a:defRPr sz="1800" kern="1200">
+          <a:solidFill>
+            <a:schemeClr val="tx1"/>
+          </a:solidFill>
+          <a:latin typeface="+mn-lt"/>
+          <a:ea typeface="+mn-ea"/>
+          <a:cs typeface="+mn-cs"/>
+        </a:defRPr>
+      </a:lvl9pPr>
+    </p:otherStyle>
+  </p:txStyles>
 </p:sldMaster>
 </file>
 
 <file path=ppt/slideMasters/slideMaster2.xml><?xml version="1.0" encoding="utf-8"?>
-<p:sldMaster xmlns:a="http://schemas.openxmlformats.org/drawingml/2006/main" xmlns:p="http://schemas.openxmlformats.org/presentationml/2006/main" xmlns:r="http://schemas.openxmlformats.org/officeDocument/2006/relationships" xmlns:p14="http://schemas.microsoft.com/office/powerpoint/2010/main" xmlns:p15="http://schemas.microsoft.com/office/powerpoint/2012/main" xmlns:mc="http://schemas.openxmlformats.org/markup-compatibility/2006">
+<p:sldMaster xmlns:a="http://schemas.openxmlformats.org/drawingml/2006/main" xmlns:r="http://schemas.openxmlformats.org/officeDocument/2006/relationships" xmlns:p="http://schemas.openxmlformats.org/presentationml/2006/main">
   <p:cSld>
     <p:bg>
       <p:bgPr>
         <a:solidFill>
-          <a:srgbClr val="ffffff"/>
+          <a:srgbClr val="FFFFFF"/>
         </a:solidFill>
+        <a:effectLst/>
       </p:bgPr>
     </p:bg>
     <p:spTree>
@@ -3378,6 +3817,7 @@
         </p:spPr>
         <p:txBody>
           <a:bodyPr anchor="ctr"/>
+          <a:lstStyle/>
           <a:p>
             <a:pPr>
               <a:lnSpc>
@@ -3385,7 +3825,7 @@
               </a:lnSpc>
             </a:pPr>
             <a:r>
-              <a:rPr b="0" lang="fr-FR" sz="4400" spc="-1" strike="noStrike">
+              <a:rPr lang="fr-FR" sz="4400" b="0" strike="noStrike" spc="-1">
                 <a:solidFill>
                   <a:srgbClr val="000000"/>
                 </a:solidFill>
@@ -3393,7 +3833,7 @@
               </a:rPr>
               <a:t>Modifiez le style du titre</a:t>
             </a:r>
-            <a:endParaRPr b="0" lang="fr-FR" sz="4400" spc="-1" strike="noStrike">
+            <a:endParaRPr lang="fr-FR" sz="4400" b="0" strike="noStrike" spc="-1">
               <a:solidFill>
                 <a:srgbClr val="000000"/>
               </a:solidFill>
@@ -3423,6 +3863,7 @@
         </p:spPr>
         <p:txBody>
           <a:bodyPr/>
+          <a:lstStyle/>
           <a:p>
             <a:pPr marL="228600" indent="-228240">
               <a:lnSpc>
@@ -3438,7 +3879,7 @@
               <a:buChar char="•"/>
             </a:pPr>
             <a:r>
-              <a:rPr b="0" lang="fr-FR" sz="2800" spc="-1" strike="noStrike">
+              <a:rPr lang="fr-FR" sz="2800" b="0" strike="noStrike" spc="-1">
                 <a:solidFill>
                   <a:srgbClr val="000000"/>
                 </a:solidFill>
@@ -3446,15 +3887,9 @@
               </a:rPr>
               <a:t>Modifier les styles du texte du masque</a:t>
             </a:r>
-            <a:endParaRPr b="0" lang="fr-FR" sz="2800" spc="-1" strike="noStrike">
-              <a:solidFill>
-                <a:srgbClr val="000000"/>
-              </a:solidFill>
-              <a:latin typeface="Calibri"/>
-            </a:endParaRPr>
-          </a:p>
-          <a:p>
-            <a:pPr lvl="1" marL="685800" indent="-228240">
+          </a:p>
+          <a:p>
+            <a:pPr marL="685800" lvl="1" indent="-228240">
               <a:lnSpc>
                 <a:spcPct val="90000"/>
               </a:lnSpc>
@@ -3468,7 +3903,7 @@
               <a:buChar char="•"/>
             </a:pPr>
             <a:r>
-              <a:rPr b="0" lang="fr-FR" sz="2400" spc="-1" strike="noStrike">
+              <a:rPr lang="fr-FR" sz="2400" b="0" strike="noStrike" spc="-1">
                 <a:solidFill>
                   <a:srgbClr val="000000"/>
                 </a:solidFill>
@@ -3476,15 +3911,9 @@
               </a:rPr>
               <a:t>Deuxième niveau</a:t>
             </a:r>
-            <a:endParaRPr b="0" lang="fr-FR" sz="2400" spc="-1" strike="noStrike">
-              <a:solidFill>
-                <a:srgbClr val="000000"/>
-              </a:solidFill>
-              <a:latin typeface="Calibri"/>
-            </a:endParaRPr>
-          </a:p>
-          <a:p>
-            <a:pPr lvl="2" marL="1143000" indent="-228240">
+          </a:p>
+          <a:p>
+            <a:pPr marL="1143000" lvl="2" indent="-228240">
               <a:lnSpc>
                 <a:spcPct val="90000"/>
               </a:lnSpc>
@@ -3498,7 +3927,7 @@
               <a:buChar char="•"/>
             </a:pPr>
             <a:r>
-              <a:rPr b="0" lang="fr-FR" sz="2000" spc="-1" strike="noStrike">
+              <a:rPr lang="fr-FR" sz="2000" b="0" strike="noStrike" spc="-1">
                 <a:solidFill>
                   <a:srgbClr val="000000"/>
                 </a:solidFill>
@@ -3506,15 +3935,9 @@
               </a:rPr>
               <a:t>Troisième niveau</a:t>
             </a:r>
-            <a:endParaRPr b="0" lang="fr-FR" sz="2000" spc="-1" strike="noStrike">
-              <a:solidFill>
-                <a:srgbClr val="000000"/>
-              </a:solidFill>
-              <a:latin typeface="Calibri"/>
-            </a:endParaRPr>
-          </a:p>
-          <a:p>
-            <a:pPr lvl="3" marL="1600200" indent="-228240">
+          </a:p>
+          <a:p>
+            <a:pPr marL="1600200" lvl="3" indent="-228240">
               <a:lnSpc>
                 <a:spcPct val="90000"/>
               </a:lnSpc>
@@ -3528,7 +3951,7 @@
               <a:buChar char="•"/>
             </a:pPr>
             <a:r>
-              <a:rPr b="0" lang="fr-FR" sz="1800" spc="-1" strike="noStrike">
+              <a:rPr lang="fr-FR" sz="1800" b="0" strike="noStrike" spc="-1">
                 <a:solidFill>
                   <a:srgbClr val="000000"/>
                 </a:solidFill>
@@ -3536,15 +3959,9 @@
               </a:rPr>
               <a:t>Quatrième niveau</a:t>
             </a:r>
-            <a:endParaRPr b="0" lang="fr-FR" sz="1800" spc="-1" strike="noStrike">
-              <a:solidFill>
-                <a:srgbClr val="000000"/>
-              </a:solidFill>
-              <a:latin typeface="Calibri"/>
-            </a:endParaRPr>
-          </a:p>
-          <a:p>
-            <a:pPr lvl="4" marL="2057400" indent="-228240">
+          </a:p>
+          <a:p>
+            <a:pPr marL="2057400" lvl="4" indent="-228240">
               <a:lnSpc>
                 <a:spcPct val="90000"/>
               </a:lnSpc>
@@ -3558,7 +3975,7 @@
               <a:buChar char="•"/>
             </a:pPr>
             <a:r>
-              <a:rPr b="0" lang="fr-FR" sz="1800" spc="-1" strike="noStrike">
+              <a:rPr lang="fr-FR" sz="1800" b="0" strike="noStrike" spc="-1">
                 <a:solidFill>
                   <a:srgbClr val="000000"/>
                 </a:solidFill>
@@ -3566,12 +3983,6 @@
               </a:rPr>
               <a:t>Cinquième niveau</a:t>
             </a:r>
-            <a:endParaRPr b="0" lang="fr-FR" sz="1800" spc="-1" strike="noStrike">
-              <a:solidFill>
-                <a:srgbClr val="000000"/>
-              </a:solidFill>
-              <a:latin typeface="Calibri"/>
-            </a:endParaRPr>
           </a:p>
         </p:txBody>
       </p:sp>
@@ -3596,6 +4007,7 @@
         </p:spPr>
         <p:txBody>
           <a:bodyPr anchor="ctr"/>
+          <a:lstStyle/>
           <a:p>
             <a:pPr>
               <a:lnSpc>
@@ -3603,15 +4015,15 @@
               </a:lnSpc>
             </a:pPr>
             <a:fld id="{E620303B-6A75-455D-8B4D-AA04C305DFA6}" type="datetime">
-              <a:rPr b="0" lang="en-GB" sz="1200" spc="-1" strike="noStrike">
+              <a:rPr lang="en-GB" sz="1200" b="0" strike="noStrike" spc="-1">
                 <a:solidFill>
-                  <a:srgbClr val="8b8b8b"/>
+                  <a:srgbClr val="8B8B8B"/>
                 </a:solidFill>
                 <a:latin typeface="Calibri"/>
               </a:rPr>
-              <a:t>30/06/19</a:t>
+              <a:t>30/06/2019</a:t>
             </a:fld>
-            <a:endParaRPr b="0" lang="en-GB" sz="1200" spc="-1" strike="noStrike">
+            <a:endParaRPr lang="en-GB" sz="1200" b="0" strike="noStrike" spc="-1">
               <a:latin typeface="Times New Roman"/>
             </a:endParaRPr>
           </a:p>
@@ -3638,8 +4050,9 @@
         </p:spPr>
         <p:txBody>
           <a:bodyPr anchor="ctr"/>
-          <a:p>
-            <a:endParaRPr b="0" lang="en-GB" sz="2400" spc="-1" strike="noStrike">
+          <a:lstStyle/>
+          <a:p>
+            <a:endParaRPr lang="en-GB" sz="2400" b="0" strike="noStrike" spc="-1">
               <a:latin typeface="Times New Roman"/>
             </a:endParaRPr>
           </a:p>
@@ -3666,6 +4079,7 @@
         </p:spPr>
         <p:txBody>
           <a:bodyPr anchor="ctr"/>
+          <a:lstStyle/>
           <a:p>
             <a:pPr algn="r">
               <a:lnSpc>
@@ -3673,15 +4087,15 @@
               </a:lnSpc>
             </a:pPr>
             <a:fld id="{9C4AFAEA-E79E-48D0-BD56-B35AC05121CA}" type="slidenum">
-              <a:rPr b="0" lang="en-GB" sz="1200" spc="-1" strike="noStrike">
+              <a:rPr lang="en-GB" sz="1200" b="0" strike="noStrike" spc="-1">
                 <a:solidFill>
-                  <a:srgbClr val="8b8b8b"/>
+                  <a:srgbClr val="8B8B8B"/>
                 </a:solidFill>
                 <a:latin typeface="Calibri"/>
               </a:rPr>
-              <a:t>&lt;number&gt;</a:t>
+              <a:t>‹N°›</a:t>
             </a:fld>
-            <a:endParaRPr b="0" lang="en-GB" sz="1200" spc="-1" strike="noStrike">
+            <a:endParaRPr lang="en-GB" sz="1200" b="0" strike="noStrike" spc="-1">
               <a:latin typeface="Times New Roman"/>
             </a:endParaRPr>
           </a:p>
@@ -3689,26 +4103,306 @@
       </p:sp>
     </p:spTree>
   </p:cSld>
-  <p:clrMap bg1="lt1" bg2="lt2" tx1="dk1" tx2="dk2" accent1="accent1" accent2="accent2" accent3="accent3" accent4="accent4" accent5="accent5" accent6="accent6" hlink="hlink" folHlink="folHlink"/>
+  <p:clrMap bg1="lt1" tx1="dk1" bg2="lt2" tx2="dk2" accent1="accent1" accent2="accent2" accent3="accent3" accent4="accent4" accent5="accent5" accent6="accent6" hlink="hlink" folHlink="folHlink"/>
   <p:sldLayoutIdLst>
-    <p:sldLayoutId id="2147483662" r:id="rId2"/>
-    <p:sldLayoutId id="2147483663" r:id="rId3"/>
-    <p:sldLayoutId id="2147483664" r:id="rId4"/>
-    <p:sldLayoutId id="2147483665" r:id="rId5"/>
-    <p:sldLayoutId id="2147483666" r:id="rId6"/>
-    <p:sldLayoutId id="2147483667" r:id="rId7"/>
-    <p:sldLayoutId id="2147483668" r:id="rId8"/>
-    <p:sldLayoutId id="2147483669" r:id="rId9"/>
-    <p:sldLayoutId id="2147483670" r:id="rId10"/>
-    <p:sldLayoutId id="2147483671" r:id="rId11"/>
-    <p:sldLayoutId id="2147483672" r:id="rId12"/>
-    <p:sldLayoutId id="2147483673" r:id="rId13"/>
+    <p:sldLayoutId id="2147483662" r:id="rId1"/>
+    <p:sldLayoutId id="2147483663" r:id="rId2"/>
+    <p:sldLayoutId id="2147483664" r:id="rId3"/>
+    <p:sldLayoutId id="2147483665" r:id="rId4"/>
+    <p:sldLayoutId id="2147483666" r:id="rId5"/>
+    <p:sldLayoutId id="2147483667" r:id="rId6"/>
+    <p:sldLayoutId id="2147483668" r:id="rId7"/>
+    <p:sldLayoutId id="2147483669" r:id="rId8"/>
+    <p:sldLayoutId id="2147483670" r:id="rId9"/>
+    <p:sldLayoutId id="2147483671" r:id="rId10"/>
+    <p:sldLayoutId id="2147483672" r:id="rId11"/>
+    <p:sldLayoutId id="2147483673" r:id="rId12"/>
   </p:sldLayoutIdLst>
+  <p:txStyles>
+    <p:titleStyle>
+      <a:lvl1pPr algn="l" defTabSz="914400" rtl="0" eaLnBrk="1" latinLnBrk="0" hangingPunct="1">
+        <a:lnSpc>
+          <a:spcPct val="90000"/>
+        </a:lnSpc>
+        <a:spcBef>
+          <a:spcPct val="0"/>
+        </a:spcBef>
+        <a:buNone/>
+        <a:defRPr sz="4400" kern="1200">
+          <a:solidFill>
+            <a:schemeClr val="tx1"/>
+          </a:solidFill>
+          <a:latin typeface="+mj-lt"/>
+          <a:ea typeface="+mj-ea"/>
+          <a:cs typeface="+mj-cs"/>
+        </a:defRPr>
+      </a:lvl1pPr>
+    </p:titleStyle>
+    <p:bodyStyle>
+      <a:lvl1pPr marL="228600" indent="-228600" algn="l" defTabSz="914400" rtl="0" eaLnBrk="1" latinLnBrk="0" hangingPunct="1">
+        <a:lnSpc>
+          <a:spcPct val="90000"/>
+        </a:lnSpc>
+        <a:spcBef>
+          <a:spcPts val="1000"/>
+        </a:spcBef>
+        <a:buFont typeface="Arial" panose="020B0604020202020204" pitchFamily="34" charset="0"/>
+        <a:buChar char="•"/>
+        <a:defRPr sz="2800" kern="1200">
+          <a:solidFill>
+            <a:schemeClr val="tx1"/>
+          </a:solidFill>
+          <a:latin typeface="+mn-lt"/>
+          <a:ea typeface="+mn-ea"/>
+          <a:cs typeface="+mn-cs"/>
+        </a:defRPr>
+      </a:lvl1pPr>
+      <a:lvl2pPr marL="685800" indent="-228600" algn="l" defTabSz="914400" rtl="0" eaLnBrk="1" latinLnBrk="0" hangingPunct="1">
+        <a:lnSpc>
+          <a:spcPct val="90000"/>
+        </a:lnSpc>
+        <a:spcBef>
+          <a:spcPts val="500"/>
+        </a:spcBef>
+        <a:buFont typeface="Arial" panose="020B0604020202020204" pitchFamily="34" charset="0"/>
+        <a:buChar char="•"/>
+        <a:defRPr sz="2400" kern="1200">
+          <a:solidFill>
+            <a:schemeClr val="tx1"/>
+          </a:solidFill>
+          <a:latin typeface="+mn-lt"/>
+          <a:ea typeface="+mn-ea"/>
+          <a:cs typeface="+mn-cs"/>
+        </a:defRPr>
+      </a:lvl2pPr>
+      <a:lvl3pPr marL="1143000" indent="-228600" algn="l" defTabSz="914400" rtl="0" eaLnBrk="1" latinLnBrk="0" hangingPunct="1">
+        <a:lnSpc>
+          <a:spcPct val="90000"/>
+        </a:lnSpc>
+        <a:spcBef>
+          <a:spcPts val="500"/>
+        </a:spcBef>
+        <a:buFont typeface="Arial" panose="020B0604020202020204" pitchFamily="34" charset="0"/>
+        <a:buChar char="•"/>
+        <a:defRPr sz="2000" kern="1200">
+          <a:solidFill>
+            <a:schemeClr val="tx1"/>
+          </a:solidFill>
+          <a:latin typeface="+mn-lt"/>
+          <a:ea typeface="+mn-ea"/>
+          <a:cs typeface="+mn-cs"/>
+        </a:defRPr>
+      </a:lvl3pPr>
+      <a:lvl4pPr marL="1600200" indent="-228600" algn="l" defTabSz="914400" rtl="0" eaLnBrk="1" latinLnBrk="0" hangingPunct="1">
+        <a:lnSpc>
+          <a:spcPct val="90000"/>
+        </a:lnSpc>
+        <a:spcBef>
+          <a:spcPts val="500"/>
+        </a:spcBef>
+        <a:buFont typeface="Arial" panose="020B0604020202020204" pitchFamily="34" charset="0"/>
+        <a:buChar char="•"/>
+        <a:defRPr sz="1800" kern="1200">
+          <a:solidFill>
+            <a:schemeClr val="tx1"/>
+          </a:solidFill>
+          <a:latin typeface="+mn-lt"/>
+          <a:ea typeface="+mn-ea"/>
+          <a:cs typeface="+mn-cs"/>
+        </a:defRPr>
+      </a:lvl4pPr>
+      <a:lvl5pPr marL="2057400" indent="-228600" algn="l" defTabSz="914400" rtl="0" eaLnBrk="1" latinLnBrk="0" hangingPunct="1">
+        <a:lnSpc>
+          <a:spcPct val="90000"/>
+        </a:lnSpc>
+        <a:spcBef>
+          <a:spcPts val="500"/>
+        </a:spcBef>
+        <a:buFont typeface="Arial" panose="020B0604020202020204" pitchFamily="34" charset="0"/>
+        <a:buChar char="•"/>
+        <a:defRPr sz="1800" kern="1200">
+          <a:solidFill>
+            <a:schemeClr val="tx1"/>
+          </a:solidFill>
+          <a:latin typeface="+mn-lt"/>
+          <a:ea typeface="+mn-ea"/>
+          <a:cs typeface="+mn-cs"/>
+        </a:defRPr>
+      </a:lvl5pPr>
+      <a:lvl6pPr marL="2514600" indent="-228600" algn="l" defTabSz="914400" rtl="0" eaLnBrk="1" latinLnBrk="0" hangingPunct="1">
+        <a:lnSpc>
+          <a:spcPct val="90000"/>
+        </a:lnSpc>
+        <a:spcBef>
+          <a:spcPts val="500"/>
+        </a:spcBef>
+        <a:buFont typeface="Arial" panose="020B0604020202020204" pitchFamily="34" charset="0"/>
+        <a:buChar char="•"/>
+        <a:defRPr sz="1800" kern="1200">
+          <a:solidFill>
+            <a:schemeClr val="tx1"/>
+          </a:solidFill>
+          <a:latin typeface="+mn-lt"/>
+          <a:ea typeface="+mn-ea"/>
+          <a:cs typeface="+mn-cs"/>
+        </a:defRPr>
+      </a:lvl6pPr>
+      <a:lvl7pPr marL="2971800" indent="-228600" algn="l" defTabSz="914400" rtl="0" eaLnBrk="1" latinLnBrk="0" hangingPunct="1">
+        <a:lnSpc>
+          <a:spcPct val="90000"/>
+        </a:lnSpc>
+        <a:spcBef>
+          <a:spcPts val="500"/>
+        </a:spcBef>
+        <a:buFont typeface="Arial" panose="020B0604020202020204" pitchFamily="34" charset="0"/>
+        <a:buChar char="•"/>
+        <a:defRPr sz="1800" kern="1200">
+          <a:solidFill>
+            <a:schemeClr val="tx1"/>
+          </a:solidFill>
+          <a:latin typeface="+mn-lt"/>
+          <a:ea typeface="+mn-ea"/>
+          <a:cs typeface="+mn-cs"/>
+        </a:defRPr>
+      </a:lvl7pPr>
+      <a:lvl8pPr marL="3429000" indent="-228600" algn="l" defTabSz="914400" rtl="0" eaLnBrk="1" latinLnBrk="0" hangingPunct="1">
+        <a:lnSpc>
+          <a:spcPct val="90000"/>
+        </a:lnSpc>
+        <a:spcBef>
+          <a:spcPts val="500"/>
+        </a:spcBef>
+        <a:buFont typeface="Arial" panose="020B0604020202020204" pitchFamily="34" charset="0"/>
+        <a:buChar char="•"/>
+        <a:defRPr sz="1800" kern="1200">
+          <a:solidFill>
+            <a:schemeClr val="tx1"/>
+          </a:solidFill>
+          <a:latin typeface="+mn-lt"/>
+          <a:ea typeface="+mn-ea"/>
+          <a:cs typeface="+mn-cs"/>
+        </a:defRPr>
+      </a:lvl8pPr>
+      <a:lvl9pPr marL="3886200" indent="-228600" algn="l" defTabSz="914400" rtl="0" eaLnBrk="1" latinLnBrk="0" hangingPunct="1">
+        <a:lnSpc>
+          <a:spcPct val="90000"/>
+        </a:lnSpc>
+        <a:spcBef>
+          <a:spcPts val="500"/>
+        </a:spcBef>
+        <a:buFont typeface="Arial" panose="020B0604020202020204" pitchFamily="34" charset="0"/>
+        <a:buChar char="•"/>
+        <a:defRPr sz="1800" kern="1200">
+          <a:solidFill>
+            <a:schemeClr val="tx1"/>
+          </a:solidFill>
+          <a:latin typeface="+mn-lt"/>
+          <a:ea typeface="+mn-ea"/>
+          <a:cs typeface="+mn-cs"/>
+        </a:defRPr>
+      </a:lvl9pPr>
+    </p:bodyStyle>
+    <p:otherStyle>
+      <a:defPPr>
+        <a:defRPr lang="fr-FR"/>
+      </a:defPPr>
+      <a:lvl1pPr marL="0" algn="l" defTabSz="914400" rtl="0" eaLnBrk="1" latinLnBrk="0" hangingPunct="1">
+        <a:defRPr sz="1800" kern="1200">
+          <a:solidFill>
+            <a:schemeClr val="tx1"/>
+          </a:solidFill>
+          <a:latin typeface="+mn-lt"/>
+          <a:ea typeface="+mn-ea"/>
+          <a:cs typeface="+mn-cs"/>
+        </a:defRPr>
+      </a:lvl1pPr>
+      <a:lvl2pPr marL="457200" algn="l" defTabSz="914400" rtl="0" eaLnBrk="1" latinLnBrk="0" hangingPunct="1">
+        <a:defRPr sz="1800" kern="1200">
+          <a:solidFill>
+            <a:schemeClr val="tx1"/>
+          </a:solidFill>
+          <a:latin typeface="+mn-lt"/>
+          <a:ea typeface="+mn-ea"/>
+          <a:cs typeface="+mn-cs"/>
+        </a:defRPr>
+      </a:lvl2pPr>
+      <a:lvl3pPr marL="914400" algn="l" defTabSz="914400" rtl="0" eaLnBrk="1" latinLnBrk="0" hangingPunct="1">
+        <a:defRPr sz="1800" kern="1200">
+          <a:solidFill>
+            <a:schemeClr val="tx1"/>
+          </a:solidFill>
+          <a:latin typeface="+mn-lt"/>
+          <a:ea typeface="+mn-ea"/>
+          <a:cs typeface="+mn-cs"/>
+        </a:defRPr>
+      </a:lvl3pPr>
+      <a:lvl4pPr marL="1371600" algn="l" defTabSz="914400" rtl="0" eaLnBrk="1" latinLnBrk="0" hangingPunct="1">
+        <a:defRPr sz="1800" kern="1200">
+          <a:solidFill>
+            <a:schemeClr val="tx1"/>
+          </a:solidFill>
+          <a:latin typeface="+mn-lt"/>
+          <a:ea typeface="+mn-ea"/>
+          <a:cs typeface="+mn-cs"/>
+        </a:defRPr>
+      </a:lvl4pPr>
+      <a:lvl5pPr marL="1828800" algn="l" defTabSz="914400" rtl="0" eaLnBrk="1" latinLnBrk="0" hangingPunct="1">
+        <a:defRPr sz="1800" kern="1200">
+          <a:solidFill>
+            <a:schemeClr val="tx1"/>
+          </a:solidFill>
+          <a:latin typeface="+mn-lt"/>
+          <a:ea typeface="+mn-ea"/>
+          <a:cs typeface="+mn-cs"/>
+        </a:defRPr>
+      </a:lvl5pPr>
+      <a:lvl6pPr marL="2286000" algn="l" defTabSz="914400" rtl="0" eaLnBrk="1" latinLnBrk="0" hangingPunct="1">
+        <a:defRPr sz="1800" kern="1200">
+          <a:solidFill>
+            <a:schemeClr val="tx1"/>
+          </a:solidFill>
+          <a:latin typeface="+mn-lt"/>
+          <a:ea typeface="+mn-ea"/>
+          <a:cs typeface="+mn-cs"/>
+        </a:defRPr>
+      </a:lvl6pPr>
+      <a:lvl7pPr marL="2743200" algn="l" defTabSz="914400" rtl="0" eaLnBrk="1" latinLnBrk="0" hangingPunct="1">
+        <a:defRPr sz="1800" kern="1200">
+          <a:solidFill>
+            <a:schemeClr val="tx1"/>
+          </a:solidFill>
+          <a:latin typeface="+mn-lt"/>
+          <a:ea typeface="+mn-ea"/>
+          <a:cs typeface="+mn-cs"/>
+        </a:defRPr>
+      </a:lvl7pPr>
+      <a:lvl8pPr marL="3200400" algn="l" defTabSz="914400" rtl="0" eaLnBrk="1" latinLnBrk="0" hangingPunct="1">
+        <a:defRPr sz="1800" kern="1200">
+          <a:solidFill>
+            <a:schemeClr val="tx1"/>
+          </a:solidFill>
+          <a:latin typeface="+mn-lt"/>
+          <a:ea typeface="+mn-ea"/>
+          <a:cs typeface="+mn-cs"/>
+        </a:defRPr>
+      </a:lvl8pPr>
+      <a:lvl9pPr marL="3657600" algn="l" defTabSz="914400" rtl="0" eaLnBrk="1" latinLnBrk="0" hangingPunct="1">
+        <a:defRPr sz="1800" kern="1200">
+          <a:solidFill>
+            <a:schemeClr val="tx1"/>
+          </a:solidFill>
+          <a:latin typeface="+mn-lt"/>
+          <a:ea typeface="+mn-ea"/>
+          <a:cs typeface="+mn-cs"/>
+        </a:defRPr>
+      </a:lvl9pPr>
+    </p:otherStyle>
+  </p:txStyles>
 </p:sldMaster>
 </file>
 
 <file path=ppt/slides/slide1.xml><?xml version="1.0" encoding="utf-8"?>
-<p:sld xmlns:a="http://schemas.openxmlformats.org/drawingml/2006/main" xmlns:p="http://schemas.openxmlformats.org/presentationml/2006/main" xmlns:r="http://schemas.openxmlformats.org/officeDocument/2006/relationships" xmlns:p14="http://schemas.microsoft.com/office/powerpoint/2010/main" xmlns:p15="http://schemas.microsoft.com/office/powerpoint/2012/main" xmlns:mc="http://schemas.openxmlformats.org/markup-compatibility/2006">
+<p:sld xmlns:a="http://schemas.openxmlformats.org/drawingml/2006/main" xmlns:r="http://schemas.openxmlformats.org/officeDocument/2006/relationships" xmlns:p="http://schemas.openxmlformats.org/presentationml/2006/main">
   <p:cSld>
     <p:spTree>
       <p:nvGrpSpPr>
@@ -3732,7 +4426,7 @@
         </p:nvSpPr>
         <p:spPr>
           <a:xfrm>
-            <a:off x="1459800" y="1809720"/>
+            <a:off x="1788960" y="1827328"/>
             <a:ext cx="8614080" cy="272880"/>
           </a:xfrm>
           <a:prstGeom prst="rect">
@@ -3744,13 +4438,20 @@
           </a:ln>
         </p:spPr>
         <p:style>
-          <a:lnRef idx="0"/>
-          <a:fillRef idx="0"/>
-          <a:effectRef idx="0"/>
+          <a:lnRef idx="0">
+            <a:scrgbClr r="0" g="0" b="0"/>
+          </a:lnRef>
+          <a:fillRef idx="0">
+            <a:scrgbClr r="0" g="0" b="0"/>
+          </a:fillRef>
+          <a:effectRef idx="0">
+            <a:scrgbClr r="0" g="0" b="0"/>
+          </a:effectRef>
           <a:fontRef idx="minor"/>
         </p:style>
         <p:txBody>
-          <a:bodyPr lIns="90000" rIns="90000" tIns="45000" bIns="45000"/>
+          <a:bodyPr lIns="90000" tIns="45000" rIns="90000" bIns="45000"/>
+          <a:lstStyle/>
           <a:p>
             <a:pPr>
               <a:lnSpc>
@@ -3758,15 +4459,25 @@
               </a:lnSpc>
             </a:pPr>
             <a:r>
-              <a:rPr b="0" lang="en-GB" sz="1200" spc="-1" strike="noStrike">
+              <a:rPr lang="en-GB" sz="1200" b="0" strike="noStrike" spc="-1" dirty="0">
+                <a:solidFill>
+                  <a:srgbClr val="000000"/>
+                </a:solidFill>
+                <a:latin typeface="Calibri"/>
+                <a:hlinkClick r:id="rId2"/>
+              </a:rPr>
+              <a:t>https://competitions.codalab.org/competitions/3931?secret_key=d6c218a3-3b83-4eed-8e39-5b895c5a5e35</a:t>
+            </a:r>
+            <a:r>
+              <a:rPr lang="en-GB" sz="1200" b="0" strike="noStrike" spc="-1" dirty="0">
                 <a:solidFill>
                   <a:srgbClr val="000000"/>
                 </a:solidFill>
                 <a:latin typeface="Calibri"/>
               </a:rPr>
-              <a:t>Challenge link :https://competitions.codalab.org/competitions/3931?secret_key=d6c218a3-3b83-4eed-8e39-5b895c5a5e35       </a:t>
+              <a:t>        </a:t>
             </a:r>
-            <a:endParaRPr b="0" lang="en-GB" sz="1200" spc="-1" strike="noStrike">
+            <a:endParaRPr lang="en-GB" sz="1200" b="0" strike="noStrike" spc="-1" dirty="0">
               <a:latin typeface="Arial"/>
             </a:endParaRPr>
           </a:p>
@@ -3792,13 +4503,20 @@
           </a:ln>
         </p:spPr>
         <p:style>
-          <a:lnRef idx="0"/>
-          <a:fillRef idx="0"/>
-          <a:effectRef idx="0"/>
+          <a:lnRef idx="0">
+            <a:scrgbClr r="0" g="0" b="0"/>
+          </a:lnRef>
+          <a:fillRef idx="0">
+            <a:scrgbClr r="0" g="0" b="0"/>
+          </a:fillRef>
+          <a:effectRef idx="0">
+            <a:scrgbClr r="0" g="0" b="0"/>
+          </a:effectRef>
           <a:fontRef idx="minor"/>
         </p:style>
         <p:txBody>
-          <a:bodyPr lIns="90000" rIns="90000" tIns="45000" bIns="45000"/>
+          <a:bodyPr lIns="90000" tIns="45000" rIns="90000" bIns="45000"/>
+          <a:lstStyle/>
           <a:p>
             <a:pPr>
               <a:lnSpc>
@@ -3806,15 +4524,21 @@
               </a:lnSpc>
             </a:pPr>
             <a:r>
-              <a:rPr b="1" i="1" lang="en-GB" sz="4800" spc="-1" strike="noStrike">
+              <a:rPr lang="en-GB" sz="4800" b="1" i="1" strike="noStrike" spc="-1" dirty="0" err="1">
                 <a:solidFill>
                   <a:srgbClr val="000000"/>
                 </a:solidFill>
+                <a:highlight>
+                  <a:srgbClr val="C0C0C0"/>
+                </a:highlight>
                 <a:latin typeface="Calibri"/>
               </a:rPr>
               <a:t>FeatureSelectionChallenge</a:t>
             </a:r>
-            <a:endParaRPr b="0" lang="en-GB" sz="4800" spc="-1" strike="noStrike">
+            <a:endParaRPr lang="en-GB" sz="4800" b="0" strike="noStrike" spc="-1" dirty="0">
+              <a:highlight>
+                <a:srgbClr val="C0C0C0"/>
+              </a:highlight>
               <a:latin typeface="Arial"/>
             </a:endParaRPr>
           </a:p>
@@ -3828,7 +4552,7 @@
         </p:nvSpPr>
         <p:spPr>
           <a:xfrm>
-            <a:off x="4755240" y="2541960"/>
+            <a:off x="4657586" y="3164798"/>
             <a:ext cx="2023560" cy="516960"/>
           </a:xfrm>
           <a:prstGeom prst="rect">
@@ -3840,13 +4564,20 @@
           </a:ln>
         </p:spPr>
         <p:style>
-          <a:lnRef idx="0"/>
-          <a:fillRef idx="0"/>
-          <a:effectRef idx="0"/>
+          <a:lnRef idx="0">
+            <a:scrgbClr r="0" g="0" b="0"/>
+          </a:lnRef>
+          <a:fillRef idx="0">
+            <a:scrgbClr r="0" g="0" b="0"/>
+          </a:fillRef>
+          <a:effectRef idx="0">
+            <a:scrgbClr r="0" g="0" b="0"/>
+          </a:effectRef>
           <a:fontRef idx="minor"/>
         </p:style>
         <p:txBody>
-          <a:bodyPr wrap="none" lIns="90000" rIns="90000" tIns="45000" bIns="45000"/>
+          <a:bodyPr wrap="none" lIns="90000" tIns="45000" rIns="90000" bIns="45000"/>
+          <a:lstStyle/>
           <a:p>
             <a:pPr>
               <a:lnSpc>
@@ -3854,7 +4585,7 @@
               </a:lnSpc>
             </a:pPr>
             <a:r>
-              <a:rPr b="0" lang="en-GB" sz="2800" spc="-1" strike="noStrike">
+              <a:rPr lang="en-GB" sz="2800" b="0" strike="noStrike" spc="-1" dirty="0">
                 <a:solidFill>
                   <a:srgbClr val="000000"/>
                 </a:solidFill>
@@ -3863,7 +4594,7 @@
               <a:t>Introduction</a:t>
             </a:r>
             <a:r>
-              <a:rPr b="0" lang="en-GB" sz="1800" spc="-1" strike="noStrike">
+              <a:rPr lang="en-GB" sz="1800" b="0" strike="noStrike" spc="-1" dirty="0">
                 <a:solidFill>
                   <a:srgbClr val="000000"/>
                 </a:solidFill>
@@ -3871,7 +4602,7 @@
               </a:rPr>
               <a:t> </a:t>
             </a:r>
-            <a:endParaRPr b="0" lang="en-GB" sz="1800" spc="-1" strike="noStrike">
+            <a:endParaRPr lang="en-GB" sz="1800" b="0" strike="noStrike" spc="-1" dirty="0">
               <a:latin typeface="Arial"/>
             </a:endParaRPr>
           </a:p>
@@ -3885,7 +4616,7 @@
         </p:nvSpPr>
         <p:spPr>
           <a:xfrm>
-            <a:off x="4590360" y="3792600"/>
+            <a:off x="4434120" y="3783255"/>
             <a:ext cx="2352960" cy="577800"/>
           </a:xfrm>
           <a:prstGeom prst="rect">
@@ -3897,13 +4628,20 @@
           </a:ln>
         </p:spPr>
         <p:style>
-          <a:lnRef idx="0"/>
-          <a:fillRef idx="0"/>
-          <a:effectRef idx="0"/>
+          <a:lnRef idx="0">
+            <a:scrgbClr r="0" g="0" b="0"/>
+          </a:lnRef>
+          <a:fillRef idx="0">
+            <a:scrgbClr r="0" g="0" b="0"/>
+          </a:fillRef>
+          <a:effectRef idx="0">
+            <a:scrgbClr r="0" g="0" b="0"/>
+          </a:effectRef>
           <a:fontRef idx="minor"/>
         </p:style>
         <p:txBody>
-          <a:bodyPr wrap="none" lIns="90000" rIns="90000" tIns="45000" bIns="45000"/>
+          <a:bodyPr wrap="none" lIns="90000" tIns="45000" rIns="90000" bIns="45000"/>
+          <a:lstStyle/>
           <a:p>
             <a:pPr>
               <a:lnSpc>
@@ -3911,15 +4649,33 @@
               </a:lnSpc>
             </a:pPr>
             <a:r>
-              <a:rPr b="0" lang="en-GB" sz="3200" spc="-1" strike="noStrike">
+              <a:rPr lang="en-GB" sz="3200" b="0" strike="noStrike" spc="-1" dirty="0">
                 <a:solidFill>
                   <a:srgbClr val="000000"/>
                 </a:solidFill>
                 <a:latin typeface="Calibri"/>
               </a:rPr>
-              <a:t>Etude de cas </a:t>
+              <a:t>Etude de </a:t>
             </a:r>
-            <a:endParaRPr b="0" lang="en-GB" sz="3200" spc="-1" strike="noStrike">
+            <a:r>
+              <a:rPr lang="en-GB" sz="3200" b="0" strike="noStrike" spc="-1" dirty="0" err="1">
+                <a:solidFill>
+                  <a:srgbClr val="000000"/>
+                </a:solidFill>
+                <a:latin typeface="Calibri"/>
+              </a:rPr>
+              <a:t>cas</a:t>
+            </a:r>
+            <a:r>
+              <a:rPr lang="en-GB" sz="3200" b="0" strike="noStrike" spc="-1" dirty="0">
+                <a:solidFill>
+                  <a:srgbClr val="000000"/>
+                </a:solidFill>
+                <a:latin typeface="Calibri"/>
+              </a:rPr>
+              <a:t> </a:t>
+            </a:r>
+            <a:endParaRPr lang="en-GB" sz="3200" b="0" strike="noStrike" spc="-1" dirty="0">
               <a:latin typeface="Arial"/>
             </a:endParaRPr>
           </a:p>
@@ -3933,7 +4689,7 @@
         </p:nvSpPr>
         <p:spPr>
           <a:xfrm>
-            <a:off x="4434120" y="5080320"/>
+            <a:off x="4336826" y="4689703"/>
             <a:ext cx="2665080" cy="760680"/>
           </a:xfrm>
           <a:prstGeom prst="rect">
@@ -3945,13 +4701,20 @@
           </a:ln>
         </p:spPr>
         <p:style>
-          <a:lnRef idx="0"/>
-          <a:fillRef idx="0"/>
-          <a:effectRef idx="0"/>
+          <a:lnRef idx="0">
+            <a:scrgbClr r="0" g="0" b="0"/>
+          </a:lnRef>
+          <a:fillRef idx="0">
+            <a:scrgbClr r="0" g="0" b="0"/>
+          </a:fillRef>
+          <a:effectRef idx="0">
+            <a:scrgbClr r="0" g="0" b="0"/>
+          </a:effectRef>
           <a:fontRef idx="minor"/>
         </p:style>
         <p:txBody>
-          <a:bodyPr wrap="none" lIns="90000" rIns="90000" tIns="45000" bIns="45000"/>
+          <a:bodyPr wrap="none" lIns="90000" tIns="45000" rIns="90000" bIns="45000"/>
+          <a:lstStyle/>
           <a:p>
             <a:pPr>
               <a:lnSpc>
@@ -3959,7 +4722,7 @@
               </a:lnSpc>
             </a:pPr>
             <a:r>
-              <a:rPr b="0" lang="en-GB" sz="4400" spc="-1" strike="noStrike">
+              <a:rPr lang="en-GB" sz="4400" b="0" strike="noStrike" spc="-1" dirty="0">
                 <a:solidFill>
                   <a:srgbClr val="000000"/>
                 </a:solidFill>
@@ -3967,14 +4730,72 @@
               </a:rPr>
               <a:t>Conclusion</a:t>
             </a:r>
-            <a:endParaRPr b="0" lang="en-GB" sz="4400" spc="-1" strike="noStrike">
+            <a:endParaRPr lang="en-GB" sz="4400" b="0" strike="noStrike" spc="-1" dirty="0">
               <a:latin typeface="Arial"/>
             </a:endParaRPr>
+          </a:p>
+        </p:txBody>
+      </p:sp>
+      <p:sp>
+        <p:nvSpPr>
+          <p:cNvPr id="2" name="ZoneTexte 1">
+            <a:extLst>
+              <a:ext uri="{FF2B5EF4-FFF2-40B4-BE49-F238E27FC236}">
+                <a16:creationId xmlns:a16="http://schemas.microsoft.com/office/drawing/2014/main" id="{F57A4C0A-C1E9-4845-BEDF-315850EEAD51}"/>
+              </a:ext>
+            </a:extLst>
+          </p:cNvPr>
+          <p:cNvSpPr txBox="1"/>
+          <p:nvPr/>
+        </p:nvSpPr>
+        <p:spPr>
+          <a:xfrm>
+            <a:off x="3931300" y="2411248"/>
+            <a:ext cx="3476131" cy="369332"/>
+          </a:xfrm>
+          <a:prstGeom prst="rect">
+            <a:avLst/>
+          </a:prstGeom>
+          <a:noFill/>
+        </p:spPr>
+        <p:txBody>
+          <a:bodyPr wrap="square" rtlCol="0">
+            <a:spAutoFit/>
+          </a:bodyPr>
+          <a:lstStyle/>
+          <a:p>
+            <a:r>
+              <a:rPr lang="fr-FR" dirty="0">
+                <a:solidFill>
+                  <a:srgbClr val="0070C0"/>
+                </a:solidFill>
+              </a:rPr>
+              <a:t>2 Class Classification </a:t>
+            </a:r>
+            <a:r>
+              <a:rPr lang="fr-FR" dirty="0" err="1">
+                <a:solidFill>
+                  <a:srgbClr val="0070C0"/>
+                </a:solidFill>
+              </a:rPr>
+              <a:t>Problem</a:t>
+            </a:r>
+            <a:r>
+              <a:rPr lang="fr-FR" dirty="0">
+                <a:solidFill>
+                  <a:srgbClr val="0070C0"/>
+                </a:solidFill>
+              </a:rPr>
+              <a:t> </a:t>
+            </a:r>
           </a:p>
         </p:txBody>
       </p:sp>
     </p:spTree>
   </p:cSld>
+  <p:clrMapOvr>
+    <a:masterClrMapping/>
+  </p:clrMapOvr>
   <p:timing>
     <p:tnLst>
       <p:par>
@@ -3983,14 +4804,14 @@
             <p:seq>
               <p:cTn id="2" dur="indefinite" nodeType="mainSeq"/>
               <p:prevCondLst>
-                <p:cond delay="0" evt="onPrev">
+                <p:cond evt="onPrev" delay="0">
                   <p:tgtEl>
                     <p:sldTgt/>
                   </p:tgtEl>
                 </p:cond>
               </p:prevCondLst>
               <p:nextCondLst>
-                <p:cond delay="0" evt="onNext">
+                <p:cond evt="onNext" delay="0">
                   <p:tgtEl>
                     <p:sldTgt/>
                   </p:tgtEl>
@@ -4006,7 +4827,7 @@
 </file>
 
 <file path=ppt/slides/slide2.xml><?xml version="1.0" encoding="utf-8"?>
-<p:sld xmlns:a="http://schemas.openxmlformats.org/drawingml/2006/main" xmlns:p="http://schemas.openxmlformats.org/presentationml/2006/main" xmlns:r="http://schemas.openxmlformats.org/officeDocument/2006/relationships" xmlns:p14="http://schemas.microsoft.com/office/powerpoint/2010/main" xmlns:p15="http://schemas.microsoft.com/office/powerpoint/2012/main" xmlns:mc="http://schemas.openxmlformats.org/markup-compatibility/2006">
+<p:sld xmlns:a="http://schemas.openxmlformats.org/drawingml/2006/main" xmlns:r="http://schemas.openxmlformats.org/officeDocument/2006/relationships" xmlns:p="http://schemas.openxmlformats.org/presentationml/2006/main">
   <p:cSld>
     <p:spTree>
       <p:nvGrpSpPr>
@@ -4030,8 +4851,8 @@
         </p:nvSpPr>
         <p:spPr>
           <a:xfrm>
-            <a:off x="4757760" y="565200"/>
-            <a:ext cx="1595160" cy="369000"/>
+            <a:off x="4757759" y="565200"/>
+            <a:ext cx="1731817" cy="369000"/>
           </a:xfrm>
           <a:prstGeom prst="rect">
             <a:avLst/>
@@ -4045,6 +4866,7 @@
           <a:bodyPr anchor="ctr">
             <a:normAutofit/>
           </a:bodyPr>
+          <a:lstStyle/>
           <a:p>
             <a:pPr>
               <a:lnSpc>
@@ -4052,18 +4874,24 @@
               </a:lnSpc>
             </a:pPr>
             <a:r>
-              <a:rPr b="0" lang="fr-FR" sz="1800" spc="-1" strike="noStrike">
+              <a:rPr lang="fr-FR" sz="1800" b="0" strike="noStrike" spc="-1" dirty="0">
                 <a:solidFill>
                   <a:srgbClr val="000000"/>
                 </a:solidFill>
+                <a:highlight>
+                  <a:srgbClr val="C0C0C0"/>
+                </a:highlight>
                 <a:latin typeface="Calibri Light"/>
               </a:rPr>
               <a:t>INTRODUCTION</a:t>
             </a:r>
-            <a:endParaRPr b="0" lang="fr-FR" sz="1800" spc="-1" strike="noStrike">
-              <a:solidFill>
-                <a:srgbClr val="000000"/>
-              </a:solidFill>
+            <a:endParaRPr lang="fr-FR" sz="1800" b="0" strike="noStrike" spc="-1" dirty="0">
+              <a:solidFill>
+                <a:srgbClr val="000000"/>
+              </a:solidFill>
+              <a:highlight>
+                <a:srgbClr val="C0C0C0"/>
+              </a:highlight>
               <a:latin typeface="Calibri"/>
             </a:endParaRPr>
           </a:p>
@@ -4089,13 +4917,20 @@
           </a:ln>
         </p:spPr>
         <p:style>
-          <a:lnRef idx="0"/>
-          <a:fillRef idx="0"/>
-          <a:effectRef idx="0"/>
+          <a:lnRef idx="0">
+            <a:scrgbClr r="0" g="0" b="0"/>
+          </a:lnRef>
+          <a:fillRef idx="0">
+            <a:scrgbClr r="0" g="0" b="0"/>
+          </a:fillRef>
+          <a:effectRef idx="0">
+            <a:scrgbClr r="0" g="0" b="0"/>
+          </a:effectRef>
           <a:fontRef idx="minor"/>
         </p:style>
         <p:txBody>
-          <a:bodyPr lIns="90000" rIns="90000" tIns="45000" bIns="45000"/>
+          <a:bodyPr lIns="90000" tIns="45000" rIns="90000" bIns="45000"/>
+          <a:lstStyle/>
           <a:p>
             <a:pPr>
               <a:lnSpc>
@@ -4103,7 +4938,7 @@
               </a:lnSpc>
             </a:pPr>
             <a:r>
-              <a:rPr b="0" lang="en-GB" sz="1800" spc="-1" strike="noStrike">
+              <a:rPr lang="en-GB" sz="1800" b="0" strike="noStrike" spc="-1">
                 <a:solidFill>
                   <a:srgbClr val="000000"/>
                 </a:solidFill>
@@ -4111,7 +4946,7 @@
               </a:rPr>
               <a:t>Classification  -&gt; très convoité</a:t>
             </a:r>
-            <a:endParaRPr b="0" lang="en-GB" sz="1800" spc="-1" strike="noStrike">
+            <a:endParaRPr lang="en-GB" sz="1800" b="0" strike="noStrike" spc="-1">
               <a:latin typeface="Arial"/>
             </a:endParaRPr>
           </a:p>
@@ -4137,13 +4972,20 @@
           </a:ln>
         </p:spPr>
         <p:style>
-          <a:lnRef idx="0"/>
-          <a:fillRef idx="0"/>
-          <a:effectRef idx="0"/>
+          <a:lnRef idx="0">
+            <a:scrgbClr r="0" g="0" b="0"/>
+          </a:lnRef>
+          <a:fillRef idx="0">
+            <a:scrgbClr r="0" g="0" b="0"/>
+          </a:fillRef>
+          <a:effectRef idx="0">
+            <a:scrgbClr r="0" g="0" b="0"/>
+          </a:effectRef>
           <a:fontRef idx="minor"/>
         </p:style>
         <p:txBody>
-          <a:bodyPr wrap="none" lIns="90000" rIns="90000" tIns="45000" bIns="45000"/>
+          <a:bodyPr wrap="none" lIns="90000" tIns="45000" rIns="90000" bIns="45000"/>
+          <a:lstStyle/>
           <a:p>
             <a:pPr>
               <a:lnSpc>
@@ -4151,7 +4993,7 @@
               </a:lnSpc>
             </a:pPr>
             <a:r>
-              <a:rPr b="0" lang="en-GB" sz="1800" spc="-1" strike="noStrike">
+              <a:rPr lang="en-GB" sz="1800" b="0" strike="noStrike" spc="-1">
                 <a:solidFill>
                   <a:srgbClr val="000000"/>
                 </a:solidFill>
@@ -4159,7 +5001,7 @@
               </a:rPr>
               <a:t>Important dans la prise de décision</a:t>
             </a:r>
-            <a:endParaRPr b="0" lang="en-GB" sz="1800" spc="-1" strike="noStrike">
+            <a:endParaRPr lang="en-GB" sz="1800" b="0" strike="noStrike" spc="-1">
               <a:latin typeface="Arial"/>
             </a:endParaRPr>
           </a:p>
@@ -4185,13 +5027,20 @@
           </a:ln>
         </p:spPr>
         <p:style>
-          <a:lnRef idx="0"/>
-          <a:fillRef idx="0"/>
-          <a:effectRef idx="0"/>
+          <a:lnRef idx="0">
+            <a:scrgbClr r="0" g="0" b="0"/>
+          </a:lnRef>
+          <a:fillRef idx="0">
+            <a:scrgbClr r="0" g="0" b="0"/>
+          </a:fillRef>
+          <a:effectRef idx="0">
+            <a:scrgbClr r="0" g="0" b="0"/>
+          </a:effectRef>
           <a:fontRef idx="minor"/>
         </p:style>
         <p:txBody>
-          <a:bodyPr lIns="90000" rIns="90000" tIns="45000" bIns="45000"/>
+          <a:bodyPr lIns="90000" tIns="45000" rIns="90000" bIns="45000"/>
+          <a:lstStyle/>
           <a:p>
             <a:pPr>
               <a:lnSpc>
@@ -4199,7 +5048,7 @@
               </a:lnSpc>
             </a:pPr>
             <a:r>
-              <a:rPr b="0" lang="en-GB" sz="1800" spc="-1" strike="noStrike">
+              <a:rPr lang="en-GB" sz="1800" b="0" strike="noStrike" spc="-1">
                 <a:solidFill>
                   <a:srgbClr val="000000"/>
                 </a:solidFill>
@@ -4207,7 +5056,7 @@
               </a:rPr>
               <a:t>Efficacité</a:t>
             </a:r>
-            <a:endParaRPr b="0" lang="en-GB" sz="1800" spc="-1" strike="noStrike">
+            <a:endParaRPr lang="en-GB" sz="1800" b="0" strike="noStrike" spc="-1">
               <a:latin typeface="Arial"/>
             </a:endParaRPr>
           </a:p>
@@ -4215,22 +5064,25 @@
       </p:sp>
     </p:spTree>
   </p:cSld>
+  <p:clrMapOvr>
+    <a:masterClrMapping/>
+  </p:clrMapOvr>
   <p:timing>
     <p:tnLst>
       <p:par>
-        <p:cTn id="3" dur="indefinite" restart="never" nodeType="tmRoot">
+        <p:cTn id="1" dur="indefinite" restart="never" nodeType="tmRoot">
           <p:childTnLst>
             <p:seq>
-              <p:cTn id="4" dur="indefinite" nodeType="mainSeq"/>
+              <p:cTn id="2" dur="indefinite" nodeType="mainSeq"/>
               <p:prevCondLst>
-                <p:cond delay="0" evt="onPrev">
+                <p:cond evt="onPrev" delay="0">
                   <p:tgtEl>
                     <p:sldTgt/>
                   </p:tgtEl>
                 </p:cond>
               </p:prevCondLst>
               <p:nextCondLst>
-                <p:cond delay="0" evt="onNext">
+                <p:cond evt="onNext" delay="0">
                   <p:tgtEl>
                     <p:sldTgt/>
                   </p:tgtEl>
@@ -4246,7 +5098,7 @@
 </file>
 
 <file path=ppt/slides/slide3.xml><?xml version="1.0" encoding="utf-8"?>
-<p:sld xmlns:a="http://schemas.openxmlformats.org/drawingml/2006/main" xmlns:p="http://schemas.openxmlformats.org/presentationml/2006/main" xmlns:r="http://schemas.openxmlformats.org/officeDocument/2006/relationships" xmlns:p14="http://schemas.microsoft.com/office/powerpoint/2010/main" xmlns:p15="http://schemas.microsoft.com/office/powerpoint/2012/main" xmlns:mc="http://schemas.openxmlformats.org/markup-compatibility/2006">
+<p:sld xmlns:a="http://schemas.openxmlformats.org/drawingml/2006/main" xmlns:r="http://schemas.openxmlformats.org/officeDocument/2006/relationships" xmlns:p="http://schemas.openxmlformats.org/presentationml/2006/main">
   <p:cSld>
     <p:spTree>
       <p:nvGrpSpPr>
@@ -4282,13 +5134,20 @@
           </a:ln>
         </p:spPr>
         <p:style>
-          <a:lnRef idx="0"/>
-          <a:fillRef idx="0"/>
-          <a:effectRef idx="0"/>
+          <a:lnRef idx="0">
+            <a:scrgbClr r="0" g="0" b="0"/>
+          </a:lnRef>
+          <a:fillRef idx="0">
+            <a:scrgbClr r="0" g="0" b="0"/>
+          </a:fillRef>
+          <a:effectRef idx="0">
+            <a:scrgbClr r="0" g="0" b="0"/>
+          </a:effectRef>
           <a:fontRef idx="minor"/>
         </p:style>
         <p:txBody>
-          <a:bodyPr lIns="90000" rIns="90000" tIns="45000" bIns="45000"/>
+          <a:bodyPr lIns="90000" tIns="45000" rIns="90000" bIns="45000"/>
+          <a:lstStyle/>
           <a:p>
             <a:pPr>
               <a:lnSpc>
@@ -4296,24 +5155,21 @@
               </a:lnSpc>
             </a:pPr>
             <a:r>
-              <a:rPr b="0" lang="en-GB" sz="1800" spc="-1" strike="noStrike">
+              <a:rPr lang="en-GB" sz="1800" b="0" strike="noStrike" spc="-1" dirty="0">
                 <a:solidFill>
                   <a:srgbClr val="000000"/>
                 </a:solidFill>
+                <a:highlight>
+                  <a:srgbClr val="C0C0C0"/>
+                </a:highlight>
                 <a:latin typeface="Calibri"/>
               </a:rPr>
-              <a:t> </a:t>
+              <a:t> DESCRIPTION DES ALGORITHMES ETUDIE</a:t>
             </a:r>
-            <a:r>
-              <a:rPr b="0" lang="en-GB" sz="1800" spc="-1" strike="noStrike">
-                <a:solidFill>
-                  <a:srgbClr val="000000"/>
-                </a:solidFill>
-                <a:latin typeface="Calibri"/>
-              </a:rPr>
-              <a:t>DESCRIPTION DES ALGORITHMES ETUDIE</a:t>
-            </a:r>
-            <a:endParaRPr b="0" lang="en-GB" sz="1800" spc="-1" strike="noStrike">
+            <a:endParaRPr lang="en-GB" sz="1800" b="0" strike="noStrike" spc="-1" dirty="0">
+              <a:highlight>
+                <a:srgbClr val="C0C0C0"/>
+              </a:highlight>
               <a:latin typeface="Arial"/>
             </a:endParaRPr>
           </a:p>
@@ -4339,13 +5195,20 @@
           </a:ln>
         </p:spPr>
         <p:style>
-          <a:lnRef idx="0"/>
-          <a:fillRef idx="0"/>
-          <a:effectRef idx="0"/>
+          <a:lnRef idx="0">
+            <a:scrgbClr r="0" g="0" b="0"/>
+          </a:lnRef>
+          <a:fillRef idx="0">
+            <a:scrgbClr r="0" g="0" b="0"/>
+          </a:fillRef>
+          <a:effectRef idx="0">
+            <a:scrgbClr r="0" g="0" b="0"/>
+          </a:effectRef>
           <a:fontRef idx="minor"/>
         </p:style>
         <p:txBody>
-          <a:bodyPr wrap="none" lIns="90000" rIns="90000" tIns="45000" bIns="45000"/>
+          <a:bodyPr wrap="none" lIns="90000" tIns="45000" rIns="90000" bIns="45000"/>
+          <a:lstStyle/>
           <a:p>
             <a:pPr>
               <a:lnSpc>
@@ -4353,7 +5216,7 @@
               </a:lnSpc>
             </a:pPr>
             <a:r>
-              <a:rPr b="0" lang="en-GB" sz="1800" spc="-1" strike="noStrike">
+              <a:rPr lang="en-GB" sz="1800" b="0" strike="noStrike" spc="-1">
                 <a:solidFill>
                   <a:srgbClr val="000000"/>
                 </a:solidFill>
@@ -4361,7 +5224,7 @@
               </a:rPr>
               <a:t>Etape 1 : importation des datas  sous forme de dataFrame</a:t>
             </a:r>
-            <a:endParaRPr b="0" lang="en-GB" sz="1800" spc="-1" strike="noStrike">
+            <a:endParaRPr lang="en-GB" sz="1800" b="0" strike="noStrike" spc="-1">
               <a:latin typeface="Arial"/>
             </a:endParaRPr>
           </a:p>
@@ -4387,13 +5250,20 @@
           </a:ln>
         </p:spPr>
         <p:style>
-          <a:lnRef idx="0"/>
-          <a:fillRef idx="0"/>
-          <a:effectRef idx="0"/>
+          <a:lnRef idx="0">
+            <a:scrgbClr r="0" g="0" b="0"/>
+          </a:lnRef>
+          <a:fillRef idx="0">
+            <a:scrgbClr r="0" g="0" b="0"/>
+          </a:fillRef>
+          <a:effectRef idx="0">
+            <a:scrgbClr r="0" g="0" b="0"/>
+          </a:effectRef>
           <a:fontRef idx="minor"/>
         </p:style>
         <p:txBody>
-          <a:bodyPr wrap="none" lIns="90000" rIns="90000" tIns="45000" bIns="45000"/>
+          <a:bodyPr wrap="none" lIns="90000" tIns="45000" rIns="90000" bIns="45000"/>
+          <a:lstStyle/>
           <a:p>
             <a:pPr>
               <a:lnSpc>
@@ -4401,7 +5271,7 @@
               </a:lnSpc>
             </a:pPr>
             <a:r>
-              <a:rPr b="0" lang="en-GB" sz="1400" spc="-1" strike="noStrike">
+              <a:rPr lang="en-GB" sz="1400" b="0" strike="noStrike" spc="-1">
                 <a:solidFill>
                   <a:srgbClr val="000000"/>
                 </a:solidFill>
@@ -4409,7 +5279,7 @@
               </a:rPr>
               <a:t>Import pandas as pd</a:t>
             </a:r>
-            <a:endParaRPr b="0" lang="en-GB" sz="1400" spc="-1" strike="noStrike">
+            <a:endParaRPr lang="en-GB" sz="1400" b="0" strike="noStrike" spc="-1">
               <a:latin typeface="Arial"/>
             </a:endParaRPr>
           </a:p>
@@ -4420,24 +5290,15 @@
               </a:lnSpc>
             </a:pPr>
             <a:r>
-              <a:rPr b="0" lang="en-GB" sz="1400" spc="-1" strike="noStrike">
+              <a:rPr lang="en-GB" sz="1400" b="0" strike="noStrike" spc="-1">
                 <a:solidFill>
                   <a:srgbClr val="000000"/>
                 </a:solidFill>
                 <a:latin typeface="Calibri"/>
               </a:rPr>
-              <a:t>	</a:t>
+              <a:t>	df = pd.read_csv(filename, sep=" ", header=None)  </a:t>
             </a:r>
-            <a:r>
-              <a:rPr b="0" lang="en-GB" sz="1400" spc="-1" strike="noStrike">
-                <a:solidFill>
-                  <a:srgbClr val="000000"/>
-                </a:solidFill>
-                <a:latin typeface="Calibri"/>
-              </a:rPr>
-              <a:t>df = pd.read_csv(filename, sep=" ", header=None)  </a:t>
-            </a:r>
-            <a:endParaRPr b="0" lang="en-GB" sz="1400" spc="-1" strike="noStrike">
+            <a:endParaRPr lang="en-GB" sz="1400" b="0" strike="noStrike" spc="-1">
               <a:latin typeface="Arial"/>
             </a:endParaRPr>
           </a:p>
@@ -4448,24 +5309,15 @@
               </a:lnSpc>
             </a:pPr>
             <a:r>
-              <a:rPr b="0" lang="en-GB" sz="1400" spc="-1" strike="noStrike">
+              <a:rPr lang="en-GB" sz="1400" b="0" strike="noStrike" spc="-1">
                 <a:solidFill>
                   <a:srgbClr val="000000"/>
                 </a:solidFill>
                 <a:latin typeface="Calibri"/>
               </a:rPr>
-              <a:t>	</a:t>
+              <a:t>	df = df.dropna(axis=1, how="any")</a:t>
             </a:r>
-            <a:r>
-              <a:rPr b="0" lang="en-GB" sz="1400" spc="-1" strike="noStrike">
-                <a:solidFill>
-                  <a:srgbClr val="000000"/>
-                </a:solidFill>
-                <a:latin typeface="Calibri"/>
-              </a:rPr>
-              <a:t>df = df.dropna(axis=1, how="any")</a:t>
-            </a:r>
-            <a:endParaRPr b="0" lang="en-GB" sz="1400" spc="-1" strike="noStrike">
+            <a:endParaRPr lang="en-GB" sz="1400" b="0" strike="noStrike" spc="-1">
               <a:latin typeface="Arial"/>
             </a:endParaRPr>
           </a:p>
@@ -4475,7 +5327,7 @@
                 <a:spcPct val="100000"/>
               </a:lnSpc>
             </a:pPr>
-            <a:endParaRPr b="0" lang="en-GB" sz="1400" spc="-1" strike="noStrike">
+            <a:endParaRPr lang="en-GB" sz="1400" b="0" strike="noStrike" spc="-1">
               <a:latin typeface="Arial"/>
             </a:endParaRPr>
           </a:p>
@@ -4483,12 +5335,12 @@
       </p:sp>
       <p:pic>
         <p:nvPicPr>
-          <p:cNvPr id="94" name="" descr=""/>
+          <p:cNvPr id="94" name="Image 93"/>
           <p:cNvPicPr/>
           <p:nvPr/>
         </p:nvPicPr>
         <p:blipFill>
-          <a:blip r:embed="rId1"/>
+          <a:blip r:embed="rId2"/>
           <a:stretch/>
         </p:blipFill>
         <p:spPr>
@@ -4506,22 +5358,25 @@
       </p:pic>
     </p:spTree>
   </p:cSld>
+  <p:clrMapOvr>
+    <a:masterClrMapping/>
+  </p:clrMapOvr>
   <p:timing>
     <p:tnLst>
       <p:par>
-        <p:cTn id="5" dur="indefinite" restart="never" nodeType="tmRoot">
+        <p:cTn id="1" dur="indefinite" restart="never" nodeType="tmRoot">
           <p:childTnLst>
             <p:seq>
-              <p:cTn id="6" dur="indefinite" nodeType="mainSeq"/>
+              <p:cTn id="2" dur="indefinite" nodeType="mainSeq"/>
               <p:prevCondLst>
-                <p:cond delay="0" evt="onPrev">
+                <p:cond evt="onPrev" delay="0">
                   <p:tgtEl>
                     <p:sldTgt/>
                   </p:tgtEl>
                 </p:cond>
               </p:prevCondLst>
               <p:nextCondLst>
-                <p:cond delay="0" evt="onNext">
+                <p:cond evt="onNext" delay="0">
                   <p:tgtEl>
                     <p:sldTgt/>
                   </p:tgtEl>
@@ -4537,7 +5392,7 @@
 </file>
 
 <file path=ppt/slides/slide4.xml><?xml version="1.0" encoding="utf-8"?>
-<p:sld xmlns:a="http://schemas.openxmlformats.org/drawingml/2006/main" xmlns:p="http://schemas.openxmlformats.org/presentationml/2006/main" xmlns:r="http://schemas.openxmlformats.org/officeDocument/2006/relationships" xmlns:p14="http://schemas.microsoft.com/office/powerpoint/2010/main" xmlns:p15="http://schemas.microsoft.com/office/powerpoint/2012/main" xmlns:mc="http://schemas.openxmlformats.org/markup-compatibility/2006">
+<p:sld xmlns:a="http://schemas.openxmlformats.org/drawingml/2006/main" xmlns:r="http://schemas.openxmlformats.org/officeDocument/2006/relationships" xmlns:p="http://schemas.openxmlformats.org/presentationml/2006/main">
   <p:cSld>
     <p:spTree>
       <p:nvGrpSpPr>
@@ -4573,13 +5428,20 @@
           </a:ln>
         </p:spPr>
         <p:style>
-          <a:lnRef idx="0"/>
-          <a:fillRef idx="0"/>
-          <a:effectRef idx="0"/>
+          <a:lnRef idx="0">
+            <a:scrgbClr r="0" g="0" b="0"/>
+          </a:lnRef>
+          <a:fillRef idx="0">
+            <a:scrgbClr r="0" g="0" b="0"/>
+          </a:fillRef>
+          <a:effectRef idx="0">
+            <a:scrgbClr r="0" g="0" b="0"/>
+          </a:effectRef>
           <a:fontRef idx="minor"/>
         </p:style>
         <p:txBody>
-          <a:bodyPr lIns="90000" rIns="90000" tIns="45000" bIns="45000"/>
+          <a:bodyPr lIns="90000" tIns="45000" rIns="90000" bIns="45000"/>
+          <a:lstStyle/>
           <a:p>
             <a:pPr>
               <a:lnSpc>
@@ -4587,7 +5449,7 @@
               </a:lnSpc>
             </a:pPr>
             <a:r>
-              <a:rPr b="0" lang="en-GB" sz="1400" spc="-1" strike="noStrike">
+              <a:rPr lang="en-GB" sz="1400" b="0" strike="noStrike" spc="-1">
                 <a:solidFill>
                   <a:srgbClr val="000000"/>
                 </a:solidFill>
@@ -4595,7 +5457,7 @@
               </a:rPr>
               <a:t>from sklearn.module_containing_your_model_of_choice import your_model_of_choice</a:t>
             </a:r>
-            <a:endParaRPr b="0" lang="en-GB" sz="1400" spc="-1" strike="noStrike">
+            <a:endParaRPr lang="en-GB" sz="1400" b="0" strike="noStrike" spc="-1">
               <a:latin typeface="Arial"/>
             </a:endParaRPr>
           </a:p>
@@ -4606,24 +5468,15 @@
               </a:lnSpc>
             </a:pPr>
             <a:r>
-              <a:rPr b="0" lang="en-GB" sz="1400" spc="-1" strike="noStrike">
+              <a:rPr lang="en-GB" sz="1400" b="0" strike="noStrike" spc="-1">
                 <a:solidFill>
                   <a:srgbClr val="000000"/>
                 </a:solidFill>
                 <a:latin typeface="Calibri"/>
               </a:rPr>
-              <a:t>	</a:t>
+              <a:t>	clf = your_model_of_choice()</a:t>
             </a:r>
-            <a:r>
-              <a:rPr b="0" lang="en-GB" sz="1400" spc="-1" strike="noStrike">
-                <a:solidFill>
-                  <a:srgbClr val="000000"/>
-                </a:solidFill>
-                <a:latin typeface="Calibri"/>
-              </a:rPr>
-              <a:t>clf = your_model_of_choice()</a:t>
-            </a:r>
-            <a:endParaRPr b="0" lang="en-GB" sz="1400" spc="-1" strike="noStrike">
+            <a:endParaRPr lang="en-GB" sz="1400" b="0" strike="noStrike" spc="-1">
               <a:latin typeface="Arial"/>
             </a:endParaRPr>
           </a:p>
@@ -4634,24 +5487,15 @@
               </a:lnSpc>
             </a:pPr>
             <a:r>
-              <a:rPr b="0" lang="en-GB" sz="1400" spc="-1" strike="noStrike">
+              <a:rPr lang="en-GB" sz="1400" b="0" strike="noStrike" spc="-1">
                 <a:solidFill>
                   <a:srgbClr val="000000"/>
                 </a:solidFill>
                 <a:latin typeface="Calibri"/>
               </a:rPr>
-              <a:t>	</a:t>
+              <a:t>	clf.fit(trainData, trainLabels)</a:t>
             </a:r>
-            <a:r>
-              <a:rPr b="0" lang="en-GB" sz="1400" spc="-1" strike="noStrike">
-                <a:solidFill>
-                  <a:srgbClr val="000000"/>
-                </a:solidFill>
-                <a:latin typeface="Calibri"/>
-              </a:rPr>
-              <a:t>clf.fit(trainData, trainLabels)</a:t>
-            </a:r>
-            <a:endParaRPr b="0" lang="en-GB" sz="1400" spc="-1" strike="noStrike">
+            <a:endParaRPr lang="en-GB" sz="1400" b="0" strike="noStrike" spc="-1">
               <a:latin typeface="Arial"/>
             </a:endParaRPr>
           </a:p>
@@ -4662,24 +5506,15 @@
               </a:lnSpc>
             </a:pPr>
             <a:r>
-              <a:rPr b="0" lang="en-GB" sz="1400" spc="-1" strike="noStrike">
+              <a:rPr lang="en-GB" sz="1400" b="0" strike="noStrike" spc="-1">
                 <a:solidFill>
                   <a:srgbClr val="000000"/>
                 </a:solidFill>
                 <a:latin typeface="Calibri"/>
               </a:rPr>
-              <a:t>	</a:t>
+              <a:t>	labelsPred = clf.predict(validData);</a:t>
             </a:r>
-            <a:r>
-              <a:rPr b="0" lang="en-GB" sz="1400" spc="-1" strike="noStrike">
-                <a:solidFill>
-                  <a:srgbClr val="000000"/>
-                </a:solidFill>
-                <a:latin typeface="Calibri"/>
-              </a:rPr>
-              <a:t>labelsPred = clf.predict(validData);</a:t>
-            </a:r>
-            <a:endParaRPr b="0" lang="en-GB" sz="1400" spc="-1" strike="noStrike">
+            <a:endParaRPr lang="en-GB" sz="1400" b="0" strike="noStrike" spc="-1">
               <a:latin typeface="Arial"/>
             </a:endParaRPr>
           </a:p>
@@ -4690,24 +5525,15 @@
               </a:lnSpc>
             </a:pPr>
             <a:r>
-              <a:rPr b="0" lang="en-GB" sz="1400" spc="-1" strike="noStrike">
+              <a:rPr lang="en-GB" sz="1400" b="0" strike="noStrike" spc="-1">
                 <a:solidFill>
                   <a:srgbClr val="000000"/>
                 </a:solidFill>
                 <a:latin typeface="Calibri"/>
               </a:rPr>
-              <a:t>	</a:t>
+              <a:t>	acc = accuracy_score(validLabels,labelsPred)</a:t>
             </a:r>
-            <a:r>
-              <a:rPr b="0" lang="en-GB" sz="1400" spc="-1" strike="noStrike">
-                <a:solidFill>
-                  <a:srgbClr val="000000"/>
-                </a:solidFill>
-                <a:latin typeface="Calibri"/>
-              </a:rPr>
-              <a:t>acc = accuracy_score(validLabels,labelsPred)</a:t>
-            </a:r>
-            <a:endParaRPr b="0" lang="en-GB" sz="1400" spc="-1" strike="noStrike">
+            <a:endParaRPr lang="en-GB" sz="1400" b="0" strike="noStrike" spc="-1">
               <a:latin typeface="Arial"/>
             </a:endParaRPr>
           </a:p>
@@ -4718,24 +5544,15 @@
               </a:lnSpc>
             </a:pPr>
             <a:r>
-              <a:rPr b="0" lang="en-GB" sz="1400" spc="-1" strike="noStrike">
+              <a:rPr lang="en-GB" sz="1400" b="0" strike="noStrike" spc="-1">
                 <a:solidFill>
                   <a:srgbClr val="000000"/>
                 </a:solidFill>
                 <a:latin typeface="Calibri"/>
               </a:rPr>
-              <a:t>	</a:t>
+              <a:t>	acc</a:t>
             </a:r>
-            <a:r>
-              <a:rPr b="0" lang="en-GB" sz="1400" spc="-1" strike="noStrike">
-                <a:solidFill>
-                  <a:srgbClr val="000000"/>
-                </a:solidFill>
-                <a:latin typeface="Calibri"/>
-              </a:rPr>
-              <a:t>acc</a:t>
-            </a:r>
-            <a:endParaRPr b="0" lang="en-GB" sz="1400" spc="-1" strike="noStrike">
+            <a:endParaRPr lang="en-GB" sz="1400" b="0" strike="noStrike" spc="-1">
               <a:latin typeface="Arial"/>
             </a:endParaRPr>
           </a:p>
@@ -4745,7 +5562,7 @@
                 <a:spcPct val="100000"/>
               </a:lnSpc>
             </a:pPr>
-            <a:endParaRPr b="0" lang="en-GB" sz="1400" spc="-1" strike="noStrike">
+            <a:endParaRPr lang="en-GB" sz="1400" b="0" strike="noStrike" spc="-1">
               <a:latin typeface="Arial"/>
             </a:endParaRPr>
           </a:p>
@@ -4771,13 +5588,20 @@
           </a:ln>
         </p:spPr>
         <p:style>
-          <a:lnRef idx="0"/>
-          <a:fillRef idx="0"/>
-          <a:effectRef idx="0"/>
+          <a:lnRef idx="0">
+            <a:scrgbClr r="0" g="0" b="0"/>
+          </a:lnRef>
+          <a:fillRef idx="0">
+            <a:scrgbClr r="0" g="0" b="0"/>
+          </a:fillRef>
+          <a:effectRef idx="0">
+            <a:scrgbClr r="0" g="0" b="0"/>
+          </a:effectRef>
           <a:fontRef idx="minor"/>
         </p:style>
         <p:txBody>
-          <a:bodyPr wrap="none" lIns="90000" rIns="90000" tIns="45000" bIns="45000"/>
+          <a:bodyPr wrap="none" lIns="90000" tIns="45000" rIns="90000" bIns="45000"/>
+          <a:lstStyle/>
           <a:p>
             <a:pPr>
               <a:lnSpc>
@@ -4785,7 +5609,7 @@
               </a:lnSpc>
             </a:pPr>
             <a:r>
-              <a:rPr b="0" lang="en-GB" sz="1800" spc="-1" strike="noStrike">
+              <a:rPr lang="en-GB" sz="1800" b="0" strike="noStrike" spc="-1">
                 <a:solidFill>
                   <a:srgbClr val="000000"/>
                 </a:solidFill>
@@ -4793,7 +5617,7 @@
               </a:rPr>
               <a:t>Etape 2 : calcul d’accuracy </a:t>
             </a:r>
-            <a:endParaRPr b="0" lang="en-GB" sz="1800" spc="-1" strike="noStrike">
+            <a:endParaRPr lang="en-GB" sz="1800" b="0" strike="noStrike" spc="-1">
               <a:latin typeface="Arial"/>
             </a:endParaRPr>
           </a:p>
@@ -4801,12 +5625,12 @@
       </p:sp>
       <p:pic>
         <p:nvPicPr>
-          <p:cNvPr id="97" name="" descr=""/>
+          <p:cNvPr id="97" name="Image 96"/>
           <p:cNvPicPr/>
           <p:nvPr/>
         </p:nvPicPr>
         <p:blipFill>
-          <a:blip r:embed="rId1"/>
+          <a:blip r:embed="rId2"/>
           <a:stretch/>
         </p:blipFill>
         <p:spPr>
@@ -4822,24 +5646,94 @@
           </a:ln>
         </p:spPr>
       </p:pic>
+      <p:sp>
+        <p:nvSpPr>
+          <p:cNvPr id="5" name="CustomShape 1">
+            <a:extLst>
+              <a:ext uri="{FF2B5EF4-FFF2-40B4-BE49-F238E27FC236}">
+                <a16:creationId xmlns:a16="http://schemas.microsoft.com/office/drawing/2014/main" id="{4A71C9BC-5C8A-449D-B8B8-22DF8B2AEF94}"/>
+              </a:ext>
+            </a:extLst>
+          </p:cNvPr>
+          <p:cNvSpPr/>
+          <p:nvPr/>
+        </p:nvSpPr>
+        <p:spPr>
+          <a:xfrm>
+            <a:off x="3963600" y="961920"/>
+            <a:ext cx="4264920" cy="364680"/>
+          </a:xfrm>
+          <a:prstGeom prst="rect">
+            <a:avLst/>
+          </a:prstGeom>
+          <a:noFill/>
+          <a:ln>
+            <a:noFill/>
+          </a:ln>
+        </p:spPr>
+        <p:style>
+          <a:lnRef idx="0">
+            <a:scrgbClr r="0" g="0" b="0"/>
+          </a:lnRef>
+          <a:fillRef idx="0">
+            <a:scrgbClr r="0" g="0" b="0"/>
+          </a:fillRef>
+          <a:effectRef idx="0">
+            <a:scrgbClr r="0" g="0" b="0"/>
+          </a:effectRef>
+          <a:fontRef idx="minor"/>
+        </p:style>
+        <p:txBody>
+          <a:bodyPr lIns="90000" tIns="45000" rIns="90000" bIns="45000"/>
+          <a:lstStyle/>
+          <a:p>
+            <a:pPr>
+              <a:lnSpc>
+                <a:spcPct val="100000"/>
+              </a:lnSpc>
+            </a:pPr>
+            <a:r>
+              <a:rPr lang="en-GB" sz="1800" b="0" strike="noStrike" spc="-1" dirty="0">
+                <a:solidFill>
+                  <a:srgbClr val="000000"/>
+                </a:solidFill>
+                <a:highlight>
+                  <a:srgbClr val="C0C0C0"/>
+                </a:highlight>
+                <a:latin typeface="Calibri"/>
+              </a:rPr>
+              <a:t> DESCRIPTION DES ALGORITHMES ETUDIE</a:t>
+            </a:r>
+            <a:endParaRPr lang="en-GB" sz="1800" b="0" strike="noStrike" spc="-1" dirty="0">
+              <a:highlight>
+                <a:srgbClr val="C0C0C0"/>
+              </a:highlight>
+              <a:latin typeface="Arial"/>
+            </a:endParaRPr>
+          </a:p>
+        </p:txBody>
+      </p:sp>
     </p:spTree>
   </p:cSld>
+  <p:clrMapOvr>
+    <a:masterClrMapping/>
+  </p:clrMapOvr>
   <p:timing>
     <p:tnLst>
       <p:par>
-        <p:cTn id="7" dur="indefinite" restart="never" nodeType="tmRoot">
+        <p:cTn id="1" dur="indefinite" restart="never" nodeType="tmRoot">
           <p:childTnLst>
             <p:seq>
-              <p:cTn id="8" dur="indefinite" nodeType="mainSeq"/>
+              <p:cTn id="2" dur="indefinite" nodeType="mainSeq"/>
               <p:prevCondLst>
-                <p:cond delay="0" evt="onPrev">
+                <p:cond evt="onPrev" delay="0">
                   <p:tgtEl>
                     <p:sldTgt/>
                   </p:tgtEl>
                 </p:cond>
               </p:prevCondLst>
               <p:nextCondLst>
-                <p:cond delay="0" evt="onNext">
+                <p:cond evt="onNext" delay="0">
                   <p:tgtEl>
                     <p:sldTgt/>
                   </p:tgtEl>
@@ -4855,7 +5749,7 @@
 </file>
 
 <file path=ppt/slides/slide5.xml><?xml version="1.0" encoding="utf-8"?>
-<p:sld xmlns:a="http://schemas.openxmlformats.org/drawingml/2006/main" xmlns:p="http://schemas.openxmlformats.org/presentationml/2006/main" xmlns:r="http://schemas.openxmlformats.org/officeDocument/2006/relationships" xmlns:p14="http://schemas.microsoft.com/office/powerpoint/2010/main" xmlns:p15="http://schemas.microsoft.com/office/powerpoint/2012/main" xmlns:mc="http://schemas.openxmlformats.org/markup-compatibility/2006">
+<p:sld xmlns:a="http://schemas.openxmlformats.org/drawingml/2006/main" xmlns:r="http://schemas.openxmlformats.org/officeDocument/2006/relationships" xmlns:p="http://schemas.openxmlformats.org/presentationml/2006/main">
   <p:cSld>
     <p:spTree>
       <p:nvGrpSpPr>
@@ -4891,13 +5785,20 @@
           </a:ln>
         </p:spPr>
         <p:style>
-          <a:lnRef idx="0"/>
-          <a:fillRef idx="0"/>
-          <a:effectRef idx="0"/>
+          <a:lnRef idx="0">
+            <a:scrgbClr r="0" g="0" b="0"/>
+          </a:lnRef>
+          <a:fillRef idx="0">
+            <a:scrgbClr r="0" g="0" b="0"/>
+          </a:fillRef>
+          <a:effectRef idx="0">
+            <a:scrgbClr r="0" g="0" b="0"/>
+          </a:effectRef>
           <a:fontRef idx="minor"/>
         </p:style>
         <p:txBody>
-          <a:bodyPr wrap="none" lIns="90000" rIns="90000" tIns="45000" bIns="45000"/>
+          <a:bodyPr wrap="none" lIns="90000" tIns="45000" rIns="90000" bIns="45000"/>
+          <a:lstStyle/>
           <a:p>
             <a:pPr>
               <a:lnSpc>
@@ -4905,7 +5806,7 @@
               </a:lnSpc>
             </a:pPr>
             <a:r>
-              <a:rPr b="0" lang="en-GB" sz="1800" spc="-1" strike="noStrike">
+              <a:rPr lang="en-GB" sz="1800" b="0" strike="noStrike" spc="-1">
                 <a:solidFill>
                   <a:srgbClr val="000000"/>
                 </a:solidFill>
@@ -4913,7 +5814,7 @@
               </a:rPr>
               <a:t>Etape 3 : CV </a:t>
             </a:r>
-            <a:endParaRPr b="0" lang="en-GB" sz="1800" spc="-1" strike="noStrike">
+            <a:endParaRPr lang="en-GB" sz="1800" b="0" strike="noStrike" spc="-1">
               <a:latin typeface="Arial"/>
             </a:endParaRPr>
           </a:p>
@@ -4939,13 +5840,20 @@
           </a:ln>
         </p:spPr>
         <p:style>
-          <a:lnRef idx="0"/>
-          <a:fillRef idx="0"/>
-          <a:effectRef idx="0"/>
+          <a:lnRef idx="0">
+            <a:scrgbClr r="0" g="0" b="0"/>
+          </a:lnRef>
+          <a:fillRef idx="0">
+            <a:scrgbClr r="0" g="0" b="0"/>
+          </a:fillRef>
+          <a:effectRef idx="0">
+            <a:scrgbClr r="0" g="0" b="0"/>
+          </a:effectRef>
           <a:fontRef idx="minor"/>
         </p:style>
         <p:txBody>
-          <a:bodyPr lIns="90000" rIns="90000" tIns="45000" bIns="45000"/>
+          <a:bodyPr lIns="90000" tIns="45000" rIns="90000" bIns="45000"/>
+          <a:lstStyle/>
           <a:p>
             <a:pPr>
               <a:lnSpc>
@@ -4953,7 +5861,7 @@
               </a:lnSpc>
             </a:pPr>
             <a:r>
-              <a:rPr b="0" lang="en-GB" sz="1400" spc="-1" strike="noStrike">
+              <a:rPr lang="en-GB" sz="1400" b="0" strike="noStrike" spc="-1">
                 <a:solidFill>
                   <a:srgbClr val="000000"/>
                 </a:solidFill>
@@ -4961,7 +5869,7 @@
               </a:rPr>
               <a:t>from sklearn import your_model_of_choice</a:t>
             </a:r>
-            <a:endParaRPr b="0" lang="en-GB" sz="1400" spc="-1" strike="noStrike">
+            <a:endParaRPr lang="en-GB" sz="1400" b="0" strike="noStrike" spc="-1">
               <a:latin typeface="Arial"/>
             </a:endParaRPr>
           </a:p>
@@ -4972,7 +5880,7 @@
               </a:lnSpc>
             </a:pPr>
             <a:r>
-              <a:rPr b="0" lang="en-GB" sz="1400" spc="-1" strike="noStrike">
+              <a:rPr lang="en-GB" sz="1400" b="0" strike="noStrike" spc="-1">
                 <a:solidFill>
                   <a:srgbClr val="000000"/>
                 </a:solidFill>
@@ -4980,7 +5888,7 @@
               </a:rPr>
               <a:t>from sklearn.model_selection import cross_val_score</a:t>
             </a:r>
-            <a:endParaRPr b="0" lang="en-GB" sz="1400" spc="-1" strike="noStrike">
+            <a:endParaRPr lang="en-GB" sz="1400" b="0" strike="noStrike" spc="-1">
               <a:latin typeface="Arial"/>
             </a:endParaRPr>
           </a:p>
@@ -4991,7 +5899,7 @@
               </a:lnSpc>
             </a:pPr>
             <a:r>
-              <a:rPr b="0" lang="en-GB" sz="1400" spc="-1" strike="noStrike">
+              <a:rPr lang="en-GB" sz="1400" b="0" strike="noStrike" spc="-1">
                 <a:solidFill>
                   <a:srgbClr val="000000"/>
                 </a:solidFill>
@@ -4999,7 +5907,7 @@
               </a:rPr>
               <a:t>clf = tree.DecisionTreeClassifier()</a:t>
             </a:r>
-            <a:endParaRPr b="0" lang="en-GB" sz="1400" spc="-1" strike="noStrike">
+            <a:endParaRPr lang="en-GB" sz="1400" b="0" strike="noStrike" spc="-1">
               <a:latin typeface="Arial"/>
             </a:endParaRPr>
           </a:p>
@@ -5010,7 +5918,7 @@
               </a:lnSpc>
             </a:pPr>
             <a:r>
-              <a:rPr b="0" lang="en-GB" sz="1400" spc="-1" strike="noStrike">
+              <a:rPr lang="en-GB" sz="1400" b="0" strike="noStrike" spc="-1">
                 <a:solidFill>
                   <a:srgbClr val="000000"/>
                 </a:solidFill>
@@ -5018,7 +5926,7 @@
               </a:rPr>
               <a:t>print (cross_val_score(clf,trainData,trainLabels,cv=10, scoring="accuracy").mean())</a:t>
             </a:r>
-            <a:endParaRPr b="0" lang="en-GB" sz="1400" spc="-1" strike="noStrike">
+            <a:endParaRPr lang="en-GB" sz="1400" b="0" strike="noStrike" spc="-1">
               <a:latin typeface="Arial"/>
             </a:endParaRPr>
           </a:p>
@@ -5028,7 +5936,7 @@
                 <a:spcPct val="100000"/>
               </a:lnSpc>
             </a:pPr>
-            <a:endParaRPr b="0" lang="en-GB" sz="1400" spc="-1" strike="noStrike">
+            <a:endParaRPr lang="en-GB" sz="1400" b="0" strike="noStrike" spc="-1">
               <a:latin typeface="Arial"/>
             </a:endParaRPr>
           </a:p>
@@ -5036,12 +5944,12 @@
       </p:sp>
       <p:pic>
         <p:nvPicPr>
-          <p:cNvPr id="100" name="" descr=""/>
+          <p:cNvPr id="100" name="Image 99"/>
           <p:cNvPicPr/>
           <p:nvPr/>
         </p:nvPicPr>
         <p:blipFill>
-          <a:blip r:embed="rId1"/>
+          <a:blip r:embed="rId2"/>
           <a:stretch/>
         </p:blipFill>
         <p:spPr>
@@ -5057,24 +5965,94 @@
           </a:ln>
         </p:spPr>
       </p:pic>
+      <p:sp>
+        <p:nvSpPr>
+          <p:cNvPr id="5" name="CustomShape 1">
+            <a:extLst>
+              <a:ext uri="{FF2B5EF4-FFF2-40B4-BE49-F238E27FC236}">
+                <a16:creationId xmlns:a16="http://schemas.microsoft.com/office/drawing/2014/main" id="{AF0470DF-C6C9-42FC-A2AE-98AF79752C56}"/>
+              </a:ext>
+            </a:extLst>
+          </p:cNvPr>
+          <p:cNvSpPr/>
+          <p:nvPr/>
+        </p:nvSpPr>
+        <p:spPr>
+          <a:xfrm>
+            <a:off x="3963600" y="961920"/>
+            <a:ext cx="4264920" cy="364680"/>
+          </a:xfrm>
+          <a:prstGeom prst="rect">
+            <a:avLst/>
+          </a:prstGeom>
+          <a:noFill/>
+          <a:ln>
+            <a:noFill/>
+          </a:ln>
+        </p:spPr>
+        <p:style>
+          <a:lnRef idx="0">
+            <a:scrgbClr r="0" g="0" b="0"/>
+          </a:lnRef>
+          <a:fillRef idx="0">
+            <a:scrgbClr r="0" g="0" b="0"/>
+          </a:fillRef>
+          <a:effectRef idx="0">
+            <a:scrgbClr r="0" g="0" b="0"/>
+          </a:effectRef>
+          <a:fontRef idx="minor"/>
+        </p:style>
+        <p:txBody>
+          <a:bodyPr lIns="90000" tIns="45000" rIns="90000" bIns="45000"/>
+          <a:lstStyle/>
+          <a:p>
+            <a:pPr>
+              <a:lnSpc>
+                <a:spcPct val="100000"/>
+              </a:lnSpc>
+            </a:pPr>
+            <a:r>
+              <a:rPr lang="en-GB" sz="1800" b="0" strike="noStrike" spc="-1" dirty="0">
+                <a:solidFill>
+                  <a:srgbClr val="000000"/>
+                </a:solidFill>
+                <a:highlight>
+                  <a:srgbClr val="C0C0C0"/>
+                </a:highlight>
+                <a:latin typeface="Calibri"/>
+              </a:rPr>
+              <a:t> DESCRIPTION DES ALGORITHMES ETUDIE</a:t>
+            </a:r>
+            <a:endParaRPr lang="en-GB" sz="1800" b="0" strike="noStrike" spc="-1" dirty="0">
+              <a:highlight>
+                <a:srgbClr val="C0C0C0"/>
+              </a:highlight>
+              <a:latin typeface="Arial"/>
+            </a:endParaRPr>
+          </a:p>
+        </p:txBody>
+      </p:sp>
     </p:spTree>
   </p:cSld>
+  <p:clrMapOvr>
+    <a:masterClrMapping/>
+  </p:clrMapOvr>
   <p:timing>
     <p:tnLst>
       <p:par>
-        <p:cTn id="9" dur="indefinite" restart="never" nodeType="tmRoot">
+        <p:cTn id="1" dur="indefinite" restart="never" nodeType="tmRoot">
           <p:childTnLst>
             <p:seq>
-              <p:cTn id="10" dur="indefinite" nodeType="mainSeq"/>
+              <p:cTn id="2" dur="indefinite" nodeType="mainSeq"/>
               <p:prevCondLst>
-                <p:cond delay="0" evt="onPrev">
+                <p:cond evt="onPrev" delay="0">
                   <p:tgtEl>
                     <p:sldTgt/>
                   </p:tgtEl>
                 </p:cond>
               </p:prevCondLst>
               <p:nextCondLst>
-                <p:cond delay="0" evt="onNext">
+                <p:cond evt="onNext" delay="0">
                   <p:tgtEl>
                     <p:sldTgt/>
                   </p:tgtEl>
@@ -5090,7 +6068,7 @@
 </file>
 
 <file path=ppt/slides/slide6.xml><?xml version="1.0" encoding="utf-8"?>
-<p:sld xmlns:a="http://schemas.openxmlformats.org/drawingml/2006/main" xmlns:p="http://schemas.openxmlformats.org/presentationml/2006/main" xmlns:r="http://schemas.openxmlformats.org/officeDocument/2006/relationships" xmlns:p14="http://schemas.microsoft.com/office/powerpoint/2010/main" xmlns:p15="http://schemas.microsoft.com/office/powerpoint/2012/main" xmlns:mc="http://schemas.openxmlformats.org/markup-compatibility/2006">
+<p:sld xmlns:a="http://schemas.openxmlformats.org/drawingml/2006/main" xmlns:r="http://schemas.openxmlformats.org/officeDocument/2006/relationships" xmlns:p="http://schemas.openxmlformats.org/presentationml/2006/main">
   <p:cSld>
     <p:spTree>
       <p:nvGrpSpPr>
@@ -5126,13 +6104,20 @@
           </a:ln>
         </p:spPr>
         <p:style>
-          <a:lnRef idx="0"/>
-          <a:fillRef idx="0"/>
-          <a:effectRef idx="0"/>
+          <a:lnRef idx="0">
+            <a:scrgbClr r="0" g="0" b="0"/>
+          </a:lnRef>
+          <a:fillRef idx="0">
+            <a:scrgbClr r="0" g="0" b="0"/>
+          </a:fillRef>
+          <a:effectRef idx="0">
+            <a:scrgbClr r="0" g="0" b="0"/>
+          </a:effectRef>
           <a:fontRef idx="minor"/>
         </p:style>
         <p:txBody>
-          <a:bodyPr lIns="90000" rIns="90000" tIns="45000" bIns="45000"/>
+          <a:bodyPr lIns="90000" tIns="45000" rIns="90000" bIns="45000"/>
+          <a:lstStyle/>
           <a:p>
             <a:pPr>
               <a:lnSpc>
@@ -5140,15 +6125,21 @@
               </a:lnSpc>
             </a:pPr>
             <a:r>
-              <a:rPr b="0" lang="en-GB" sz="1800" spc="-1" strike="noStrike">
+              <a:rPr lang="en-GB" sz="1800" b="0" strike="noStrike" spc="-1" dirty="0">
                 <a:solidFill>
                   <a:srgbClr val="000000"/>
                 </a:solidFill>
+                <a:highlight>
+                  <a:srgbClr val="C0C0C0"/>
+                </a:highlight>
                 <a:latin typeface="Calibri"/>
               </a:rPr>
               <a:t>DISCUSION ET CONCLUSION </a:t>
             </a:r>
-            <a:endParaRPr b="0" lang="en-GB" sz="1800" spc="-1" strike="noStrike">
+            <a:endParaRPr lang="en-GB" sz="1800" b="0" strike="noStrike" spc="-1" dirty="0">
+              <a:highlight>
+                <a:srgbClr val="C0C0C0"/>
+              </a:highlight>
               <a:latin typeface="Arial"/>
             </a:endParaRPr>
           </a:p>
@@ -5156,30 +6147,7 @@
       </p:sp>
       <p:pic>
         <p:nvPicPr>
-          <p:cNvPr id="102" name="Image 5" descr=""/>
-          <p:cNvPicPr/>
-          <p:nvPr/>
-        </p:nvPicPr>
-        <p:blipFill>
-          <a:blip r:embed="rId1"/>
-          <a:stretch/>
-        </p:blipFill>
-        <p:spPr>
-          <a:xfrm>
-            <a:off x="609480" y="1581480"/>
-            <a:ext cx="6558120" cy="1587960"/>
-          </a:xfrm>
-          <a:prstGeom prst="rect">
-            <a:avLst/>
-          </a:prstGeom>
-          <a:ln>
-            <a:noFill/>
-          </a:ln>
-        </p:spPr>
-      </p:pic>
-      <p:pic>
-        <p:nvPicPr>
-          <p:cNvPr id="103" name="Image 7" descr=""/>
+          <p:cNvPr id="102" name="Image 5"/>
           <p:cNvPicPr/>
           <p:nvPr/>
         </p:nvPicPr>
@@ -5189,6 +6157,29 @@
         </p:blipFill>
         <p:spPr>
           <a:xfrm>
+            <a:off x="609480" y="1581480"/>
+            <a:ext cx="6558120" cy="1587960"/>
+          </a:xfrm>
+          <a:prstGeom prst="rect">
+            <a:avLst/>
+          </a:prstGeom>
+          <a:ln>
+            <a:noFill/>
+          </a:ln>
+        </p:spPr>
+      </p:pic>
+      <p:pic>
+        <p:nvPicPr>
+          <p:cNvPr id="103" name="Image 7"/>
+          <p:cNvPicPr/>
+          <p:nvPr/>
+        </p:nvPicPr>
+        <p:blipFill>
+          <a:blip r:embed="rId3"/>
+          <a:stretch/>
+        </p:blipFill>
+        <p:spPr>
+          <a:xfrm>
             <a:off x="684720" y="3322800"/>
             <a:ext cx="6526080" cy="1587960"/>
           </a:xfrm>
@@ -5220,13 +6211,20 @@
           </a:ln>
         </p:spPr>
         <p:style>
-          <a:lnRef idx="0"/>
-          <a:fillRef idx="0"/>
-          <a:effectRef idx="0"/>
+          <a:lnRef idx="0">
+            <a:scrgbClr r="0" g="0" b="0"/>
+          </a:lnRef>
+          <a:fillRef idx="0">
+            <a:scrgbClr r="0" g="0" b="0"/>
+          </a:fillRef>
+          <a:effectRef idx="0">
+            <a:scrgbClr r="0" g="0" b="0"/>
+          </a:effectRef>
           <a:fontRef idx="minor"/>
         </p:style>
         <p:txBody>
-          <a:bodyPr lIns="90000" rIns="90000" tIns="45000" bIns="45000"/>
+          <a:bodyPr lIns="90000" tIns="45000" rIns="90000" bIns="45000"/>
+          <a:lstStyle/>
           <a:p>
             <a:pPr>
               <a:lnSpc>
@@ -5234,7 +6232,7 @@
               </a:lnSpc>
             </a:pPr>
             <a:r>
-              <a:rPr b="0" lang="en-GB" sz="1800" spc="-1" strike="noStrike">
+              <a:rPr lang="en-GB" sz="1800" b="0" strike="noStrike" spc="-1">
                 <a:solidFill>
                   <a:srgbClr val="000000"/>
                 </a:solidFill>
@@ -5242,7 +6240,7 @@
               </a:rPr>
               <a:t>* Classifieurs sont sensible à la quantité de données</a:t>
             </a:r>
-            <a:endParaRPr b="0" lang="en-GB" sz="1800" spc="-1" strike="noStrike">
+            <a:endParaRPr lang="en-GB" sz="1800" b="0" strike="noStrike" spc="-1">
               <a:latin typeface="Arial"/>
             </a:endParaRPr>
           </a:p>
@@ -5268,13 +6266,20 @@
           </a:ln>
         </p:spPr>
         <p:style>
-          <a:lnRef idx="0"/>
-          <a:fillRef idx="0"/>
-          <a:effectRef idx="0"/>
+          <a:lnRef idx="0">
+            <a:scrgbClr r="0" g="0" b="0"/>
+          </a:lnRef>
+          <a:fillRef idx="0">
+            <a:scrgbClr r="0" g="0" b="0"/>
+          </a:fillRef>
+          <a:effectRef idx="0">
+            <a:scrgbClr r="0" g="0" b="0"/>
+          </a:effectRef>
           <a:fontRef idx="minor"/>
         </p:style>
         <p:txBody>
-          <a:bodyPr wrap="none" lIns="90000" rIns="90000" tIns="45000" bIns="45000"/>
+          <a:bodyPr wrap="none" lIns="90000" tIns="45000" rIns="90000" bIns="45000"/>
+          <a:lstStyle/>
           <a:p>
             <a:pPr>
               <a:lnSpc>
@@ -5282,7 +6287,7 @@
               </a:lnSpc>
             </a:pPr>
             <a:r>
-              <a:rPr b="0" lang="en-GB" sz="1800" spc="-1" strike="noStrike">
+              <a:rPr lang="en-GB" sz="1800" b="0" strike="noStrike" spc="-1">
                 <a:solidFill>
                   <a:srgbClr val="000000"/>
                 </a:solidFill>
@@ -5290,7 +6295,7 @@
               </a:rPr>
               <a:t>* D’autres facteurs ?</a:t>
             </a:r>
-            <a:endParaRPr b="0" lang="en-GB" sz="1800" spc="-1" strike="noStrike">
+            <a:endParaRPr lang="en-GB" sz="1800" b="0" strike="noStrike" spc="-1">
               <a:latin typeface="Arial"/>
             </a:endParaRPr>
           </a:p>
@@ -5298,22 +6303,25 @@
       </p:sp>
     </p:spTree>
   </p:cSld>
+  <p:clrMapOvr>
+    <a:masterClrMapping/>
+  </p:clrMapOvr>
   <p:timing>
     <p:tnLst>
       <p:par>
-        <p:cTn id="11" dur="indefinite" restart="never" nodeType="tmRoot">
+        <p:cTn id="1" dur="indefinite" restart="never" nodeType="tmRoot">
           <p:childTnLst>
             <p:seq>
-              <p:cTn id="12" dur="indefinite" nodeType="mainSeq"/>
+              <p:cTn id="2" dur="indefinite" nodeType="mainSeq"/>
               <p:prevCondLst>
-                <p:cond delay="0" evt="onPrev">
+                <p:cond evt="onPrev" delay="0">
                   <p:tgtEl>
                     <p:sldTgt/>
                   </p:tgtEl>
                 </p:cond>
               </p:prevCondLst>
               <p:nextCondLst>
-                <p:cond delay="0" evt="onNext">
+                <p:cond evt="onNext" delay="0">
                   <p:tgtEl>
                     <p:sldTgt/>
                   </p:tgtEl>
@@ -5339,34 +6347,34 @@
         <a:sysClr val="window" lastClr="FFFFFF"/>
       </a:lt1>
       <a:dk2>
-        <a:srgbClr val="44546a"/>
+        <a:srgbClr val="44546A"/>
       </a:dk2>
       <a:lt2>
-        <a:srgbClr val="e7e6e6"/>
+        <a:srgbClr val="E7E6E6"/>
       </a:lt2>
       <a:accent1>
-        <a:srgbClr val="4472c4"/>
+        <a:srgbClr val="4472C4"/>
       </a:accent1>
       <a:accent2>
-        <a:srgbClr val="ed7d31"/>
+        <a:srgbClr val="ED7D31"/>
       </a:accent2>
       <a:accent3>
-        <a:srgbClr val="a5a5a5"/>
+        <a:srgbClr val="A5A5A5"/>
       </a:accent3>
       <a:accent4>
-        <a:srgbClr val="ffc000"/>
+        <a:srgbClr val="FFC000"/>
       </a:accent4>
       <a:accent5>
-        <a:srgbClr val="5b9bd5"/>
+        <a:srgbClr val="5B9BD5"/>
       </a:accent5>
       <a:accent6>
-        <a:srgbClr val="70ad47"/>
+        <a:srgbClr val="70AD47"/>
       </a:accent6>
       <a:hlink>
-        <a:srgbClr val="0563c1"/>
+        <a:srgbClr val="0563C1"/>
       </a:hlink>
       <a:folHlink>
-        <a:srgbClr val="954f72"/>
+        <a:srgbClr val="954F72"/>
       </a:folHlink>
     </a:clrScheme>
     <a:fontScheme name="Office">
@@ -5548,6 +6556,8 @@
       </a:bgFillStyleLst>
     </a:fmtScheme>
   </a:themeElements>
+  <a:objectDefaults/>
+  <a:extraClrSchemeLst/>
 </a:theme>
 </file>
 
@@ -5562,34 +6572,34 @@
         <a:sysClr val="window" lastClr="FFFFFF"/>
       </a:lt1>
       <a:dk2>
-        <a:srgbClr val="44546a"/>
+        <a:srgbClr val="44546A"/>
       </a:dk2>
       <a:lt2>
-        <a:srgbClr val="e7e6e6"/>
+        <a:srgbClr val="E7E6E6"/>
       </a:lt2>
       <a:accent1>
-        <a:srgbClr val="4472c4"/>
+        <a:srgbClr val="4472C4"/>
       </a:accent1>
       <a:accent2>
-        <a:srgbClr val="ed7d31"/>
+        <a:srgbClr val="ED7D31"/>
       </a:accent2>
       <a:accent3>
-        <a:srgbClr val="a5a5a5"/>
+        <a:srgbClr val="A5A5A5"/>
       </a:accent3>
       <a:accent4>
-        <a:srgbClr val="ffc000"/>
+        <a:srgbClr val="FFC000"/>
       </a:accent4>
       <a:accent5>
-        <a:srgbClr val="5b9bd5"/>
+        <a:srgbClr val="5B9BD5"/>
       </a:accent5>
       <a:accent6>
-        <a:srgbClr val="70ad47"/>
+        <a:srgbClr val="70AD47"/>
       </a:accent6>
       <a:hlink>
-        <a:srgbClr val="0563c1"/>
+        <a:srgbClr val="0563C1"/>
       </a:hlink>
       <a:folHlink>
-        <a:srgbClr val="954f72"/>
+        <a:srgbClr val="954F72"/>
       </a:folHlink>
     </a:clrScheme>
     <a:fontScheme name="Office">
@@ -5771,5 +6781,7 @@
       </a:bgFillStyleLst>
     </a:fmtScheme>
   </a:themeElements>
+  <a:objectDefaults/>
+  <a:extraClrSchemeLst/>
 </a:theme>
 </file>